--- a/Presentation/NP-group3-Caro-final.pptx
+++ b/Presentation/NP-group3-Caro-final.pptx
@@ -5,33 +5,34 @@
     <p:sldMasterId id="2147483673" r:id="rId1"/>
   </p:sldMasterIdLst>
   <p:notesMasterIdLst>
-    <p:notesMasterId r:id="rId11"/>
+    <p:notesMasterId r:id="rId12"/>
   </p:notesMasterIdLst>
   <p:sldIdLst>
     <p:sldId id="256" r:id="rId2"/>
-    <p:sldId id="257" r:id="rId3"/>
-    <p:sldId id="260" r:id="rId4"/>
-    <p:sldId id="261" r:id="rId5"/>
-    <p:sldId id="262" r:id="rId6"/>
-    <p:sldId id="286" r:id="rId7"/>
-    <p:sldId id="288" r:id="rId8"/>
-    <p:sldId id="287" r:id="rId9"/>
-    <p:sldId id="277" r:id="rId10"/>
+    <p:sldId id="289" r:id="rId3"/>
+    <p:sldId id="257" r:id="rId4"/>
+    <p:sldId id="260" r:id="rId5"/>
+    <p:sldId id="261" r:id="rId6"/>
+    <p:sldId id="262" r:id="rId7"/>
+    <p:sldId id="286" r:id="rId8"/>
+    <p:sldId id="288" r:id="rId9"/>
+    <p:sldId id="287" r:id="rId10"/>
+    <p:sldId id="277" r:id="rId11"/>
   </p:sldIdLst>
   <p:sldSz cx="9144000" cy="5143500" type="screen16x9"/>
   <p:notesSz cx="6858000" cy="9144000"/>
   <p:embeddedFontLst>
     <p:embeddedFont>
       <p:font typeface="Hind Siliguri" panose="020B0604020202020204" charset="0"/>
-      <p:regular r:id="rId12"/>
-      <p:bold r:id="rId13"/>
+      <p:regular r:id="rId13"/>
+      <p:bold r:id="rId14"/>
     </p:embeddedFont>
     <p:embeddedFont>
       <p:font typeface="Lato" panose="020B0604020202020204" charset="0"/>
-      <p:regular r:id="rId14"/>
-      <p:bold r:id="rId15"/>
-      <p:italic r:id="rId16"/>
-      <p:boldItalic r:id="rId17"/>
+      <p:regular r:id="rId15"/>
+      <p:bold r:id="rId16"/>
+      <p:italic r:id="rId17"/>
+      <p:boldItalic r:id="rId18"/>
     </p:embeddedFont>
   </p:embeddedFontLst>
   <p:defaultTextStyle>
@@ -913,6 +914,11 @@
         </p:txBody>
       </p:sp>
     </p:spTree>
+    <p:extLst>
+      <p:ext uri="{BB962C8B-B14F-4D97-AF65-F5344CB8AC3E}">
+        <p14:creationId xmlns:p14="http://schemas.microsoft.com/office/powerpoint/2010/main" val="447244529"/>
+      </p:ext>
+    </p:extLst>
   </p:cSld>
   <p:clrMapOvr>
     <a:masterClrMapping/>
@@ -921,6 +927,110 @@
 </file>
 
 <file path=ppt/notesSlides/notesSlide3.xml><?xml version="1.0" encoding="utf-8"?>
+<p:notes xmlns:a="http://schemas.openxmlformats.org/drawingml/2006/main" xmlns:r="http://schemas.openxmlformats.org/officeDocument/2006/relationships" xmlns:p="http://schemas.openxmlformats.org/presentationml/2006/main" showMasterSp="0" showMasterPhAnim="0">
+  <p:cSld>
+    <p:spTree>
+      <p:nvGrpSpPr>
+        <p:cNvPr id="1" name="Shape 326"/>
+        <p:cNvGrpSpPr/>
+        <p:nvPr/>
+      </p:nvGrpSpPr>
+      <p:grpSpPr>
+        <a:xfrm>
+          <a:off x="0" y="0"/>
+          <a:ext cx="0" cy="0"/>
+          <a:chOff x="0" y="0"/>
+          <a:chExt cx="0" cy="0"/>
+        </a:xfrm>
+      </p:grpSpPr>
+      <p:sp>
+        <p:nvSpPr>
+          <p:cNvPr id="327" name="Google Shape;327;gaed0d09453_0_0:notes"/>
+          <p:cNvSpPr>
+            <a:spLocks noGrp="1" noRot="1" noChangeAspect="1"/>
+          </p:cNvSpPr>
+          <p:nvPr>
+            <p:ph type="sldImg" idx="2"/>
+          </p:nvPr>
+        </p:nvSpPr>
+        <p:spPr>
+          <a:xfrm>
+            <a:off x="381000" y="685800"/>
+            <a:ext cx="6096000" cy="3429000"/>
+          </a:xfrm>
+          <a:custGeom>
+            <a:avLst/>
+            <a:gdLst/>
+            <a:ahLst/>
+            <a:cxnLst/>
+            <a:rect l="l" t="t" r="r" b="b"/>
+            <a:pathLst>
+              <a:path w="120000" h="120000" extrusionOk="0">
+                <a:moveTo>
+                  <a:pt x="0" y="0"/>
+                </a:moveTo>
+                <a:lnTo>
+                  <a:pt x="120000" y="0"/>
+                </a:lnTo>
+                <a:lnTo>
+                  <a:pt x="120000" y="120000"/>
+                </a:lnTo>
+                <a:lnTo>
+                  <a:pt x="0" y="120000"/>
+                </a:lnTo>
+                <a:close/>
+              </a:path>
+            </a:pathLst>
+          </a:custGeom>
+        </p:spPr>
+      </p:sp>
+      <p:sp>
+        <p:nvSpPr>
+          <p:cNvPr id="328" name="Google Shape;328;gaed0d09453_0_0:notes"/>
+          <p:cNvSpPr txBox="1">
+            <a:spLocks noGrp="1"/>
+          </p:cNvSpPr>
+          <p:nvPr>
+            <p:ph type="body" idx="1"/>
+          </p:nvPr>
+        </p:nvSpPr>
+        <p:spPr>
+          <a:xfrm>
+            <a:off x="685800" y="4343400"/>
+            <a:ext cx="5486400" cy="4114800"/>
+          </a:xfrm>
+          <a:prstGeom prst="rect">
+            <a:avLst/>
+          </a:prstGeom>
+        </p:spPr>
+        <p:txBody>
+          <a:bodyPr spcFirstLastPara="1" wrap="square" lIns="91425" tIns="91425" rIns="91425" bIns="91425" anchor="t" anchorCtr="0">
+            <a:noAutofit/>
+          </a:bodyPr>
+          <a:lstStyle/>
+          <a:p>
+            <a:pPr marL="0" lvl="0" indent="0" algn="l" rtl="0">
+              <a:spcBef>
+                <a:spcPts val="0"/>
+              </a:spcBef>
+              <a:spcAft>
+                <a:spcPts val="0"/>
+              </a:spcAft>
+              <a:buNone/>
+            </a:pPr>
+            <a:endParaRPr/>
+          </a:p>
+        </p:txBody>
+      </p:sp>
+    </p:spTree>
+  </p:cSld>
+  <p:clrMapOvr>
+    <a:masterClrMapping/>
+  </p:clrMapOvr>
+</p:notes>
+</file>
+
+<file path=ppt/notesSlides/notesSlide4.xml><?xml version="1.0" encoding="utf-8"?>
 <p:notes xmlns:a="http://schemas.openxmlformats.org/drawingml/2006/main" xmlns:r="http://schemas.openxmlformats.org/officeDocument/2006/relationships" xmlns:p="http://schemas.openxmlformats.org/presentationml/2006/main" showMasterSp="0" showMasterPhAnim="0">
   <p:cSld>
     <p:spTree>
@@ -1024,7 +1134,7 @@
 </p:notes>
 </file>
 
-<file path=ppt/notesSlides/notesSlide4.xml><?xml version="1.0" encoding="utf-8"?>
+<file path=ppt/notesSlides/notesSlide5.xml><?xml version="1.0" encoding="utf-8"?>
 <p:notes xmlns:a="http://schemas.openxmlformats.org/drawingml/2006/main" xmlns:r="http://schemas.openxmlformats.org/officeDocument/2006/relationships" xmlns:p="http://schemas.openxmlformats.org/presentationml/2006/main" showMasterSp="0" showMasterPhAnim="0">
   <p:cSld>
     <p:spTree>
@@ -1128,7 +1238,7 @@
 </p:notes>
 </file>
 
-<file path=ppt/notesSlides/notesSlide5.xml><?xml version="1.0" encoding="utf-8"?>
+<file path=ppt/notesSlides/notesSlide6.xml><?xml version="1.0" encoding="utf-8"?>
 <p:notes xmlns:a="http://schemas.openxmlformats.org/drawingml/2006/main" xmlns:r="http://schemas.openxmlformats.org/officeDocument/2006/relationships" xmlns:p="http://schemas.openxmlformats.org/presentationml/2006/main" showMasterSp="0" showMasterPhAnim="0">
   <p:cSld>
     <p:spTree>
@@ -1232,7 +1342,7 @@
 </p:notes>
 </file>
 
-<file path=ppt/notesSlides/notesSlide6.xml><?xml version="1.0" encoding="utf-8"?>
+<file path=ppt/notesSlides/notesSlide7.xml><?xml version="1.0" encoding="utf-8"?>
 <p:notes xmlns:a="http://schemas.openxmlformats.org/drawingml/2006/main" xmlns:r="http://schemas.openxmlformats.org/officeDocument/2006/relationships" xmlns:p="http://schemas.openxmlformats.org/presentationml/2006/main" showMasterSp="0" showMasterPhAnim="0">
   <p:cSld>
     <p:spTree>
@@ -18548,7 +18658,3925 @@
 </p:sld>
 </file>
 
+<file path=ppt/slides/slide10.xml><?xml version="1.0" encoding="utf-8"?>
+<p:sld xmlns:a="http://schemas.openxmlformats.org/drawingml/2006/main" xmlns:r="http://schemas.openxmlformats.org/officeDocument/2006/relationships" xmlns:p="http://schemas.openxmlformats.org/presentationml/2006/main">
+  <p:cSld>
+    <p:spTree>
+      <p:nvGrpSpPr>
+        <p:cNvPr id="1" name="Shape 865"/>
+        <p:cNvGrpSpPr/>
+        <p:nvPr/>
+      </p:nvGrpSpPr>
+      <p:grpSpPr>
+        <a:xfrm>
+          <a:off x="0" y="0"/>
+          <a:ext cx="0" cy="0"/>
+          <a:chOff x="0" y="0"/>
+          <a:chExt cx="0" cy="0"/>
+        </a:xfrm>
+      </p:grpSpPr>
+      <p:sp>
+        <p:nvSpPr>
+          <p:cNvPr id="866" name="Google Shape;866;p49"/>
+          <p:cNvSpPr txBox="1">
+            <a:spLocks noGrp="1"/>
+          </p:cNvSpPr>
+          <p:nvPr>
+            <p:ph type="title"/>
+          </p:nvPr>
+        </p:nvSpPr>
+        <p:spPr>
+          <a:prstGeom prst="rect">
+            <a:avLst/>
+          </a:prstGeom>
+        </p:spPr>
+        <p:txBody>
+          <a:bodyPr spcFirstLastPara="1" wrap="square" lIns="91425" tIns="91425" rIns="91425" bIns="91425" anchor="t" anchorCtr="0">
+            <a:noAutofit/>
+          </a:bodyPr>
+          <a:lstStyle/>
+          <a:p>
+            <a:pPr marL="0" lvl="0" indent="0" algn="ctr" rtl="0">
+              <a:spcBef>
+                <a:spcPts val="0"/>
+              </a:spcBef>
+              <a:spcAft>
+                <a:spcPts val="0"/>
+              </a:spcAft>
+              <a:buNone/>
+            </a:pPr>
+            <a:r>
+              <a:rPr lang="en" sz="3500" dirty="0"/>
+              <a:t>THANK YOU FOR YOUR ATTENTION !</a:t>
+            </a:r>
+            <a:endParaRPr sz="3500" dirty="0"/>
+          </a:p>
+        </p:txBody>
+      </p:sp>
+      <p:sp>
+        <p:nvSpPr>
+          <p:cNvPr id="867" name="Google Shape;867;p49"/>
+          <p:cNvSpPr txBox="1">
+            <a:spLocks noGrp="1"/>
+          </p:cNvSpPr>
+          <p:nvPr>
+            <p:ph type="subTitle" idx="1"/>
+          </p:nvPr>
+        </p:nvSpPr>
+        <p:spPr>
+          <a:xfrm>
+            <a:off x="4269825" y="1757816"/>
+            <a:ext cx="3762900" cy="1242900"/>
+          </a:xfrm>
+          <a:prstGeom prst="rect">
+            <a:avLst/>
+          </a:prstGeom>
+        </p:spPr>
+        <p:txBody>
+          <a:bodyPr spcFirstLastPara="1" wrap="square" lIns="91425" tIns="91425" rIns="91425" bIns="91425" anchor="t" anchorCtr="0">
+            <a:noAutofit/>
+          </a:bodyPr>
+          <a:lstStyle/>
+          <a:p>
+            <a:pPr marL="0" lvl="0" indent="0" algn="ctr" rtl="0">
+              <a:spcBef>
+                <a:spcPts val="0"/>
+              </a:spcBef>
+              <a:spcAft>
+                <a:spcPts val="0"/>
+              </a:spcAft>
+              <a:buNone/>
+            </a:pPr>
+            <a:r>
+              <a:rPr lang="en-US" sz="3000" dirty="0"/>
+              <a:t>Any questions ?</a:t>
+            </a:r>
+            <a:endParaRPr sz="3000" dirty="0"/>
+          </a:p>
+        </p:txBody>
+      </p:sp>
+      <p:sp>
+        <p:nvSpPr>
+          <p:cNvPr id="868" name="Google Shape;868;p49"/>
+          <p:cNvSpPr txBox="1"/>
+          <p:nvPr/>
+        </p:nvSpPr>
+        <p:spPr>
+          <a:xfrm>
+            <a:off x="3759175" y="4308200"/>
+            <a:ext cx="4671600" cy="295800"/>
+          </a:xfrm>
+          <a:prstGeom prst="rect">
+            <a:avLst/>
+          </a:prstGeom>
+          <a:noFill/>
+          <a:ln>
+            <a:noFill/>
+          </a:ln>
+        </p:spPr>
+        <p:txBody>
+          <a:bodyPr spcFirstLastPara="1" wrap="square" lIns="91425" tIns="91425" rIns="91425" bIns="91425" anchor="ctr" anchorCtr="0">
+            <a:noAutofit/>
+          </a:bodyPr>
+          <a:lstStyle/>
+          <a:p>
+            <a:pPr marL="0" lvl="0" indent="0" algn="ctr" rtl="0">
+              <a:lnSpc>
+                <a:spcPct val="100000"/>
+              </a:lnSpc>
+              <a:spcBef>
+                <a:spcPts val="0"/>
+              </a:spcBef>
+              <a:spcAft>
+                <a:spcPts val="0"/>
+              </a:spcAft>
+              <a:buNone/>
+            </a:pPr>
+            <a:r>
+              <a:rPr lang="en">
+                <a:solidFill>
+                  <a:schemeClr val="dk1"/>
+                </a:solidFill>
+                <a:latin typeface="Lato"/>
+                <a:ea typeface="Lato"/>
+                <a:cs typeface="Lato"/>
+                <a:sym typeface="Lato"/>
+              </a:rPr>
+              <a:t>Please keep this slide for attribution</a:t>
+            </a:r>
+            <a:endParaRPr>
+              <a:solidFill>
+                <a:schemeClr val="dk1"/>
+              </a:solidFill>
+              <a:latin typeface="Lato"/>
+              <a:ea typeface="Lato"/>
+              <a:cs typeface="Lato"/>
+              <a:sym typeface="Lato"/>
+            </a:endParaRPr>
+          </a:p>
+        </p:txBody>
+      </p:sp>
+      <p:grpSp>
+        <p:nvGrpSpPr>
+          <p:cNvPr id="884" name="Google Shape;884;p49"/>
+          <p:cNvGrpSpPr/>
+          <p:nvPr/>
+        </p:nvGrpSpPr>
+        <p:grpSpPr>
+          <a:xfrm flipH="1">
+            <a:off x="152395" y="2894026"/>
+            <a:ext cx="2077982" cy="2686224"/>
+            <a:chOff x="5523175" y="536475"/>
+            <a:chExt cx="1855175" cy="2398200"/>
+          </a:xfrm>
+        </p:grpSpPr>
+        <p:sp>
+          <p:nvSpPr>
+            <p:cNvPr id="885" name="Google Shape;885;p49"/>
+            <p:cNvSpPr/>
+            <p:nvPr/>
+          </p:nvSpPr>
+          <p:spPr>
+            <a:xfrm>
+              <a:off x="5523175" y="686500"/>
+              <a:ext cx="1855175" cy="2248175"/>
+            </a:xfrm>
+            <a:custGeom>
+              <a:avLst/>
+              <a:gdLst/>
+              <a:ahLst/>
+              <a:cxnLst/>
+              <a:rect l="l" t="t" r="r" b="b"/>
+              <a:pathLst>
+                <a:path w="74207" h="89927" fill="none" extrusionOk="0">
+                  <a:moveTo>
+                    <a:pt x="71749" y="8995"/>
+                  </a:moveTo>
+                  <a:cubicBezTo>
+                    <a:pt x="70048" y="5924"/>
+                    <a:pt x="67244" y="3514"/>
+                    <a:pt x="64062" y="2080"/>
+                  </a:cubicBezTo>
+                  <a:cubicBezTo>
+                    <a:pt x="60802" y="599"/>
+                    <a:pt x="57147" y="174"/>
+                    <a:pt x="53635" y="867"/>
+                  </a:cubicBezTo>
+                  <a:cubicBezTo>
+                    <a:pt x="49965" y="1592"/>
+                    <a:pt x="46546" y="3435"/>
+                    <a:pt x="43821" y="5939"/>
+                  </a:cubicBezTo>
+                  <a:cubicBezTo>
+                    <a:pt x="42498" y="7152"/>
+                    <a:pt x="41333" y="8523"/>
+                    <a:pt x="40340" y="10035"/>
+                  </a:cubicBezTo>
+                  <a:cubicBezTo>
+                    <a:pt x="40183" y="10287"/>
+                    <a:pt x="40592" y="10539"/>
+                    <a:pt x="40766" y="10271"/>
+                  </a:cubicBezTo>
+                  <a:cubicBezTo>
+                    <a:pt x="44766" y="4175"/>
+                    <a:pt x="52233" y="1"/>
+                    <a:pt x="59620" y="1230"/>
+                  </a:cubicBezTo>
+                  <a:cubicBezTo>
+                    <a:pt x="63086" y="1797"/>
+                    <a:pt x="66283" y="3435"/>
+                    <a:pt x="68788" y="5892"/>
+                  </a:cubicBezTo>
+                  <a:cubicBezTo>
+                    <a:pt x="71465" y="8570"/>
+                    <a:pt x="73293" y="12382"/>
+                    <a:pt x="72930" y="16241"/>
+                  </a:cubicBezTo>
+                  <a:cubicBezTo>
+                    <a:pt x="72741" y="18352"/>
+                    <a:pt x="71733" y="20210"/>
+                    <a:pt x="70347" y="21770"/>
+                  </a:cubicBezTo>
+                  <a:cubicBezTo>
+                    <a:pt x="69607" y="22604"/>
+                    <a:pt x="68788" y="23361"/>
+                    <a:pt x="67921" y="24054"/>
+                  </a:cubicBezTo>
+                  <a:cubicBezTo>
+                    <a:pt x="67984" y="23124"/>
+                    <a:pt x="67937" y="22195"/>
+                    <a:pt x="67780" y="21281"/>
+                  </a:cubicBezTo>
+                  <a:cubicBezTo>
+                    <a:pt x="67181" y="17989"/>
+                    <a:pt x="65023" y="14823"/>
+                    <a:pt x="61747" y="13784"/>
+                  </a:cubicBezTo>
+                  <a:cubicBezTo>
+                    <a:pt x="58864" y="12854"/>
+                    <a:pt x="55289" y="13658"/>
+                    <a:pt x="53351" y="16083"/>
+                  </a:cubicBezTo>
+                  <a:cubicBezTo>
+                    <a:pt x="51335" y="18604"/>
+                    <a:pt x="51729" y="22211"/>
+                    <a:pt x="53587" y="24699"/>
+                  </a:cubicBezTo>
+                  <a:cubicBezTo>
+                    <a:pt x="55777" y="27598"/>
+                    <a:pt x="59494" y="28259"/>
+                    <a:pt x="62865" y="27283"/>
+                  </a:cubicBezTo>
+                  <a:cubicBezTo>
+                    <a:pt x="64456" y="26810"/>
+                    <a:pt x="65952" y="26070"/>
+                    <a:pt x="67307" y="25109"/>
+                  </a:cubicBezTo>
+                  <a:cubicBezTo>
+                    <a:pt x="66882" y="27661"/>
+                    <a:pt x="65574" y="30071"/>
+                    <a:pt x="63889" y="32024"/>
+                  </a:cubicBezTo>
+                  <a:cubicBezTo>
+                    <a:pt x="58675" y="38025"/>
+                    <a:pt x="50390" y="39915"/>
+                    <a:pt x="42829" y="40766"/>
+                  </a:cubicBezTo>
+                  <a:cubicBezTo>
+                    <a:pt x="34512" y="41695"/>
+                    <a:pt x="25770" y="41601"/>
+                    <a:pt x="18052" y="45303"/>
+                  </a:cubicBezTo>
+                  <a:cubicBezTo>
+                    <a:pt x="11720" y="48343"/>
+                    <a:pt x="6553" y="53761"/>
+                    <a:pt x="3718" y="60188"/>
+                  </a:cubicBezTo>
+                  <a:cubicBezTo>
+                    <a:pt x="756" y="66835"/>
+                    <a:pt x="0" y="75435"/>
+                    <a:pt x="4568" y="81563"/>
+                  </a:cubicBezTo>
+                  <a:cubicBezTo>
+                    <a:pt x="9436" y="88100"/>
+                    <a:pt x="18004" y="89785"/>
+                    <a:pt x="25676" y="89895"/>
+                  </a:cubicBezTo>
+                  <a:cubicBezTo>
+                    <a:pt x="27897" y="89927"/>
+                    <a:pt x="30117" y="89848"/>
+                    <a:pt x="32338" y="89769"/>
+                  </a:cubicBezTo>
+                  <a:cubicBezTo>
+                    <a:pt x="32653" y="89769"/>
+                    <a:pt x="32653" y="89281"/>
+                    <a:pt x="32338" y="89281"/>
+                  </a:cubicBezTo>
+                  <a:cubicBezTo>
+                    <a:pt x="23848" y="89580"/>
+                    <a:pt x="14271" y="89785"/>
+                    <a:pt x="7404" y="83894"/>
+                  </a:cubicBezTo>
+                  <a:cubicBezTo>
+                    <a:pt x="4316" y="81248"/>
+                    <a:pt x="2473" y="77578"/>
+                    <a:pt x="1969" y="73545"/>
+                  </a:cubicBezTo>
+                  <a:cubicBezTo>
+                    <a:pt x="1481" y="69592"/>
+                    <a:pt x="2158" y="65543"/>
+                    <a:pt x="3545" y="61842"/>
+                  </a:cubicBezTo>
+                  <a:cubicBezTo>
+                    <a:pt x="6207" y="54864"/>
+                    <a:pt x="11389" y="49162"/>
+                    <a:pt x="18052" y="45838"/>
+                  </a:cubicBezTo>
+                  <a:cubicBezTo>
+                    <a:pt x="26054" y="41900"/>
+                    <a:pt x="35205" y="42199"/>
+                    <a:pt x="43853" y="41128"/>
+                  </a:cubicBezTo>
+                  <a:cubicBezTo>
+                    <a:pt x="51524" y="40183"/>
+                    <a:pt x="59888" y="38010"/>
+                    <a:pt x="64866" y="31599"/>
+                  </a:cubicBezTo>
+                  <a:cubicBezTo>
+                    <a:pt x="66409" y="29598"/>
+                    <a:pt x="67528" y="27204"/>
+                    <a:pt x="67858" y="24715"/>
+                  </a:cubicBezTo>
+                  <a:lnTo>
+                    <a:pt x="68016" y="24589"/>
+                  </a:lnTo>
+                  <a:cubicBezTo>
+                    <a:pt x="69528" y="23439"/>
+                    <a:pt x="70930" y="22053"/>
+                    <a:pt x="71954" y="20447"/>
+                  </a:cubicBezTo>
+                  <a:cubicBezTo>
+                    <a:pt x="74206" y="16934"/>
+                    <a:pt x="73702" y="12523"/>
+                    <a:pt x="71749" y="8995"/>
+                  </a:cubicBezTo>
+                  <a:close/>
+                  <a:moveTo>
+                    <a:pt x="65889" y="25440"/>
+                  </a:moveTo>
+                  <a:cubicBezTo>
+                    <a:pt x="62802" y="27235"/>
+                    <a:pt x="58628" y="28165"/>
+                    <a:pt x="55493" y="25912"/>
+                  </a:cubicBezTo>
+                  <a:cubicBezTo>
+                    <a:pt x="52926" y="24054"/>
+                    <a:pt x="51603" y="20242"/>
+                    <a:pt x="53115" y="17312"/>
+                  </a:cubicBezTo>
+                  <a:cubicBezTo>
+                    <a:pt x="54595" y="14492"/>
+                    <a:pt x="58203" y="13374"/>
+                    <a:pt x="61195" y="14114"/>
+                  </a:cubicBezTo>
+                  <a:cubicBezTo>
+                    <a:pt x="64598" y="14965"/>
+                    <a:pt x="66787" y="18210"/>
+                    <a:pt x="67339" y="21533"/>
+                  </a:cubicBezTo>
+                  <a:cubicBezTo>
+                    <a:pt x="67496" y="22494"/>
+                    <a:pt x="67528" y="23471"/>
+                    <a:pt x="67417" y="24447"/>
+                  </a:cubicBezTo>
+                  <a:cubicBezTo>
+                    <a:pt x="66929" y="24794"/>
+                    <a:pt x="66409" y="25140"/>
+                    <a:pt x="65889" y="25440"/>
+                  </a:cubicBezTo>
+                  <a:close/>
+                </a:path>
+              </a:pathLst>
+            </a:custGeom>
+            <a:noFill/>
+            <a:ln w="39375" cap="flat" cmpd="sng">
+              <a:solidFill>
+                <a:schemeClr val="dk1"/>
+              </a:solidFill>
+              <a:prstDash val="solid"/>
+              <a:miter lim="15751"/>
+              <a:headEnd type="none" w="sm" len="sm"/>
+              <a:tailEnd type="none" w="sm" len="sm"/>
+            </a:ln>
+          </p:spPr>
+          <p:txBody>
+            <a:bodyPr spcFirstLastPara="1" wrap="square" lIns="91425" tIns="91425" rIns="91425" bIns="91425" anchor="ctr" anchorCtr="0">
+              <a:noAutofit/>
+            </a:bodyPr>
+            <a:lstStyle/>
+            <a:p>
+              <a:pPr marL="0" lvl="0" indent="0" algn="l" rtl="0">
+                <a:spcBef>
+                  <a:spcPts val="0"/>
+                </a:spcBef>
+                <a:spcAft>
+                  <a:spcPts val="0"/>
+                </a:spcAft>
+                <a:buNone/>
+              </a:pPr>
+              <a:endParaRPr/>
+            </a:p>
+          </p:txBody>
+        </p:sp>
+        <p:sp>
+          <p:nvSpPr>
+            <p:cNvPr id="886" name="Google Shape;886;p49"/>
+            <p:cNvSpPr/>
+            <p:nvPr/>
+          </p:nvSpPr>
+          <p:spPr>
+            <a:xfrm>
+              <a:off x="6472200" y="834425"/>
+              <a:ext cx="166600" cy="174625"/>
+            </a:xfrm>
+            <a:custGeom>
+              <a:avLst/>
+              <a:gdLst/>
+              <a:ahLst/>
+              <a:cxnLst/>
+              <a:rect l="l" t="t" r="r" b="b"/>
+              <a:pathLst>
+                <a:path w="6664" h="6985" extrusionOk="0">
+                  <a:moveTo>
+                    <a:pt x="1386" y="0"/>
+                  </a:moveTo>
+                  <a:cubicBezTo>
+                    <a:pt x="1261" y="0"/>
+                    <a:pt x="1137" y="44"/>
+                    <a:pt x="1040" y="133"/>
+                  </a:cubicBezTo>
+                  <a:lnTo>
+                    <a:pt x="1" y="1093"/>
+                  </a:lnTo>
+                  <a:lnTo>
+                    <a:pt x="5388" y="6984"/>
+                  </a:lnTo>
+                  <a:lnTo>
+                    <a:pt x="6443" y="6024"/>
+                  </a:lnTo>
+                  <a:cubicBezTo>
+                    <a:pt x="6648" y="5835"/>
+                    <a:pt x="6664" y="5504"/>
+                    <a:pt x="6475" y="5283"/>
+                  </a:cubicBezTo>
+                  <a:lnTo>
+                    <a:pt x="1781" y="164"/>
+                  </a:lnTo>
+                  <a:cubicBezTo>
+                    <a:pt x="1672" y="56"/>
+                    <a:pt x="1528" y="0"/>
+                    <a:pt x="1386" y="0"/>
+                  </a:cubicBezTo>
+                  <a:close/>
+                </a:path>
+              </a:pathLst>
+            </a:custGeom>
+            <a:solidFill>
+              <a:schemeClr val="dk1"/>
+            </a:solidFill>
+            <a:ln>
+              <a:noFill/>
+            </a:ln>
+          </p:spPr>
+          <p:txBody>
+            <a:bodyPr spcFirstLastPara="1" wrap="square" lIns="91425" tIns="91425" rIns="91425" bIns="91425" anchor="ctr" anchorCtr="0">
+              <a:noAutofit/>
+            </a:bodyPr>
+            <a:lstStyle/>
+            <a:p>
+              <a:pPr marL="0" lvl="0" indent="0" algn="l" rtl="0">
+                <a:spcBef>
+                  <a:spcPts val="0"/>
+                </a:spcBef>
+                <a:spcAft>
+                  <a:spcPts val="0"/>
+                </a:spcAft>
+                <a:buNone/>
+              </a:pPr>
+              <a:endParaRPr/>
+            </a:p>
+          </p:txBody>
+        </p:sp>
+        <p:sp>
+          <p:nvSpPr>
+            <p:cNvPr id="887" name="Google Shape;887;p49"/>
+            <p:cNvSpPr/>
+            <p:nvPr/>
+          </p:nvSpPr>
+          <p:spPr>
+            <a:xfrm>
+              <a:off x="5781100" y="536475"/>
+              <a:ext cx="1068775" cy="1147125"/>
+            </a:xfrm>
+            <a:custGeom>
+              <a:avLst/>
+              <a:gdLst/>
+              <a:ahLst/>
+              <a:cxnLst/>
+              <a:rect l="l" t="t" r="r" b="b"/>
+              <a:pathLst>
+                <a:path w="42751" h="45885" fill="none" extrusionOk="0">
+                  <a:moveTo>
+                    <a:pt x="39143" y="25565"/>
+                  </a:moveTo>
+                  <a:lnTo>
+                    <a:pt x="21454" y="6285"/>
+                  </a:lnTo>
+                  <a:cubicBezTo>
+                    <a:pt x="15705" y="1"/>
+                    <a:pt x="5325" y="2237"/>
+                    <a:pt x="2663" y="10334"/>
+                  </a:cubicBezTo>
+                  <a:cubicBezTo>
+                    <a:pt x="1" y="18430"/>
+                    <a:pt x="7042" y="26385"/>
+                    <a:pt x="15390" y="24746"/>
+                  </a:cubicBezTo>
+                  <a:lnTo>
+                    <a:pt x="20226" y="30023"/>
+                  </a:lnTo>
+                  <a:cubicBezTo>
+                    <a:pt x="17879" y="38198"/>
+                    <a:pt x="25203" y="45885"/>
+                    <a:pt x="33489" y="43932"/>
+                  </a:cubicBezTo>
+                  <a:cubicBezTo>
+                    <a:pt x="37332" y="43034"/>
+                    <a:pt x="40419" y="40151"/>
+                    <a:pt x="41585" y="36371"/>
+                  </a:cubicBezTo>
+                  <a:cubicBezTo>
+                    <a:pt x="42751" y="32591"/>
+                    <a:pt x="41821" y="28479"/>
+                    <a:pt x="39143" y="25565"/>
+                  </a:cubicBezTo>
+                  <a:close/>
+                </a:path>
+              </a:pathLst>
+            </a:custGeom>
+            <a:noFill/>
+            <a:ln w="49225" cap="flat" cmpd="sng">
+              <a:solidFill>
+                <a:schemeClr val="dk1"/>
+              </a:solidFill>
+              <a:prstDash val="solid"/>
+              <a:miter lim="15751"/>
+              <a:headEnd type="none" w="sm" len="sm"/>
+              <a:tailEnd type="none" w="sm" len="sm"/>
+            </a:ln>
+          </p:spPr>
+          <p:txBody>
+            <a:bodyPr spcFirstLastPara="1" wrap="square" lIns="91425" tIns="91425" rIns="91425" bIns="91425" anchor="ctr" anchorCtr="0">
+              <a:noAutofit/>
+            </a:bodyPr>
+            <a:lstStyle/>
+            <a:p>
+              <a:pPr marL="0" lvl="0" indent="0" algn="l" rtl="0">
+                <a:spcBef>
+                  <a:spcPts val="0"/>
+                </a:spcBef>
+                <a:spcAft>
+                  <a:spcPts val="0"/>
+                </a:spcAft>
+                <a:buNone/>
+              </a:pPr>
+              <a:endParaRPr/>
+            </a:p>
+          </p:txBody>
+        </p:sp>
+        <p:sp>
+          <p:nvSpPr>
+            <p:cNvPr id="888" name="Google Shape;888;p49"/>
+            <p:cNvSpPr/>
+            <p:nvPr/>
+          </p:nvSpPr>
+          <p:spPr>
+            <a:xfrm>
+              <a:off x="6588575" y="1249725"/>
+              <a:ext cx="97100" cy="91000"/>
+            </a:xfrm>
+            <a:custGeom>
+              <a:avLst/>
+              <a:gdLst/>
+              <a:ahLst/>
+              <a:cxnLst/>
+              <a:rect l="l" t="t" r="r" b="b"/>
+              <a:pathLst>
+                <a:path w="3884" h="3640" extrusionOk="0">
+                  <a:moveTo>
+                    <a:pt x="1881" y="0"/>
+                  </a:moveTo>
+                  <a:cubicBezTo>
+                    <a:pt x="975" y="0"/>
+                    <a:pt x="97" y="679"/>
+                    <a:pt x="56" y="1745"/>
+                  </a:cubicBezTo>
+                  <a:cubicBezTo>
+                    <a:pt x="1" y="2864"/>
+                    <a:pt x="917" y="3640"/>
+                    <a:pt x="1882" y="3640"/>
+                  </a:cubicBezTo>
+                  <a:cubicBezTo>
+                    <a:pt x="2302" y="3640"/>
+                    <a:pt x="2732" y="3493"/>
+                    <a:pt x="3096" y="3163"/>
+                  </a:cubicBezTo>
+                  <a:cubicBezTo>
+                    <a:pt x="3836" y="2485"/>
+                    <a:pt x="3883" y="1336"/>
+                    <a:pt x="3206" y="595"/>
+                  </a:cubicBezTo>
+                  <a:cubicBezTo>
+                    <a:pt x="2833" y="185"/>
+                    <a:pt x="2353" y="0"/>
+                    <a:pt x="1881" y="0"/>
+                  </a:cubicBezTo>
+                  <a:close/>
+                </a:path>
+              </a:pathLst>
+            </a:custGeom>
+            <a:solidFill>
+              <a:schemeClr val="dk1"/>
+            </a:solidFill>
+            <a:ln>
+              <a:noFill/>
+            </a:ln>
+          </p:spPr>
+          <p:txBody>
+            <a:bodyPr spcFirstLastPara="1" wrap="square" lIns="91425" tIns="91425" rIns="91425" bIns="91425" anchor="ctr" anchorCtr="0">
+              <a:noAutofit/>
+            </a:bodyPr>
+            <a:lstStyle/>
+            <a:p>
+              <a:pPr marL="0" lvl="0" indent="0" algn="l" rtl="0">
+                <a:spcBef>
+                  <a:spcPts val="0"/>
+                </a:spcBef>
+                <a:spcAft>
+                  <a:spcPts val="0"/>
+                </a:spcAft>
+                <a:buNone/>
+              </a:pPr>
+              <a:endParaRPr/>
+            </a:p>
+          </p:txBody>
+        </p:sp>
+        <p:sp>
+          <p:nvSpPr>
+            <p:cNvPr id="889" name="Google Shape;889;p49"/>
+            <p:cNvSpPr/>
+            <p:nvPr/>
+          </p:nvSpPr>
+          <p:spPr>
+            <a:xfrm>
+              <a:off x="6436850" y="1388850"/>
+              <a:ext cx="96825" cy="91125"/>
+            </a:xfrm>
+            <a:custGeom>
+              <a:avLst/>
+              <a:gdLst/>
+              <a:ahLst/>
+              <a:cxnLst/>
+              <a:rect l="l" t="t" r="r" b="b"/>
+              <a:pathLst>
+                <a:path w="3873" h="3645" extrusionOk="0">
+                  <a:moveTo>
+                    <a:pt x="1865" y="0"/>
+                  </a:moveTo>
+                  <a:cubicBezTo>
+                    <a:pt x="958" y="0"/>
+                    <a:pt x="86" y="678"/>
+                    <a:pt x="44" y="1740"/>
+                  </a:cubicBezTo>
+                  <a:cubicBezTo>
+                    <a:pt x="1" y="2868"/>
+                    <a:pt x="915" y="3645"/>
+                    <a:pt x="1878" y="3645"/>
+                  </a:cubicBezTo>
+                  <a:cubicBezTo>
+                    <a:pt x="2302" y="3645"/>
+                    <a:pt x="2735" y="3495"/>
+                    <a:pt x="3100" y="3158"/>
+                  </a:cubicBezTo>
+                  <a:cubicBezTo>
+                    <a:pt x="3825" y="2481"/>
+                    <a:pt x="3872" y="1331"/>
+                    <a:pt x="3210" y="606"/>
+                  </a:cubicBezTo>
+                  <a:cubicBezTo>
+                    <a:pt x="2830" y="188"/>
+                    <a:pt x="2343" y="0"/>
+                    <a:pt x="1865" y="0"/>
+                  </a:cubicBezTo>
+                  <a:close/>
+                </a:path>
+              </a:pathLst>
+            </a:custGeom>
+            <a:solidFill>
+              <a:schemeClr val="dk1"/>
+            </a:solidFill>
+            <a:ln>
+              <a:noFill/>
+            </a:ln>
+          </p:spPr>
+          <p:txBody>
+            <a:bodyPr spcFirstLastPara="1" wrap="square" lIns="91425" tIns="91425" rIns="91425" bIns="91425" anchor="ctr" anchorCtr="0">
+              <a:noAutofit/>
+            </a:bodyPr>
+            <a:lstStyle/>
+            <a:p>
+              <a:pPr marL="0" lvl="0" indent="0" algn="l" rtl="0">
+                <a:spcBef>
+                  <a:spcPts val="0"/>
+                </a:spcBef>
+                <a:spcAft>
+                  <a:spcPts val="0"/>
+                </a:spcAft>
+                <a:buNone/>
+              </a:pPr>
+              <a:endParaRPr/>
+            </a:p>
+          </p:txBody>
+        </p:sp>
+        <p:sp>
+          <p:nvSpPr>
+            <p:cNvPr id="890" name="Google Shape;890;p49"/>
+            <p:cNvSpPr/>
+            <p:nvPr/>
+          </p:nvSpPr>
+          <p:spPr>
+            <a:xfrm>
+              <a:off x="6568350" y="1394900"/>
+              <a:ext cx="121250" cy="91025"/>
+            </a:xfrm>
+            <a:custGeom>
+              <a:avLst/>
+              <a:gdLst/>
+              <a:ahLst/>
+              <a:cxnLst/>
+              <a:rect l="l" t="t" r="r" b="b"/>
+              <a:pathLst>
+                <a:path w="4850" h="3641" extrusionOk="0">
+                  <a:moveTo>
+                    <a:pt x="2425" y="1"/>
+                  </a:moveTo>
+                  <a:cubicBezTo>
+                    <a:pt x="852" y="1"/>
+                    <a:pt x="0" y="1880"/>
+                    <a:pt x="1085" y="3058"/>
+                  </a:cubicBezTo>
+                  <a:cubicBezTo>
+                    <a:pt x="1445" y="3443"/>
+                    <a:pt x="1937" y="3641"/>
+                    <a:pt x="2431" y="3641"/>
+                  </a:cubicBezTo>
+                  <a:cubicBezTo>
+                    <a:pt x="2868" y="3641"/>
+                    <a:pt x="3305" y="3486"/>
+                    <a:pt x="3653" y="3168"/>
+                  </a:cubicBezTo>
+                  <a:cubicBezTo>
+                    <a:pt x="4850" y="2081"/>
+                    <a:pt x="4125" y="81"/>
+                    <a:pt x="2503" y="2"/>
+                  </a:cubicBezTo>
+                  <a:cubicBezTo>
+                    <a:pt x="2477" y="1"/>
+                    <a:pt x="2451" y="1"/>
+                    <a:pt x="2425" y="1"/>
+                  </a:cubicBezTo>
+                  <a:close/>
+                </a:path>
+              </a:pathLst>
+            </a:custGeom>
+            <a:solidFill>
+              <a:schemeClr val="dk1"/>
+            </a:solidFill>
+            <a:ln>
+              <a:noFill/>
+            </a:ln>
+          </p:spPr>
+          <p:txBody>
+            <a:bodyPr spcFirstLastPara="1" wrap="square" lIns="91425" tIns="91425" rIns="91425" bIns="91425" anchor="ctr" anchorCtr="0">
+              <a:noAutofit/>
+            </a:bodyPr>
+            <a:lstStyle/>
+            <a:p>
+              <a:pPr marL="0" lvl="0" indent="0" algn="l" rtl="0">
+                <a:spcBef>
+                  <a:spcPts val="0"/>
+                </a:spcBef>
+                <a:spcAft>
+                  <a:spcPts val="0"/>
+                </a:spcAft>
+                <a:buNone/>
+              </a:pPr>
+              <a:endParaRPr/>
+            </a:p>
+          </p:txBody>
+        </p:sp>
+        <p:sp>
+          <p:nvSpPr>
+            <p:cNvPr id="891" name="Google Shape;891;p49"/>
+            <p:cNvSpPr/>
+            <p:nvPr/>
+          </p:nvSpPr>
+          <p:spPr>
+            <a:xfrm>
+              <a:off x="6429325" y="1243300"/>
+              <a:ext cx="120875" cy="90875"/>
+            </a:xfrm>
+            <a:custGeom>
+              <a:avLst/>
+              <a:gdLst/>
+              <a:ahLst/>
+              <a:cxnLst/>
+              <a:rect l="l" t="t" r="r" b="b"/>
+              <a:pathLst>
+                <a:path w="4835" h="3635" extrusionOk="0">
+                  <a:moveTo>
+                    <a:pt x="2426" y="0"/>
+                  </a:moveTo>
+                  <a:cubicBezTo>
+                    <a:pt x="853" y="0"/>
+                    <a:pt x="1" y="1880"/>
+                    <a:pt x="1086" y="3058"/>
+                  </a:cubicBezTo>
+                  <a:cubicBezTo>
+                    <a:pt x="1444" y="3440"/>
+                    <a:pt x="1929" y="3634"/>
+                    <a:pt x="2417" y="3634"/>
+                  </a:cubicBezTo>
+                  <a:cubicBezTo>
+                    <a:pt x="2852" y="3634"/>
+                    <a:pt x="3288" y="3480"/>
+                    <a:pt x="3637" y="3168"/>
+                  </a:cubicBezTo>
+                  <a:cubicBezTo>
+                    <a:pt x="4835" y="2065"/>
+                    <a:pt x="4110" y="80"/>
+                    <a:pt x="2503" y="2"/>
+                  </a:cubicBezTo>
+                  <a:cubicBezTo>
+                    <a:pt x="2477" y="1"/>
+                    <a:pt x="2451" y="0"/>
+                    <a:pt x="2426" y="0"/>
+                  </a:cubicBezTo>
+                  <a:close/>
+                </a:path>
+              </a:pathLst>
+            </a:custGeom>
+            <a:solidFill>
+              <a:schemeClr val="dk1"/>
+            </a:solidFill>
+            <a:ln>
+              <a:noFill/>
+            </a:ln>
+          </p:spPr>
+          <p:txBody>
+            <a:bodyPr spcFirstLastPara="1" wrap="square" lIns="91425" tIns="91425" rIns="91425" bIns="91425" anchor="ctr" anchorCtr="0">
+              <a:noAutofit/>
+            </a:bodyPr>
+            <a:lstStyle/>
+            <a:p>
+              <a:pPr marL="0" lvl="0" indent="0" algn="l" rtl="0">
+                <a:spcBef>
+                  <a:spcPts val="0"/>
+                </a:spcBef>
+                <a:spcAft>
+                  <a:spcPts val="0"/>
+                </a:spcAft>
+                <a:buNone/>
+              </a:pPr>
+              <a:endParaRPr/>
+            </a:p>
+          </p:txBody>
+        </p:sp>
+        <p:sp>
+          <p:nvSpPr>
+            <p:cNvPr id="892" name="Google Shape;892;p49"/>
+            <p:cNvSpPr/>
+            <p:nvPr/>
+          </p:nvSpPr>
+          <p:spPr>
+            <a:xfrm>
+              <a:off x="5988250" y="757275"/>
+              <a:ext cx="235900" cy="232200"/>
+            </a:xfrm>
+            <a:custGeom>
+              <a:avLst/>
+              <a:gdLst/>
+              <a:ahLst/>
+              <a:cxnLst/>
+              <a:rect l="l" t="t" r="r" b="b"/>
+              <a:pathLst>
+                <a:path w="9436" h="9288" extrusionOk="0">
+                  <a:moveTo>
+                    <a:pt x="2800" y="1"/>
+                  </a:moveTo>
+                  <a:cubicBezTo>
+                    <a:pt x="2633" y="1"/>
+                    <a:pt x="2465" y="60"/>
+                    <a:pt x="2331" y="178"/>
+                  </a:cubicBezTo>
+                  <a:lnTo>
+                    <a:pt x="473" y="1880"/>
+                  </a:lnTo>
+                  <a:cubicBezTo>
+                    <a:pt x="189" y="2147"/>
+                    <a:pt x="173" y="2588"/>
+                    <a:pt x="425" y="2872"/>
+                  </a:cubicBezTo>
+                  <a:lnTo>
+                    <a:pt x="1937" y="4526"/>
+                  </a:lnTo>
+                  <a:lnTo>
+                    <a:pt x="299" y="6038"/>
+                  </a:lnTo>
+                  <a:cubicBezTo>
+                    <a:pt x="16" y="6306"/>
+                    <a:pt x="0" y="6731"/>
+                    <a:pt x="252" y="7015"/>
+                  </a:cubicBezTo>
+                  <a:lnTo>
+                    <a:pt x="1953" y="8889"/>
+                  </a:lnTo>
+                  <a:cubicBezTo>
+                    <a:pt x="2093" y="9037"/>
+                    <a:pt x="2280" y="9112"/>
+                    <a:pt x="2467" y="9112"/>
+                  </a:cubicBezTo>
+                  <a:cubicBezTo>
+                    <a:pt x="2638" y="9112"/>
+                    <a:pt x="2810" y="9049"/>
+                    <a:pt x="2946" y="8921"/>
+                  </a:cubicBezTo>
+                  <a:lnTo>
+                    <a:pt x="4600" y="7408"/>
+                  </a:lnTo>
+                  <a:lnTo>
+                    <a:pt x="6112" y="9062"/>
+                  </a:lnTo>
+                  <a:cubicBezTo>
+                    <a:pt x="6253" y="9213"/>
+                    <a:pt x="6439" y="9288"/>
+                    <a:pt x="6625" y="9288"/>
+                  </a:cubicBezTo>
+                  <a:cubicBezTo>
+                    <a:pt x="6790" y="9288"/>
+                    <a:pt x="6955" y="9228"/>
+                    <a:pt x="7088" y="9110"/>
+                  </a:cubicBezTo>
+                  <a:lnTo>
+                    <a:pt x="8947" y="7393"/>
+                  </a:lnTo>
+                  <a:cubicBezTo>
+                    <a:pt x="9230" y="7141"/>
+                    <a:pt x="9262" y="6700"/>
+                    <a:pt x="8994" y="6416"/>
+                  </a:cubicBezTo>
+                  <a:lnTo>
+                    <a:pt x="7482" y="4762"/>
+                  </a:lnTo>
+                  <a:lnTo>
+                    <a:pt x="9136" y="3250"/>
+                  </a:lnTo>
+                  <a:cubicBezTo>
+                    <a:pt x="9420" y="2982"/>
+                    <a:pt x="9435" y="2541"/>
+                    <a:pt x="9167" y="2258"/>
+                  </a:cubicBezTo>
+                  <a:lnTo>
+                    <a:pt x="7466" y="399"/>
+                  </a:lnTo>
+                  <a:cubicBezTo>
+                    <a:pt x="7333" y="249"/>
+                    <a:pt x="7146" y="174"/>
+                    <a:pt x="6959" y="174"/>
+                  </a:cubicBezTo>
+                  <a:cubicBezTo>
+                    <a:pt x="6791" y="174"/>
+                    <a:pt x="6623" y="233"/>
+                    <a:pt x="6490" y="352"/>
+                  </a:cubicBezTo>
+                  <a:lnTo>
+                    <a:pt x="4836" y="1880"/>
+                  </a:lnTo>
+                  <a:lnTo>
+                    <a:pt x="3308" y="226"/>
+                  </a:lnTo>
+                  <a:cubicBezTo>
+                    <a:pt x="3174" y="76"/>
+                    <a:pt x="2988" y="1"/>
+                    <a:pt x="2800" y="1"/>
+                  </a:cubicBezTo>
+                  <a:close/>
+                </a:path>
+              </a:pathLst>
+            </a:custGeom>
+            <a:solidFill>
+              <a:schemeClr val="dk1"/>
+            </a:solidFill>
+            <a:ln>
+              <a:noFill/>
+            </a:ln>
+          </p:spPr>
+          <p:txBody>
+            <a:bodyPr spcFirstLastPara="1" wrap="square" lIns="91425" tIns="91425" rIns="91425" bIns="91425" anchor="ctr" anchorCtr="0">
+              <a:noAutofit/>
+            </a:bodyPr>
+            <a:lstStyle/>
+            <a:p>
+              <a:pPr marL="0" lvl="0" indent="0" algn="l" rtl="0">
+                <a:spcBef>
+                  <a:spcPts val="0"/>
+                </a:spcBef>
+                <a:spcAft>
+                  <a:spcPts val="0"/>
+                </a:spcAft>
+                <a:buNone/>
+              </a:pPr>
+              <a:endParaRPr/>
+            </a:p>
+          </p:txBody>
+        </p:sp>
+      </p:grpSp>
+      <p:grpSp>
+        <p:nvGrpSpPr>
+          <p:cNvPr id="893" name="Google Shape;893;p49"/>
+          <p:cNvGrpSpPr/>
+          <p:nvPr/>
+        </p:nvGrpSpPr>
+        <p:grpSpPr>
+          <a:xfrm rot="-9987451" flipH="1">
+            <a:off x="2070523" y="-324609"/>
+            <a:ext cx="2078063" cy="2686329"/>
+            <a:chOff x="5523175" y="536475"/>
+            <a:chExt cx="1855175" cy="2398200"/>
+          </a:xfrm>
+        </p:grpSpPr>
+        <p:sp>
+          <p:nvSpPr>
+            <p:cNvPr id="894" name="Google Shape;894;p49"/>
+            <p:cNvSpPr/>
+            <p:nvPr/>
+          </p:nvSpPr>
+          <p:spPr>
+            <a:xfrm>
+              <a:off x="5523175" y="686500"/>
+              <a:ext cx="1855175" cy="2248175"/>
+            </a:xfrm>
+            <a:custGeom>
+              <a:avLst/>
+              <a:gdLst/>
+              <a:ahLst/>
+              <a:cxnLst/>
+              <a:rect l="l" t="t" r="r" b="b"/>
+              <a:pathLst>
+                <a:path w="74207" h="89927" fill="none" extrusionOk="0">
+                  <a:moveTo>
+                    <a:pt x="71749" y="8995"/>
+                  </a:moveTo>
+                  <a:cubicBezTo>
+                    <a:pt x="70048" y="5924"/>
+                    <a:pt x="67244" y="3514"/>
+                    <a:pt x="64062" y="2080"/>
+                  </a:cubicBezTo>
+                  <a:cubicBezTo>
+                    <a:pt x="60802" y="599"/>
+                    <a:pt x="57147" y="174"/>
+                    <a:pt x="53635" y="867"/>
+                  </a:cubicBezTo>
+                  <a:cubicBezTo>
+                    <a:pt x="49965" y="1592"/>
+                    <a:pt x="46546" y="3435"/>
+                    <a:pt x="43821" y="5939"/>
+                  </a:cubicBezTo>
+                  <a:cubicBezTo>
+                    <a:pt x="42498" y="7152"/>
+                    <a:pt x="41333" y="8523"/>
+                    <a:pt x="40340" y="10035"/>
+                  </a:cubicBezTo>
+                  <a:cubicBezTo>
+                    <a:pt x="40183" y="10287"/>
+                    <a:pt x="40592" y="10539"/>
+                    <a:pt x="40766" y="10271"/>
+                  </a:cubicBezTo>
+                  <a:cubicBezTo>
+                    <a:pt x="44766" y="4175"/>
+                    <a:pt x="52233" y="1"/>
+                    <a:pt x="59620" y="1230"/>
+                  </a:cubicBezTo>
+                  <a:cubicBezTo>
+                    <a:pt x="63086" y="1797"/>
+                    <a:pt x="66283" y="3435"/>
+                    <a:pt x="68788" y="5892"/>
+                  </a:cubicBezTo>
+                  <a:cubicBezTo>
+                    <a:pt x="71465" y="8570"/>
+                    <a:pt x="73293" y="12382"/>
+                    <a:pt x="72930" y="16241"/>
+                  </a:cubicBezTo>
+                  <a:cubicBezTo>
+                    <a:pt x="72741" y="18352"/>
+                    <a:pt x="71733" y="20210"/>
+                    <a:pt x="70347" y="21770"/>
+                  </a:cubicBezTo>
+                  <a:cubicBezTo>
+                    <a:pt x="69607" y="22604"/>
+                    <a:pt x="68788" y="23361"/>
+                    <a:pt x="67921" y="24054"/>
+                  </a:cubicBezTo>
+                  <a:cubicBezTo>
+                    <a:pt x="67984" y="23124"/>
+                    <a:pt x="67937" y="22195"/>
+                    <a:pt x="67780" y="21281"/>
+                  </a:cubicBezTo>
+                  <a:cubicBezTo>
+                    <a:pt x="67181" y="17989"/>
+                    <a:pt x="65023" y="14823"/>
+                    <a:pt x="61747" y="13784"/>
+                  </a:cubicBezTo>
+                  <a:cubicBezTo>
+                    <a:pt x="58864" y="12854"/>
+                    <a:pt x="55289" y="13658"/>
+                    <a:pt x="53351" y="16083"/>
+                  </a:cubicBezTo>
+                  <a:cubicBezTo>
+                    <a:pt x="51335" y="18604"/>
+                    <a:pt x="51729" y="22211"/>
+                    <a:pt x="53587" y="24699"/>
+                  </a:cubicBezTo>
+                  <a:cubicBezTo>
+                    <a:pt x="55777" y="27598"/>
+                    <a:pt x="59494" y="28259"/>
+                    <a:pt x="62865" y="27283"/>
+                  </a:cubicBezTo>
+                  <a:cubicBezTo>
+                    <a:pt x="64456" y="26810"/>
+                    <a:pt x="65952" y="26070"/>
+                    <a:pt x="67307" y="25109"/>
+                  </a:cubicBezTo>
+                  <a:cubicBezTo>
+                    <a:pt x="66882" y="27661"/>
+                    <a:pt x="65574" y="30071"/>
+                    <a:pt x="63889" y="32024"/>
+                  </a:cubicBezTo>
+                  <a:cubicBezTo>
+                    <a:pt x="58675" y="38025"/>
+                    <a:pt x="50390" y="39915"/>
+                    <a:pt x="42829" y="40766"/>
+                  </a:cubicBezTo>
+                  <a:cubicBezTo>
+                    <a:pt x="34512" y="41695"/>
+                    <a:pt x="25770" y="41601"/>
+                    <a:pt x="18052" y="45303"/>
+                  </a:cubicBezTo>
+                  <a:cubicBezTo>
+                    <a:pt x="11720" y="48343"/>
+                    <a:pt x="6553" y="53761"/>
+                    <a:pt x="3718" y="60188"/>
+                  </a:cubicBezTo>
+                  <a:cubicBezTo>
+                    <a:pt x="756" y="66835"/>
+                    <a:pt x="0" y="75435"/>
+                    <a:pt x="4568" y="81563"/>
+                  </a:cubicBezTo>
+                  <a:cubicBezTo>
+                    <a:pt x="9436" y="88100"/>
+                    <a:pt x="18004" y="89785"/>
+                    <a:pt x="25676" y="89895"/>
+                  </a:cubicBezTo>
+                  <a:cubicBezTo>
+                    <a:pt x="27897" y="89927"/>
+                    <a:pt x="30117" y="89848"/>
+                    <a:pt x="32338" y="89769"/>
+                  </a:cubicBezTo>
+                  <a:cubicBezTo>
+                    <a:pt x="32653" y="89769"/>
+                    <a:pt x="32653" y="89281"/>
+                    <a:pt x="32338" y="89281"/>
+                  </a:cubicBezTo>
+                  <a:cubicBezTo>
+                    <a:pt x="23848" y="89580"/>
+                    <a:pt x="14271" y="89785"/>
+                    <a:pt x="7404" y="83894"/>
+                  </a:cubicBezTo>
+                  <a:cubicBezTo>
+                    <a:pt x="4316" y="81248"/>
+                    <a:pt x="2473" y="77578"/>
+                    <a:pt x="1969" y="73545"/>
+                  </a:cubicBezTo>
+                  <a:cubicBezTo>
+                    <a:pt x="1481" y="69592"/>
+                    <a:pt x="2158" y="65543"/>
+                    <a:pt x="3545" y="61842"/>
+                  </a:cubicBezTo>
+                  <a:cubicBezTo>
+                    <a:pt x="6207" y="54864"/>
+                    <a:pt x="11389" y="49162"/>
+                    <a:pt x="18052" y="45838"/>
+                  </a:cubicBezTo>
+                  <a:cubicBezTo>
+                    <a:pt x="26054" y="41900"/>
+                    <a:pt x="35205" y="42199"/>
+                    <a:pt x="43853" y="41128"/>
+                  </a:cubicBezTo>
+                  <a:cubicBezTo>
+                    <a:pt x="51524" y="40183"/>
+                    <a:pt x="59888" y="38010"/>
+                    <a:pt x="64866" y="31599"/>
+                  </a:cubicBezTo>
+                  <a:cubicBezTo>
+                    <a:pt x="66409" y="29598"/>
+                    <a:pt x="67528" y="27204"/>
+                    <a:pt x="67858" y="24715"/>
+                  </a:cubicBezTo>
+                  <a:lnTo>
+                    <a:pt x="68016" y="24589"/>
+                  </a:lnTo>
+                  <a:cubicBezTo>
+                    <a:pt x="69528" y="23439"/>
+                    <a:pt x="70930" y="22053"/>
+                    <a:pt x="71954" y="20447"/>
+                  </a:cubicBezTo>
+                  <a:cubicBezTo>
+                    <a:pt x="74206" y="16934"/>
+                    <a:pt x="73702" y="12523"/>
+                    <a:pt x="71749" y="8995"/>
+                  </a:cubicBezTo>
+                  <a:close/>
+                  <a:moveTo>
+                    <a:pt x="65889" y="25440"/>
+                  </a:moveTo>
+                  <a:cubicBezTo>
+                    <a:pt x="62802" y="27235"/>
+                    <a:pt x="58628" y="28165"/>
+                    <a:pt x="55493" y="25912"/>
+                  </a:cubicBezTo>
+                  <a:cubicBezTo>
+                    <a:pt x="52926" y="24054"/>
+                    <a:pt x="51603" y="20242"/>
+                    <a:pt x="53115" y="17312"/>
+                  </a:cubicBezTo>
+                  <a:cubicBezTo>
+                    <a:pt x="54595" y="14492"/>
+                    <a:pt x="58203" y="13374"/>
+                    <a:pt x="61195" y="14114"/>
+                  </a:cubicBezTo>
+                  <a:cubicBezTo>
+                    <a:pt x="64598" y="14965"/>
+                    <a:pt x="66787" y="18210"/>
+                    <a:pt x="67339" y="21533"/>
+                  </a:cubicBezTo>
+                  <a:cubicBezTo>
+                    <a:pt x="67496" y="22494"/>
+                    <a:pt x="67528" y="23471"/>
+                    <a:pt x="67417" y="24447"/>
+                  </a:cubicBezTo>
+                  <a:cubicBezTo>
+                    <a:pt x="66929" y="24794"/>
+                    <a:pt x="66409" y="25140"/>
+                    <a:pt x="65889" y="25440"/>
+                  </a:cubicBezTo>
+                  <a:close/>
+                </a:path>
+              </a:pathLst>
+            </a:custGeom>
+            <a:noFill/>
+            <a:ln w="39375" cap="flat" cmpd="sng">
+              <a:solidFill>
+                <a:schemeClr val="dk1"/>
+              </a:solidFill>
+              <a:prstDash val="solid"/>
+              <a:miter lim="15751"/>
+              <a:headEnd type="none" w="sm" len="sm"/>
+              <a:tailEnd type="none" w="sm" len="sm"/>
+            </a:ln>
+          </p:spPr>
+          <p:txBody>
+            <a:bodyPr spcFirstLastPara="1" wrap="square" lIns="91425" tIns="91425" rIns="91425" bIns="91425" anchor="ctr" anchorCtr="0">
+              <a:noAutofit/>
+            </a:bodyPr>
+            <a:lstStyle/>
+            <a:p>
+              <a:pPr marL="0" lvl="0" indent="0" algn="l" rtl="0">
+                <a:spcBef>
+                  <a:spcPts val="0"/>
+                </a:spcBef>
+                <a:spcAft>
+                  <a:spcPts val="0"/>
+                </a:spcAft>
+                <a:buNone/>
+              </a:pPr>
+              <a:endParaRPr/>
+            </a:p>
+          </p:txBody>
+        </p:sp>
+        <p:sp>
+          <p:nvSpPr>
+            <p:cNvPr id="895" name="Google Shape;895;p49"/>
+            <p:cNvSpPr/>
+            <p:nvPr/>
+          </p:nvSpPr>
+          <p:spPr>
+            <a:xfrm>
+              <a:off x="6472200" y="834425"/>
+              <a:ext cx="166600" cy="174625"/>
+            </a:xfrm>
+            <a:custGeom>
+              <a:avLst/>
+              <a:gdLst/>
+              <a:ahLst/>
+              <a:cxnLst/>
+              <a:rect l="l" t="t" r="r" b="b"/>
+              <a:pathLst>
+                <a:path w="6664" h="6985" extrusionOk="0">
+                  <a:moveTo>
+                    <a:pt x="1386" y="0"/>
+                  </a:moveTo>
+                  <a:cubicBezTo>
+                    <a:pt x="1261" y="0"/>
+                    <a:pt x="1137" y="44"/>
+                    <a:pt x="1040" y="133"/>
+                  </a:cubicBezTo>
+                  <a:lnTo>
+                    <a:pt x="1" y="1093"/>
+                  </a:lnTo>
+                  <a:lnTo>
+                    <a:pt x="5388" y="6984"/>
+                  </a:lnTo>
+                  <a:lnTo>
+                    <a:pt x="6443" y="6024"/>
+                  </a:lnTo>
+                  <a:cubicBezTo>
+                    <a:pt x="6648" y="5835"/>
+                    <a:pt x="6664" y="5504"/>
+                    <a:pt x="6475" y="5283"/>
+                  </a:cubicBezTo>
+                  <a:lnTo>
+                    <a:pt x="1781" y="164"/>
+                  </a:lnTo>
+                  <a:cubicBezTo>
+                    <a:pt x="1672" y="56"/>
+                    <a:pt x="1528" y="0"/>
+                    <a:pt x="1386" y="0"/>
+                  </a:cubicBezTo>
+                  <a:close/>
+                </a:path>
+              </a:pathLst>
+            </a:custGeom>
+            <a:solidFill>
+              <a:schemeClr val="dk1"/>
+            </a:solidFill>
+            <a:ln>
+              <a:noFill/>
+            </a:ln>
+          </p:spPr>
+          <p:txBody>
+            <a:bodyPr spcFirstLastPara="1" wrap="square" lIns="91425" tIns="91425" rIns="91425" bIns="91425" anchor="ctr" anchorCtr="0">
+              <a:noAutofit/>
+            </a:bodyPr>
+            <a:lstStyle/>
+            <a:p>
+              <a:pPr marL="0" lvl="0" indent="0" algn="l" rtl="0">
+                <a:spcBef>
+                  <a:spcPts val="0"/>
+                </a:spcBef>
+                <a:spcAft>
+                  <a:spcPts val="0"/>
+                </a:spcAft>
+                <a:buNone/>
+              </a:pPr>
+              <a:endParaRPr/>
+            </a:p>
+          </p:txBody>
+        </p:sp>
+        <p:sp>
+          <p:nvSpPr>
+            <p:cNvPr id="896" name="Google Shape;896;p49"/>
+            <p:cNvSpPr/>
+            <p:nvPr/>
+          </p:nvSpPr>
+          <p:spPr>
+            <a:xfrm>
+              <a:off x="5781100" y="536475"/>
+              <a:ext cx="1068775" cy="1147125"/>
+            </a:xfrm>
+            <a:custGeom>
+              <a:avLst/>
+              <a:gdLst/>
+              <a:ahLst/>
+              <a:cxnLst/>
+              <a:rect l="l" t="t" r="r" b="b"/>
+              <a:pathLst>
+                <a:path w="42751" h="45885" fill="none" extrusionOk="0">
+                  <a:moveTo>
+                    <a:pt x="39143" y="25565"/>
+                  </a:moveTo>
+                  <a:lnTo>
+                    <a:pt x="21454" y="6285"/>
+                  </a:lnTo>
+                  <a:cubicBezTo>
+                    <a:pt x="15705" y="1"/>
+                    <a:pt x="5325" y="2237"/>
+                    <a:pt x="2663" y="10334"/>
+                  </a:cubicBezTo>
+                  <a:cubicBezTo>
+                    <a:pt x="1" y="18430"/>
+                    <a:pt x="7042" y="26385"/>
+                    <a:pt x="15390" y="24746"/>
+                  </a:cubicBezTo>
+                  <a:lnTo>
+                    <a:pt x="20226" y="30023"/>
+                  </a:lnTo>
+                  <a:cubicBezTo>
+                    <a:pt x="17879" y="38198"/>
+                    <a:pt x="25203" y="45885"/>
+                    <a:pt x="33489" y="43932"/>
+                  </a:cubicBezTo>
+                  <a:cubicBezTo>
+                    <a:pt x="37332" y="43034"/>
+                    <a:pt x="40419" y="40151"/>
+                    <a:pt x="41585" y="36371"/>
+                  </a:cubicBezTo>
+                  <a:cubicBezTo>
+                    <a:pt x="42751" y="32591"/>
+                    <a:pt x="41821" y="28479"/>
+                    <a:pt x="39143" y="25565"/>
+                  </a:cubicBezTo>
+                  <a:close/>
+                </a:path>
+              </a:pathLst>
+            </a:custGeom>
+            <a:noFill/>
+            <a:ln w="49225" cap="flat" cmpd="sng">
+              <a:solidFill>
+                <a:schemeClr val="dk1"/>
+              </a:solidFill>
+              <a:prstDash val="solid"/>
+              <a:miter lim="15751"/>
+              <a:headEnd type="none" w="sm" len="sm"/>
+              <a:tailEnd type="none" w="sm" len="sm"/>
+            </a:ln>
+          </p:spPr>
+          <p:txBody>
+            <a:bodyPr spcFirstLastPara="1" wrap="square" lIns="91425" tIns="91425" rIns="91425" bIns="91425" anchor="ctr" anchorCtr="0">
+              <a:noAutofit/>
+            </a:bodyPr>
+            <a:lstStyle/>
+            <a:p>
+              <a:pPr marL="0" lvl="0" indent="0" algn="l" rtl="0">
+                <a:spcBef>
+                  <a:spcPts val="0"/>
+                </a:spcBef>
+                <a:spcAft>
+                  <a:spcPts val="0"/>
+                </a:spcAft>
+                <a:buNone/>
+              </a:pPr>
+              <a:endParaRPr/>
+            </a:p>
+          </p:txBody>
+        </p:sp>
+        <p:sp>
+          <p:nvSpPr>
+            <p:cNvPr id="897" name="Google Shape;897;p49"/>
+            <p:cNvSpPr/>
+            <p:nvPr/>
+          </p:nvSpPr>
+          <p:spPr>
+            <a:xfrm>
+              <a:off x="6588575" y="1249725"/>
+              <a:ext cx="97100" cy="91000"/>
+            </a:xfrm>
+            <a:custGeom>
+              <a:avLst/>
+              <a:gdLst/>
+              <a:ahLst/>
+              <a:cxnLst/>
+              <a:rect l="l" t="t" r="r" b="b"/>
+              <a:pathLst>
+                <a:path w="3884" h="3640" extrusionOk="0">
+                  <a:moveTo>
+                    <a:pt x="1881" y="0"/>
+                  </a:moveTo>
+                  <a:cubicBezTo>
+                    <a:pt x="975" y="0"/>
+                    <a:pt x="97" y="679"/>
+                    <a:pt x="56" y="1745"/>
+                  </a:cubicBezTo>
+                  <a:cubicBezTo>
+                    <a:pt x="1" y="2864"/>
+                    <a:pt x="917" y="3640"/>
+                    <a:pt x="1882" y="3640"/>
+                  </a:cubicBezTo>
+                  <a:cubicBezTo>
+                    <a:pt x="2302" y="3640"/>
+                    <a:pt x="2732" y="3493"/>
+                    <a:pt x="3096" y="3163"/>
+                  </a:cubicBezTo>
+                  <a:cubicBezTo>
+                    <a:pt x="3836" y="2485"/>
+                    <a:pt x="3883" y="1336"/>
+                    <a:pt x="3206" y="595"/>
+                  </a:cubicBezTo>
+                  <a:cubicBezTo>
+                    <a:pt x="2833" y="185"/>
+                    <a:pt x="2353" y="0"/>
+                    <a:pt x="1881" y="0"/>
+                  </a:cubicBezTo>
+                  <a:close/>
+                </a:path>
+              </a:pathLst>
+            </a:custGeom>
+            <a:solidFill>
+              <a:schemeClr val="dk1"/>
+            </a:solidFill>
+            <a:ln>
+              <a:noFill/>
+            </a:ln>
+          </p:spPr>
+          <p:txBody>
+            <a:bodyPr spcFirstLastPara="1" wrap="square" lIns="91425" tIns="91425" rIns="91425" bIns="91425" anchor="ctr" anchorCtr="0">
+              <a:noAutofit/>
+            </a:bodyPr>
+            <a:lstStyle/>
+            <a:p>
+              <a:pPr marL="0" lvl="0" indent="0" algn="l" rtl="0">
+                <a:spcBef>
+                  <a:spcPts val="0"/>
+                </a:spcBef>
+                <a:spcAft>
+                  <a:spcPts val="0"/>
+                </a:spcAft>
+                <a:buNone/>
+              </a:pPr>
+              <a:endParaRPr/>
+            </a:p>
+          </p:txBody>
+        </p:sp>
+        <p:sp>
+          <p:nvSpPr>
+            <p:cNvPr id="898" name="Google Shape;898;p49"/>
+            <p:cNvSpPr/>
+            <p:nvPr/>
+          </p:nvSpPr>
+          <p:spPr>
+            <a:xfrm>
+              <a:off x="6436850" y="1388850"/>
+              <a:ext cx="96825" cy="91125"/>
+            </a:xfrm>
+            <a:custGeom>
+              <a:avLst/>
+              <a:gdLst/>
+              <a:ahLst/>
+              <a:cxnLst/>
+              <a:rect l="l" t="t" r="r" b="b"/>
+              <a:pathLst>
+                <a:path w="3873" h="3645" extrusionOk="0">
+                  <a:moveTo>
+                    <a:pt x="1865" y="0"/>
+                  </a:moveTo>
+                  <a:cubicBezTo>
+                    <a:pt x="958" y="0"/>
+                    <a:pt x="86" y="678"/>
+                    <a:pt x="44" y="1740"/>
+                  </a:cubicBezTo>
+                  <a:cubicBezTo>
+                    <a:pt x="1" y="2868"/>
+                    <a:pt x="915" y="3645"/>
+                    <a:pt x="1878" y="3645"/>
+                  </a:cubicBezTo>
+                  <a:cubicBezTo>
+                    <a:pt x="2302" y="3645"/>
+                    <a:pt x="2735" y="3495"/>
+                    <a:pt x="3100" y="3158"/>
+                  </a:cubicBezTo>
+                  <a:cubicBezTo>
+                    <a:pt x="3825" y="2481"/>
+                    <a:pt x="3872" y="1331"/>
+                    <a:pt x="3210" y="606"/>
+                  </a:cubicBezTo>
+                  <a:cubicBezTo>
+                    <a:pt x="2830" y="188"/>
+                    <a:pt x="2343" y="0"/>
+                    <a:pt x="1865" y="0"/>
+                  </a:cubicBezTo>
+                  <a:close/>
+                </a:path>
+              </a:pathLst>
+            </a:custGeom>
+            <a:solidFill>
+              <a:schemeClr val="dk1"/>
+            </a:solidFill>
+            <a:ln>
+              <a:noFill/>
+            </a:ln>
+          </p:spPr>
+          <p:txBody>
+            <a:bodyPr spcFirstLastPara="1" wrap="square" lIns="91425" tIns="91425" rIns="91425" bIns="91425" anchor="ctr" anchorCtr="0">
+              <a:noAutofit/>
+            </a:bodyPr>
+            <a:lstStyle/>
+            <a:p>
+              <a:pPr marL="0" lvl="0" indent="0" algn="l" rtl="0">
+                <a:spcBef>
+                  <a:spcPts val="0"/>
+                </a:spcBef>
+                <a:spcAft>
+                  <a:spcPts val="0"/>
+                </a:spcAft>
+                <a:buNone/>
+              </a:pPr>
+              <a:endParaRPr/>
+            </a:p>
+          </p:txBody>
+        </p:sp>
+        <p:sp>
+          <p:nvSpPr>
+            <p:cNvPr id="899" name="Google Shape;899;p49"/>
+            <p:cNvSpPr/>
+            <p:nvPr/>
+          </p:nvSpPr>
+          <p:spPr>
+            <a:xfrm>
+              <a:off x="6568350" y="1394900"/>
+              <a:ext cx="121250" cy="91025"/>
+            </a:xfrm>
+            <a:custGeom>
+              <a:avLst/>
+              <a:gdLst/>
+              <a:ahLst/>
+              <a:cxnLst/>
+              <a:rect l="l" t="t" r="r" b="b"/>
+              <a:pathLst>
+                <a:path w="4850" h="3641" extrusionOk="0">
+                  <a:moveTo>
+                    <a:pt x="2425" y="1"/>
+                  </a:moveTo>
+                  <a:cubicBezTo>
+                    <a:pt x="852" y="1"/>
+                    <a:pt x="0" y="1880"/>
+                    <a:pt x="1085" y="3058"/>
+                  </a:cubicBezTo>
+                  <a:cubicBezTo>
+                    <a:pt x="1445" y="3443"/>
+                    <a:pt x="1937" y="3641"/>
+                    <a:pt x="2431" y="3641"/>
+                  </a:cubicBezTo>
+                  <a:cubicBezTo>
+                    <a:pt x="2868" y="3641"/>
+                    <a:pt x="3305" y="3486"/>
+                    <a:pt x="3653" y="3168"/>
+                  </a:cubicBezTo>
+                  <a:cubicBezTo>
+                    <a:pt x="4850" y="2081"/>
+                    <a:pt x="4125" y="81"/>
+                    <a:pt x="2503" y="2"/>
+                  </a:cubicBezTo>
+                  <a:cubicBezTo>
+                    <a:pt x="2477" y="1"/>
+                    <a:pt x="2451" y="1"/>
+                    <a:pt x="2425" y="1"/>
+                  </a:cubicBezTo>
+                  <a:close/>
+                </a:path>
+              </a:pathLst>
+            </a:custGeom>
+            <a:solidFill>
+              <a:schemeClr val="dk1"/>
+            </a:solidFill>
+            <a:ln>
+              <a:noFill/>
+            </a:ln>
+          </p:spPr>
+          <p:txBody>
+            <a:bodyPr spcFirstLastPara="1" wrap="square" lIns="91425" tIns="91425" rIns="91425" bIns="91425" anchor="ctr" anchorCtr="0">
+              <a:noAutofit/>
+            </a:bodyPr>
+            <a:lstStyle/>
+            <a:p>
+              <a:pPr marL="0" lvl="0" indent="0" algn="l" rtl="0">
+                <a:spcBef>
+                  <a:spcPts val="0"/>
+                </a:spcBef>
+                <a:spcAft>
+                  <a:spcPts val="0"/>
+                </a:spcAft>
+                <a:buNone/>
+              </a:pPr>
+              <a:endParaRPr/>
+            </a:p>
+          </p:txBody>
+        </p:sp>
+        <p:sp>
+          <p:nvSpPr>
+            <p:cNvPr id="900" name="Google Shape;900;p49"/>
+            <p:cNvSpPr/>
+            <p:nvPr/>
+          </p:nvSpPr>
+          <p:spPr>
+            <a:xfrm>
+              <a:off x="6429325" y="1243300"/>
+              <a:ext cx="120875" cy="90875"/>
+            </a:xfrm>
+            <a:custGeom>
+              <a:avLst/>
+              <a:gdLst/>
+              <a:ahLst/>
+              <a:cxnLst/>
+              <a:rect l="l" t="t" r="r" b="b"/>
+              <a:pathLst>
+                <a:path w="4835" h="3635" extrusionOk="0">
+                  <a:moveTo>
+                    <a:pt x="2426" y="0"/>
+                  </a:moveTo>
+                  <a:cubicBezTo>
+                    <a:pt x="853" y="0"/>
+                    <a:pt x="1" y="1880"/>
+                    <a:pt x="1086" y="3058"/>
+                  </a:cubicBezTo>
+                  <a:cubicBezTo>
+                    <a:pt x="1444" y="3440"/>
+                    <a:pt x="1929" y="3634"/>
+                    <a:pt x="2417" y="3634"/>
+                  </a:cubicBezTo>
+                  <a:cubicBezTo>
+                    <a:pt x="2852" y="3634"/>
+                    <a:pt x="3288" y="3480"/>
+                    <a:pt x="3637" y="3168"/>
+                  </a:cubicBezTo>
+                  <a:cubicBezTo>
+                    <a:pt x="4835" y="2065"/>
+                    <a:pt x="4110" y="80"/>
+                    <a:pt x="2503" y="2"/>
+                  </a:cubicBezTo>
+                  <a:cubicBezTo>
+                    <a:pt x="2477" y="1"/>
+                    <a:pt x="2451" y="0"/>
+                    <a:pt x="2426" y="0"/>
+                  </a:cubicBezTo>
+                  <a:close/>
+                </a:path>
+              </a:pathLst>
+            </a:custGeom>
+            <a:solidFill>
+              <a:schemeClr val="dk1"/>
+            </a:solidFill>
+            <a:ln>
+              <a:noFill/>
+            </a:ln>
+          </p:spPr>
+          <p:txBody>
+            <a:bodyPr spcFirstLastPara="1" wrap="square" lIns="91425" tIns="91425" rIns="91425" bIns="91425" anchor="ctr" anchorCtr="0">
+              <a:noAutofit/>
+            </a:bodyPr>
+            <a:lstStyle/>
+            <a:p>
+              <a:pPr marL="0" lvl="0" indent="0" algn="l" rtl="0">
+                <a:spcBef>
+                  <a:spcPts val="0"/>
+                </a:spcBef>
+                <a:spcAft>
+                  <a:spcPts val="0"/>
+                </a:spcAft>
+                <a:buNone/>
+              </a:pPr>
+              <a:endParaRPr/>
+            </a:p>
+          </p:txBody>
+        </p:sp>
+        <p:sp>
+          <p:nvSpPr>
+            <p:cNvPr id="901" name="Google Shape;901;p49"/>
+            <p:cNvSpPr/>
+            <p:nvPr/>
+          </p:nvSpPr>
+          <p:spPr>
+            <a:xfrm>
+              <a:off x="5988250" y="757275"/>
+              <a:ext cx="235900" cy="232200"/>
+            </a:xfrm>
+            <a:custGeom>
+              <a:avLst/>
+              <a:gdLst/>
+              <a:ahLst/>
+              <a:cxnLst/>
+              <a:rect l="l" t="t" r="r" b="b"/>
+              <a:pathLst>
+                <a:path w="9436" h="9288" extrusionOk="0">
+                  <a:moveTo>
+                    <a:pt x="2800" y="1"/>
+                  </a:moveTo>
+                  <a:cubicBezTo>
+                    <a:pt x="2633" y="1"/>
+                    <a:pt x="2465" y="60"/>
+                    <a:pt x="2331" y="178"/>
+                  </a:cubicBezTo>
+                  <a:lnTo>
+                    <a:pt x="473" y="1880"/>
+                  </a:lnTo>
+                  <a:cubicBezTo>
+                    <a:pt x="189" y="2147"/>
+                    <a:pt x="173" y="2588"/>
+                    <a:pt x="425" y="2872"/>
+                  </a:cubicBezTo>
+                  <a:lnTo>
+                    <a:pt x="1937" y="4526"/>
+                  </a:lnTo>
+                  <a:lnTo>
+                    <a:pt x="299" y="6038"/>
+                  </a:lnTo>
+                  <a:cubicBezTo>
+                    <a:pt x="16" y="6306"/>
+                    <a:pt x="0" y="6731"/>
+                    <a:pt x="252" y="7015"/>
+                  </a:cubicBezTo>
+                  <a:lnTo>
+                    <a:pt x="1953" y="8889"/>
+                  </a:lnTo>
+                  <a:cubicBezTo>
+                    <a:pt x="2093" y="9037"/>
+                    <a:pt x="2280" y="9112"/>
+                    <a:pt x="2467" y="9112"/>
+                  </a:cubicBezTo>
+                  <a:cubicBezTo>
+                    <a:pt x="2638" y="9112"/>
+                    <a:pt x="2810" y="9049"/>
+                    <a:pt x="2946" y="8921"/>
+                  </a:cubicBezTo>
+                  <a:lnTo>
+                    <a:pt x="4600" y="7408"/>
+                  </a:lnTo>
+                  <a:lnTo>
+                    <a:pt x="6112" y="9062"/>
+                  </a:lnTo>
+                  <a:cubicBezTo>
+                    <a:pt x="6253" y="9213"/>
+                    <a:pt x="6439" y="9288"/>
+                    <a:pt x="6625" y="9288"/>
+                  </a:cubicBezTo>
+                  <a:cubicBezTo>
+                    <a:pt x="6790" y="9288"/>
+                    <a:pt x="6955" y="9228"/>
+                    <a:pt x="7088" y="9110"/>
+                  </a:cubicBezTo>
+                  <a:lnTo>
+                    <a:pt x="8947" y="7393"/>
+                  </a:lnTo>
+                  <a:cubicBezTo>
+                    <a:pt x="9230" y="7141"/>
+                    <a:pt x="9262" y="6700"/>
+                    <a:pt x="8994" y="6416"/>
+                  </a:cubicBezTo>
+                  <a:lnTo>
+                    <a:pt x="7482" y="4762"/>
+                  </a:lnTo>
+                  <a:lnTo>
+                    <a:pt x="9136" y="3250"/>
+                  </a:lnTo>
+                  <a:cubicBezTo>
+                    <a:pt x="9420" y="2982"/>
+                    <a:pt x="9435" y="2541"/>
+                    <a:pt x="9167" y="2258"/>
+                  </a:cubicBezTo>
+                  <a:lnTo>
+                    <a:pt x="7466" y="399"/>
+                  </a:lnTo>
+                  <a:cubicBezTo>
+                    <a:pt x="7333" y="249"/>
+                    <a:pt x="7146" y="174"/>
+                    <a:pt x="6959" y="174"/>
+                  </a:cubicBezTo>
+                  <a:cubicBezTo>
+                    <a:pt x="6791" y="174"/>
+                    <a:pt x="6623" y="233"/>
+                    <a:pt x="6490" y="352"/>
+                  </a:cubicBezTo>
+                  <a:lnTo>
+                    <a:pt x="4836" y="1880"/>
+                  </a:lnTo>
+                  <a:lnTo>
+                    <a:pt x="3308" y="226"/>
+                  </a:lnTo>
+                  <a:cubicBezTo>
+                    <a:pt x="3174" y="76"/>
+                    <a:pt x="2988" y="1"/>
+                    <a:pt x="2800" y="1"/>
+                  </a:cubicBezTo>
+                  <a:close/>
+                </a:path>
+              </a:pathLst>
+            </a:custGeom>
+            <a:solidFill>
+              <a:schemeClr val="dk1"/>
+            </a:solidFill>
+            <a:ln>
+              <a:noFill/>
+            </a:ln>
+          </p:spPr>
+          <p:txBody>
+            <a:bodyPr spcFirstLastPara="1" wrap="square" lIns="91425" tIns="91425" rIns="91425" bIns="91425" anchor="ctr" anchorCtr="0">
+              <a:noAutofit/>
+            </a:bodyPr>
+            <a:lstStyle/>
+            <a:p>
+              <a:pPr marL="0" lvl="0" indent="0" algn="l" rtl="0">
+                <a:spcBef>
+                  <a:spcPts val="0"/>
+                </a:spcBef>
+                <a:spcAft>
+                  <a:spcPts val="0"/>
+                </a:spcAft>
+                <a:buNone/>
+              </a:pPr>
+              <a:endParaRPr/>
+            </a:p>
+          </p:txBody>
+        </p:sp>
+      </p:grpSp>
+      <p:grpSp>
+        <p:nvGrpSpPr>
+          <p:cNvPr id="902" name="Google Shape;902;p49"/>
+          <p:cNvGrpSpPr/>
+          <p:nvPr/>
+        </p:nvGrpSpPr>
+        <p:grpSpPr>
+          <a:xfrm rot="-1568536" flipH="1">
+            <a:off x="440421" y="1205942"/>
+            <a:ext cx="925447" cy="598598"/>
+            <a:chOff x="3765675" y="2533375"/>
+            <a:chExt cx="925450" cy="598600"/>
+          </a:xfrm>
+        </p:grpSpPr>
+        <p:sp>
+          <p:nvSpPr>
+            <p:cNvPr id="903" name="Google Shape;903;p49"/>
+            <p:cNvSpPr/>
+            <p:nvPr/>
+          </p:nvSpPr>
+          <p:spPr>
+            <a:xfrm>
+              <a:off x="4085050" y="2533375"/>
+              <a:ext cx="284350" cy="284350"/>
+            </a:xfrm>
+            <a:custGeom>
+              <a:avLst/>
+              <a:gdLst/>
+              <a:ahLst/>
+              <a:cxnLst/>
+              <a:rect l="l" t="t" r="r" b="b"/>
+              <a:pathLst>
+                <a:path w="11374" h="11374" extrusionOk="0">
+                  <a:moveTo>
+                    <a:pt x="9404" y="1970"/>
+                  </a:moveTo>
+                  <a:lnTo>
+                    <a:pt x="9404" y="9405"/>
+                  </a:lnTo>
+                  <a:lnTo>
+                    <a:pt x="1969" y="9405"/>
+                  </a:lnTo>
+                  <a:lnTo>
+                    <a:pt x="1969" y="1970"/>
+                  </a:lnTo>
+                  <a:close/>
+                  <a:moveTo>
+                    <a:pt x="1497" y="1"/>
+                  </a:moveTo>
+                  <a:cubicBezTo>
+                    <a:pt x="678" y="1"/>
+                    <a:pt x="1" y="678"/>
+                    <a:pt x="1" y="1497"/>
+                  </a:cubicBezTo>
+                  <a:lnTo>
+                    <a:pt x="1" y="9877"/>
+                  </a:lnTo>
+                  <a:cubicBezTo>
+                    <a:pt x="1" y="10712"/>
+                    <a:pt x="678" y="11374"/>
+                    <a:pt x="1497" y="11374"/>
+                  </a:cubicBezTo>
+                  <a:lnTo>
+                    <a:pt x="9877" y="11374"/>
+                  </a:lnTo>
+                  <a:cubicBezTo>
+                    <a:pt x="10696" y="11374"/>
+                    <a:pt x="11373" y="10712"/>
+                    <a:pt x="11373" y="9877"/>
+                  </a:cubicBezTo>
+                  <a:lnTo>
+                    <a:pt x="11373" y="1497"/>
+                  </a:lnTo>
+                  <a:cubicBezTo>
+                    <a:pt x="11373" y="678"/>
+                    <a:pt x="10696" y="1"/>
+                    <a:pt x="9877" y="1"/>
+                  </a:cubicBezTo>
+                  <a:close/>
+                </a:path>
+              </a:pathLst>
+            </a:custGeom>
+            <a:solidFill>
+              <a:schemeClr val="dk1"/>
+            </a:solidFill>
+            <a:ln>
+              <a:noFill/>
+            </a:ln>
+          </p:spPr>
+          <p:txBody>
+            <a:bodyPr spcFirstLastPara="1" wrap="square" lIns="91425" tIns="91425" rIns="91425" bIns="91425" anchor="ctr" anchorCtr="0">
+              <a:noAutofit/>
+            </a:bodyPr>
+            <a:lstStyle/>
+            <a:p>
+              <a:pPr marL="0" lvl="0" indent="0" algn="l" rtl="0">
+                <a:spcBef>
+                  <a:spcPts val="0"/>
+                </a:spcBef>
+                <a:spcAft>
+                  <a:spcPts val="0"/>
+                </a:spcAft>
+                <a:buNone/>
+              </a:pPr>
+              <a:endParaRPr/>
+            </a:p>
+          </p:txBody>
+        </p:sp>
+        <p:sp>
+          <p:nvSpPr>
+            <p:cNvPr id="904" name="Google Shape;904;p49"/>
+            <p:cNvSpPr/>
+            <p:nvPr/>
+          </p:nvSpPr>
+          <p:spPr>
+            <a:xfrm>
+              <a:off x="4085050" y="2847625"/>
+              <a:ext cx="284350" cy="284350"/>
+            </a:xfrm>
+            <a:custGeom>
+              <a:avLst/>
+              <a:gdLst/>
+              <a:ahLst/>
+              <a:cxnLst/>
+              <a:rect l="l" t="t" r="r" b="b"/>
+              <a:pathLst>
+                <a:path w="11374" h="11374" extrusionOk="0">
+                  <a:moveTo>
+                    <a:pt x="9404" y="1985"/>
+                  </a:moveTo>
+                  <a:lnTo>
+                    <a:pt x="9404" y="9404"/>
+                  </a:lnTo>
+                  <a:lnTo>
+                    <a:pt x="1969" y="9404"/>
+                  </a:lnTo>
+                  <a:lnTo>
+                    <a:pt x="1969" y="1985"/>
+                  </a:lnTo>
+                  <a:close/>
+                  <a:moveTo>
+                    <a:pt x="1497" y="1"/>
+                  </a:moveTo>
+                  <a:cubicBezTo>
+                    <a:pt x="678" y="1"/>
+                    <a:pt x="1" y="678"/>
+                    <a:pt x="1" y="1497"/>
+                  </a:cubicBezTo>
+                  <a:lnTo>
+                    <a:pt x="1" y="9877"/>
+                  </a:lnTo>
+                  <a:cubicBezTo>
+                    <a:pt x="1" y="10712"/>
+                    <a:pt x="678" y="11373"/>
+                    <a:pt x="1497" y="11373"/>
+                  </a:cubicBezTo>
+                  <a:lnTo>
+                    <a:pt x="9877" y="11373"/>
+                  </a:lnTo>
+                  <a:cubicBezTo>
+                    <a:pt x="10696" y="11373"/>
+                    <a:pt x="11373" y="10712"/>
+                    <a:pt x="11373" y="9893"/>
+                  </a:cubicBezTo>
+                  <a:lnTo>
+                    <a:pt x="11373" y="1513"/>
+                  </a:lnTo>
+                  <a:cubicBezTo>
+                    <a:pt x="11373" y="678"/>
+                    <a:pt x="10696" y="16"/>
+                    <a:pt x="9877" y="16"/>
+                  </a:cubicBezTo>
+                  <a:lnTo>
+                    <a:pt x="1497" y="16"/>
+                  </a:lnTo>
+                  <a:lnTo>
+                    <a:pt x="1497" y="1"/>
+                  </a:lnTo>
+                  <a:close/>
+                </a:path>
+              </a:pathLst>
+            </a:custGeom>
+            <a:solidFill>
+              <a:schemeClr val="dk1"/>
+            </a:solidFill>
+            <a:ln>
+              <a:noFill/>
+            </a:ln>
+          </p:spPr>
+          <p:txBody>
+            <a:bodyPr spcFirstLastPara="1" wrap="square" lIns="91425" tIns="91425" rIns="91425" bIns="91425" anchor="ctr" anchorCtr="0">
+              <a:noAutofit/>
+            </a:bodyPr>
+            <a:lstStyle/>
+            <a:p>
+              <a:pPr marL="0" lvl="0" indent="0" algn="l" rtl="0">
+                <a:spcBef>
+                  <a:spcPts val="0"/>
+                </a:spcBef>
+                <a:spcAft>
+                  <a:spcPts val="0"/>
+                </a:spcAft>
+                <a:buNone/>
+              </a:pPr>
+              <a:endParaRPr/>
+            </a:p>
+          </p:txBody>
+        </p:sp>
+        <p:sp>
+          <p:nvSpPr>
+            <p:cNvPr id="905" name="Google Shape;905;p49"/>
+            <p:cNvSpPr/>
+            <p:nvPr/>
+          </p:nvSpPr>
+          <p:spPr>
+            <a:xfrm>
+              <a:off x="4406775" y="2847625"/>
+              <a:ext cx="284350" cy="284350"/>
+            </a:xfrm>
+            <a:custGeom>
+              <a:avLst/>
+              <a:gdLst/>
+              <a:ahLst/>
+              <a:cxnLst/>
+              <a:rect l="l" t="t" r="r" b="b"/>
+              <a:pathLst>
+                <a:path w="11374" h="11374" extrusionOk="0">
+                  <a:moveTo>
+                    <a:pt x="9404" y="1985"/>
+                  </a:moveTo>
+                  <a:lnTo>
+                    <a:pt x="9404" y="9404"/>
+                  </a:lnTo>
+                  <a:lnTo>
+                    <a:pt x="1970" y="9404"/>
+                  </a:lnTo>
+                  <a:lnTo>
+                    <a:pt x="1970" y="1985"/>
+                  </a:lnTo>
+                  <a:close/>
+                  <a:moveTo>
+                    <a:pt x="1497" y="1"/>
+                  </a:moveTo>
+                  <a:cubicBezTo>
+                    <a:pt x="662" y="1"/>
+                    <a:pt x="1" y="678"/>
+                    <a:pt x="1" y="1497"/>
+                  </a:cubicBezTo>
+                  <a:lnTo>
+                    <a:pt x="1" y="9877"/>
+                  </a:lnTo>
+                  <a:cubicBezTo>
+                    <a:pt x="1" y="10712"/>
+                    <a:pt x="662" y="11373"/>
+                    <a:pt x="1497" y="11373"/>
+                  </a:cubicBezTo>
+                  <a:lnTo>
+                    <a:pt x="9877" y="11373"/>
+                  </a:lnTo>
+                  <a:cubicBezTo>
+                    <a:pt x="10696" y="11373"/>
+                    <a:pt x="11373" y="10712"/>
+                    <a:pt x="11373" y="9893"/>
+                  </a:cubicBezTo>
+                  <a:lnTo>
+                    <a:pt x="11373" y="1513"/>
+                  </a:lnTo>
+                  <a:cubicBezTo>
+                    <a:pt x="11373" y="688"/>
+                    <a:pt x="10711" y="16"/>
+                    <a:pt x="9905" y="16"/>
+                  </a:cubicBezTo>
+                  <a:cubicBezTo>
+                    <a:pt x="9896" y="16"/>
+                    <a:pt x="9886" y="16"/>
+                    <a:pt x="9877" y="16"/>
+                  </a:cubicBezTo>
+                  <a:lnTo>
+                    <a:pt x="1497" y="16"/>
+                  </a:lnTo>
+                  <a:lnTo>
+                    <a:pt x="1497" y="1"/>
+                  </a:lnTo>
+                  <a:close/>
+                </a:path>
+              </a:pathLst>
+            </a:custGeom>
+            <a:solidFill>
+              <a:schemeClr val="dk1"/>
+            </a:solidFill>
+            <a:ln>
+              <a:noFill/>
+            </a:ln>
+          </p:spPr>
+          <p:txBody>
+            <a:bodyPr spcFirstLastPara="1" wrap="square" lIns="91425" tIns="91425" rIns="91425" bIns="91425" anchor="ctr" anchorCtr="0">
+              <a:noAutofit/>
+            </a:bodyPr>
+            <a:lstStyle/>
+            <a:p>
+              <a:pPr marL="0" lvl="0" indent="0" algn="l" rtl="0">
+                <a:spcBef>
+                  <a:spcPts val="0"/>
+                </a:spcBef>
+                <a:spcAft>
+                  <a:spcPts val="0"/>
+                </a:spcAft>
+                <a:buNone/>
+              </a:pPr>
+              <a:endParaRPr/>
+            </a:p>
+          </p:txBody>
+        </p:sp>
+        <p:sp>
+          <p:nvSpPr>
+            <p:cNvPr id="906" name="Google Shape;906;p49"/>
+            <p:cNvSpPr/>
+            <p:nvPr/>
+          </p:nvSpPr>
+          <p:spPr>
+            <a:xfrm>
+              <a:off x="3765675" y="2847625"/>
+              <a:ext cx="284350" cy="284350"/>
+            </a:xfrm>
+            <a:custGeom>
+              <a:avLst/>
+              <a:gdLst/>
+              <a:ahLst/>
+              <a:cxnLst/>
+              <a:rect l="l" t="t" r="r" b="b"/>
+              <a:pathLst>
+                <a:path w="11374" h="11374" extrusionOk="0">
+                  <a:moveTo>
+                    <a:pt x="9405" y="1985"/>
+                  </a:moveTo>
+                  <a:lnTo>
+                    <a:pt x="9405" y="9404"/>
+                  </a:lnTo>
+                  <a:lnTo>
+                    <a:pt x="1970" y="9404"/>
+                  </a:lnTo>
+                  <a:lnTo>
+                    <a:pt x="1970" y="1985"/>
+                  </a:lnTo>
+                  <a:close/>
+                  <a:moveTo>
+                    <a:pt x="1497" y="1"/>
+                  </a:moveTo>
+                  <a:cubicBezTo>
+                    <a:pt x="663" y="1"/>
+                    <a:pt x="1" y="678"/>
+                    <a:pt x="1" y="1497"/>
+                  </a:cubicBezTo>
+                  <a:lnTo>
+                    <a:pt x="1" y="9877"/>
+                  </a:lnTo>
+                  <a:cubicBezTo>
+                    <a:pt x="1" y="10712"/>
+                    <a:pt x="663" y="11373"/>
+                    <a:pt x="1497" y="11373"/>
+                  </a:cubicBezTo>
+                  <a:lnTo>
+                    <a:pt x="9877" y="11373"/>
+                  </a:lnTo>
+                  <a:cubicBezTo>
+                    <a:pt x="10696" y="11373"/>
+                    <a:pt x="11358" y="10712"/>
+                    <a:pt x="11374" y="9893"/>
+                  </a:cubicBezTo>
+                  <a:lnTo>
+                    <a:pt x="11374" y="1513"/>
+                  </a:lnTo>
+                  <a:cubicBezTo>
+                    <a:pt x="11374" y="678"/>
+                    <a:pt x="10696" y="16"/>
+                    <a:pt x="9877" y="16"/>
+                  </a:cubicBezTo>
+                  <a:lnTo>
+                    <a:pt x="1497" y="16"/>
+                  </a:lnTo>
+                  <a:lnTo>
+                    <a:pt x="1497" y="1"/>
+                  </a:lnTo>
+                  <a:close/>
+                </a:path>
+              </a:pathLst>
+            </a:custGeom>
+            <a:solidFill>
+              <a:schemeClr val="dk1"/>
+            </a:solidFill>
+            <a:ln>
+              <a:noFill/>
+            </a:ln>
+          </p:spPr>
+          <p:txBody>
+            <a:bodyPr spcFirstLastPara="1" wrap="square" lIns="91425" tIns="91425" rIns="91425" bIns="91425" anchor="ctr" anchorCtr="0">
+              <a:noAutofit/>
+            </a:bodyPr>
+            <a:lstStyle/>
+            <a:p>
+              <a:pPr marL="0" lvl="0" indent="0" algn="l" rtl="0">
+                <a:spcBef>
+                  <a:spcPts val="0"/>
+                </a:spcBef>
+                <a:spcAft>
+                  <a:spcPts val="0"/>
+                </a:spcAft>
+                <a:buNone/>
+              </a:pPr>
+              <a:endParaRPr/>
+            </a:p>
+          </p:txBody>
+        </p:sp>
+      </p:grpSp>
+      <p:grpSp>
+        <p:nvGrpSpPr>
+          <p:cNvPr id="907" name="Google Shape;907;p49"/>
+          <p:cNvGrpSpPr/>
+          <p:nvPr/>
+        </p:nvGrpSpPr>
+        <p:grpSpPr>
+          <a:xfrm rot="1466267" flipH="1">
+            <a:off x="8217343" y="1570299"/>
+            <a:ext cx="606443" cy="912814"/>
+            <a:chOff x="4865150" y="3459975"/>
+            <a:chExt cx="606450" cy="912825"/>
+          </a:xfrm>
+        </p:grpSpPr>
+        <p:sp>
+          <p:nvSpPr>
+            <p:cNvPr id="908" name="Google Shape;908;p49"/>
+            <p:cNvSpPr/>
+            <p:nvPr/>
+          </p:nvSpPr>
+          <p:spPr>
+            <a:xfrm>
+              <a:off x="4865550" y="3774225"/>
+              <a:ext cx="284325" cy="284325"/>
+            </a:xfrm>
+            <a:custGeom>
+              <a:avLst/>
+              <a:gdLst/>
+              <a:ahLst/>
+              <a:cxnLst/>
+              <a:rect l="l" t="t" r="r" b="b"/>
+              <a:pathLst>
+                <a:path w="11373" h="11373" extrusionOk="0">
+                  <a:moveTo>
+                    <a:pt x="9404" y="1969"/>
+                  </a:moveTo>
+                  <a:lnTo>
+                    <a:pt x="9404" y="9404"/>
+                  </a:lnTo>
+                  <a:lnTo>
+                    <a:pt x="1969" y="9404"/>
+                  </a:lnTo>
+                  <a:lnTo>
+                    <a:pt x="1969" y="1969"/>
+                  </a:lnTo>
+                  <a:close/>
+                  <a:moveTo>
+                    <a:pt x="1497" y="0"/>
+                  </a:moveTo>
+                  <a:cubicBezTo>
+                    <a:pt x="678" y="0"/>
+                    <a:pt x="0" y="662"/>
+                    <a:pt x="0" y="1497"/>
+                  </a:cubicBezTo>
+                  <a:lnTo>
+                    <a:pt x="0" y="9876"/>
+                  </a:lnTo>
+                  <a:cubicBezTo>
+                    <a:pt x="0" y="10696"/>
+                    <a:pt x="662" y="11357"/>
+                    <a:pt x="1497" y="11373"/>
+                  </a:cubicBezTo>
+                  <a:lnTo>
+                    <a:pt x="9876" y="11373"/>
+                  </a:lnTo>
+                  <a:cubicBezTo>
+                    <a:pt x="10696" y="11373"/>
+                    <a:pt x="11373" y="10696"/>
+                    <a:pt x="11373" y="9876"/>
+                  </a:cubicBezTo>
+                  <a:lnTo>
+                    <a:pt x="11373" y="1497"/>
+                  </a:lnTo>
+                  <a:cubicBezTo>
+                    <a:pt x="11373" y="662"/>
+                    <a:pt x="10696" y="0"/>
+                    <a:pt x="9876" y="0"/>
+                  </a:cubicBezTo>
+                  <a:close/>
+                </a:path>
+              </a:pathLst>
+            </a:custGeom>
+            <a:solidFill>
+              <a:schemeClr val="dk1"/>
+            </a:solidFill>
+            <a:ln>
+              <a:noFill/>
+            </a:ln>
+          </p:spPr>
+          <p:txBody>
+            <a:bodyPr spcFirstLastPara="1" wrap="square" lIns="91425" tIns="91425" rIns="91425" bIns="91425" anchor="ctr" anchorCtr="0">
+              <a:noAutofit/>
+            </a:bodyPr>
+            <a:lstStyle/>
+            <a:p>
+              <a:pPr marL="0" lvl="0" indent="0" algn="l" rtl="0">
+                <a:spcBef>
+                  <a:spcPts val="0"/>
+                </a:spcBef>
+                <a:spcAft>
+                  <a:spcPts val="0"/>
+                </a:spcAft>
+                <a:buNone/>
+              </a:pPr>
+              <a:endParaRPr/>
+            </a:p>
+          </p:txBody>
+        </p:sp>
+        <p:sp>
+          <p:nvSpPr>
+            <p:cNvPr id="909" name="Google Shape;909;p49"/>
+            <p:cNvSpPr/>
+            <p:nvPr/>
+          </p:nvSpPr>
+          <p:spPr>
+            <a:xfrm>
+              <a:off x="4865150" y="3459975"/>
+              <a:ext cx="284350" cy="284350"/>
+            </a:xfrm>
+            <a:custGeom>
+              <a:avLst/>
+              <a:gdLst/>
+              <a:ahLst/>
+              <a:cxnLst/>
+              <a:rect l="l" t="t" r="r" b="b"/>
+              <a:pathLst>
+                <a:path w="11374" h="11374" extrusionOk="0">
+                  <a:moveTo>
+                    <a:pt x="9420" y="1969"/>
+                  </a:moveTo>
+                  <a:lnTo>
+                    <a:pt x="9420" y="9404"/>
+                  </a:lnTo>
+                  <a:lnTo>
+                    <a:pt x="1969" y="9404"/>
+                  </a:lnTo>
+                  <a:lnTo>
+                    <a:pt x="1969" y="1969"/>
+                  </a:lnTo>
+                  <a:close/>
+                  <a:moveTo>
+                    <a:pt x="1497" y="0"/>
+                  </a:moveTo>
+                  <a:cubicBezTo>
+                    <a:pt x="678" y="0"/>
+                    <a:pt x="0" y="662"/>
+                    <a:pt x="0" y="1497"/>
+                  </a:cubicBezTo>
+                  <a:lnTo>
+                    <a:pt x="0" y="9877"/>
+                  </a:lnTo>
+                  <a:cubicBezTo>
+                    <a:pt x="0" y="10696"/>
+                    <a:pt x="678" y="11373"/>
+                    <a:pt x="1497" y="11373"/>
+                  </a:cubicBezTo>
+                  <a:lnTo>
+                    <a:pt x="9877" y="11373"/>
+                  </a:lnTo>
+                  <a:cubicBezTo>
+                    <a:pt x="10696" y="11373"/>
+                    <a:pt x="11373" y="10696"/>
+                    <a:pt x="11373" y="9877"/>
+                  </a:cubicBezTo>
+                  <a:lnTo>
+                    <a:pt x="11373" y="1513"/>
+                  </a:lnTo>
+                  <a:cubicBezTo>
+                    <a:pt x="11373" y="678"/>
+                    <a:pt x="10696" y="0"/>
+                    <a:pt x="9877" y="0"/>
+                  </a:cubicBezTo>
+                  <a:close/>
+                </a:path>
+              </a:pathLst>
+            </a:custGeom>
+            <a:solidFill>
+              <a:schemeClr val="dk1"/>
+            </a:solidFill>
+            <a:ln>
+              <a:noFill/>
+            </a:ln>
+          </p:spPr>
+          <p:txBody>
+            <a:bodyPr spcFirstLastPara="1" wrap="square" lIns="91425" tIns="91425" rIns="91425" bIns="91425" anchor="ctr" anchorCtr="0">
+              <a:noAutofit/>
+            </a:bodyPr>
+            <a:lstStyle/>
+            <a:p>
+              <a:pPr marL="0" lvl="0" indent="0" algn="l" rtl="0">
+                <a:spcBef>
+                  <a:spcPts val="0"/>
+                </a:spcBef>
+                <a:spcAft>
+                  <a:spcPts val="0"/>
+                </a:spcAft>
+                <a:buNone/>
+              </a:pPr>
+              <a:endParaRPr/>
+            </a:p>
+          </p:txBody>
+        </p:sp>
+        <p:sp>
+          <p:nvSpPr>
+            <p:cNvPr id="910" name="Google Shape;910;p49"/>
+            <p:cNvSpPr/>
+            <p:nvPr/>
+          </p:nvSpPr>
+          <p:spPr>
+            <a:xfrm>
+              <a:off x="4865550" y="4088475"/>
+              <a:ext cx="284325" cy="284325"/>
+            </a:xfrm>
+            <a:custGeom>
+              <a:avLst/>
+              <a:gdLst/>
+              <a:ahLst/>
+              <a:cxnLst/>
+              <a:rect l="l" t="t" r="r" b="b"/>
+              <a:pathLst>
+                <a:path w="11373" h="11373" extrusionOk="0">
+                  <a:moveTo>
+                    <a:pt x="9420" y="1969"/>
+                  </a:moveTo>
+                  <a:lnTo>
+                    <a:pt x="9420" y="9388"/>
+                  </a:lnTo>
+                  <a:lnTo>
+                    <a:pt x="1969" y="9388"/>
+                  </a:lnTo>
+                  <a:lnTo>
+                    <a:pt x="1969" y="1969"/>
+                  </a:lnTo>
+                  <a:close/>
+                  <a:moveTo>
+                    <a:pt x="1497" y="0"/>
+                  </a:moveTo>
+                  <a:cubicBezTo>
+                    <a:pt x="678" y="0"/>
+                    <a:pt x="0" y="662"/>
+                    <a:pt x="0" y="1496"/>
+                  </a:cubicBezTo>
+                  <a:lnTo>
+                    <a:pt x="0" y="9876"/>
+                  </a:lnTo>
+                  <a:cubicBezTo>
+                    <a:pt x="0" y="10695"/>
+                    <a:pt x="678" y="11357"/>
+                    <a:pt x="1497" y="11373"/>
+                  </a:cubicBezTo>
+                  <a:lnTo>
+                    <a:pt x="9876" y="11373"/>
+                  </a:lnTo>
+                  <a:cubicBezTo>
+                    <a:pt x="10711" y="11357"/>
+                    <a:pt x="11373" y="10695"/>
+                    <a:pt x="11373" y="9876"/>
+                  </a:cubicBezTo>
+                  <a:lnTo>
+                    <a:pt x="11373" y="1496"/>
+                  </a:lnTo>
+                  <a:cubicBezTo>
+                    <a:pt x="11373" y="662"/>
+                    <a:pt x="10711" y="0"/>
+                    <a:pt x="9876" y="0"/>
+                  </a:cubicBezTo>
+                  <a:close/>
+                </a:path>
+              </a:pathLst>
+            </a:custGeom>
+            <a:solidFill>
+              <a:schemeClr val="dk1"/>
+            </a:solidFill>
+            <a:ln>
+              <a:noFill/>
+            </a:ln>
+          </p:spPr>
+          <p:txBody>
+            <a:bodyPr spcFirstLastPara="1" wrap="square" lIns="91425" tIns="91425" rIns="91425" bIns="91425" anchor="ctr" anchorCtr="0">
+              <a:noAutofit/>
+            </a:bodyPr>
+            <a:lstStyle/>
+            <a:p>
+              <a:pPr marL="0" lvl="0" indent="0" algn="l" rtl="0">
+                <a:spcBef>
+                  <a:spcPts val="0"/>
+                </a:spcBef>
+                <a:spcAft>
+                  <a:spcPts val="0"/>
+                </a:spcAft>
+                <a:buNone/>
+              </a:pPr>
+              <a:endParaRPr/>
+            </a:p>
+          </p:txBody>
+        </p:sp>
+        <p:sp>
+          <p:nvSpPr>
+            <p:cNvPr id="911" name="Google Shape;911;p49"/>
+            <p:cNvSpPr/>
+            <p:nvPr/>
+          </p:nvSpPr>
+          <p:spPr>
+            <a:xfrm>
+              <a:off x="5187275" y="4088075"/>
+              <a:ext cx="284325" cy="284325"/>
+            </a:xfrm>
+            <a:custGeom>
+              <a:avLst/>
+              <a:gdLst/>
+              <a:ahLst/>
+              <a:cxnLst/>
+              <a:rect l="l" t="t" r="r" b="b"/>
+              <a:pathLst>
+                <a:path w="11373" h="11373" extrusionOk="0">
+                  <a:moveTo>
+                    <a:pt x="9404" y="1985"/>
+                  </a:moveTo>
+                  <a:lnTo>
+                    <a:pt x="9404" y="9404"/>
+                  </a:lnTo>
+                  <a:lnTo>
+                    <a:pt x="1969" y="9404"/>
+                  </a:lnTo>
+                  <a:lnTo>
+                    <a:pt x="1969" y="1985"/>
+                  </a:lnTo>
+                  <a:close/>
+                  <a:moveTo>
+                    <a:pt x="9877" y="0"/>
+                  </a:moveTo>
+                  <a:lnTo>
+                    <a:pt x="1497" y="16"/>
+                  </a:lnTo>
+                  <a:cubicBezTo>
+                    <a:pt x="1487" y="16"/>
+                    <a:pt x="1478" y="16"/>
+                    <a:pt x="1469" y="16"/>
+                  </a:cubicBezTo>
+                  <a:cubicBezTo>
+                    <a:pt x="662" y="16"/>
+                    <a:pt x="0" y="687"/>
+                    <a:pt x="0" y="1512"/>
+                  </a:cubicBezTo>
+                  <a:lnTo>
+                    <a:pt x="0" y="9877"/>
+                  </a:lnTo>
+                  <a:cubicBezTo>
+                    <a:pt x="0" y="10711"/>
+                    <a:pt x="678" y="11373"/>
+                    <a:pt x="1497" y="11373"/>
+                  </a:cubicBezTo>
+                  <a:lnTo>
+                    <a:pt x="9877" y="11373"/>
+                  </a:lnTo>
+                  <a:cubicBezTo>
+                    <a:pt x="10711" y="11373"/>
+                    <a:pt x="11373" y="10711"/>
+                    <a:pt x="11373" y="9877"/>
+                  </a:cubicBezTo>
+                  <a:lnTo>
+                    <a:pt x="11373" y="1497"/>
+                  </a:lnTo>
+                  <a:cubicBezTo>
+                    <a:pt x="11373" y="678"/>
+                    <a:pt x="10711" y="0"/>
+                    <a:pt x="9877" y="0"/>
+                  </a:cubicBezTo>
+                  <a:close/>
+                </a:path>
+              </a:pathLst>
+            </a:custGeom>
+            <a:solidFill>
+              <a:schemeClr val="dk1"/>
+            </a:solidFill>
+            <a:ln>
+              <a:noFill/>
+            </a:ln>
+          </p:spPr>
+          <p:txBody>
+            <a:bodyPr spcFirstLastPara="1" wrap="square" lIns="91425" tIns="91425" rIns="91425" bIns="91425" anchor="ctr" anchorCtr="0">
+              <a:noAutofit/>
+            </a:bodyPr>
+            <a:lstStyle/>
+            <a:p>
+              <a:pPr marL="0" lvl="0" indent="0" algn="l" rtl="0">
+                <a:spcBef>
+                  <a:spcPts val="0"/>
+                </a:spcBef>
+                <a:spcAft>
+                  <a:spcPts val="0"/>
+                </a:spcAft>
+                <a:buNone/>
+              </a:pPr>
+              <a:endParaRPr/>
+            </a:p>
+          </p:txBody>
+        </p:sp>
+      </p:grpSp>
+      <p:grpSp>
+        <p:nvGrpSpPr>
+          <p:cNvPr id="912" name="Google Shape;912;p49"/>
+          <p:cNvGrpSpPr/>
+          <p:nvPr/>
+        </p:nvGrpSpPr>
+        <p:grpSpPr>
+          <a:xfrm rot="-3210428" flipH="1">
+            <a:off x="2833509" y="4000554"/>
+            <a:ext cx="925789" cy="598552"/>
+            <a:chOff x="3586125" y="4525175"/>
+            <a:chExt cx="925825" cy="598575"/>
+          </a:xfrm>
+        </p:grpSpPr>
+        <p:sp>
+          <p:nvSpPr>
+            <p:cNvPr id="913" name="Google Shape;913;p49"/>
+            <p:cNvSpPr/>
+            <p:nvPr/>
+          </p:nvSpPr>
+          <p:spPr>
+            <a:xfrm>
+              <a:off x="3905875" y="4525175"/>
+              <a:ext cx="284350" cy="284350"/>
+            </a:xfrm>
+            <a:custGeom>
+              <a:avLst/>
+              <a:gdLst/>
+              <a:ahLst/>
+              <a:cxnLst/>
+              <a:rect l="l" t="t" r="r" b="b"/>
+              <a:pathLst>
+                <a:path w="11374" h="11374" extrusionOk="0">
+                  <a:moveTo>
+                    <a:pt x="9404" y="1969"/>
+                  </a:moveTo>
+                  <a:lnTo>
+                    <a:pt x="9404" y="9404"/>
+                  </a:lnTo>
+                  <a:lnTo>
+                    <a:pt x="1969" y="9404"/>
+                  </a:lnTo>
+                  <a:lnTo>
+                    <a:pt x="1969" y="1969"/>
+                  </a:lnTo>
+                  <a:close/>
+                  <a:moveTo>
+                    <a:pt x="1497" y="1"/>
+                  </a:moveTo>
+                  <a:cubicBezTo>
+                    <a:pt x="678" y="1"/>
+                    <a:pt x="1" y="678"/>
+                    <a:pt x="1" y="1497"/>
+                  </a:cubicBezTo>
+                  <a:lnTo>
+                    <a:pt x="1" y="9877"/>
+                  </a:lnTo>
+                  <a:cubicBezTo>
+                    <a:pt x="1" y="10696"/>
+                    <a:pt x="678" y="11373"/>
+                    <a:pt x="1497" y="11373"/>
+                  </a:cubicBezTo>
+                  <a:lnTo>
+                    <a:pt x="9877" y="11373"/>
+                  </a:lnTo>
+                  <a:cubicBezTo>
+                    <a:pt x="10696" y="11373"/>
+                    <a:pt x="11373" y="10712"/>
+                    <a:pt x="11373" y="9877"/>
+                  </a:cubicBezTo>
+                  <a:lnTo>
+                    <a:pt x="11373" y="1497"/>
+                  </a:lnTo>
+                  <a:cubicBezTo>
+                    <a:pt x="11373" y="678"/>
+                    <a:pt x="10712" y="1"/>
+                    <a:pt x="9877" y="1"/>
+                  </a:cubicBezTo>
+                  <a:close/>
+                </a:path>
+              </a:pathLst>
+            </a:custGeom>
+            <a:solidFill>
+              <a:schemeClr val="dk1"/>
+            </a:solidFill>
+            <a:ln>
+              <a:noFill/>
+            </a:ln>
+          </p:spPr>
+          <p:txBody>
+            <a:bodyPr spcFirstLastPara="1" wrap="square" lIns="91425" tIns="91425" rIns="91425" bIns="91425" anchor="ctr" anchorCtr="0">
+              <a:noAutofit/>
+            </a:bodyPr>
+            <a:lstStyle/>
+            <a:p>
+              <a:pPr marL="0" lvl="0" indent="0" algn="l" rtl="0">
+                <a:spcBef>
+                  <a:spcPts val="0"/>
+                </a:spcBef>
+                <a:spcAft>
+                  <a:spcPts val="0"/>
+                </a:spcAft>
+                <a:buNone/>
+              </a:pPr>
+              <a:endParaRPr/>
+            </a:p>
+          </p:txBody>
+        </p:sp>
+        <p:sp>
+          <p:nvSpPr>
+            <p:cNvPr id="914" name="Google Shape;914;p49"/>
+            <p:cNvSpPr/>
+            <p:nvPr/>
+          </p:nvSpPr>
+          <p:spPr>
+            <a:xfrm>
+              <a:off x="3905875" y="4839425"/>
+              <a:ext cx="284350" cy="284325"/>
+            </a:xfrm>
+            <a:custGeom>
+              <a:avLst/>
+              <a:gdLst/>
+              <a:ahLst/>
+              <a:cxnLst/>
+              <a:rect l="l" t="t" r="r" b="b"/>
+              <a:pathLst>
+                <a:path w="11374" h="11373" extrusionOk="0">
+                  <a:moveTo>
+                    <a:pt x="9404" y="1969"/>
+                  </a:moveTo>
+                  <a:lnTo>
+                    <a:pt x="9404" y="9404"/>
+                  </a:lnTo>
+                  <a:lnTo>
+                    <a:pt x="1969" y="9404"/>
+                  </a:lnTo>
+                  <a:lnTo>
+                    <a:pt x="1969" y="1969"/>
+                  </a:lnTo>
+                  <a:close/>
+                  <a:moveTo>
+                    <a:pt x="1497" y="0"/>
+                  </a:moveTo>
+                  <a:cubicBezTo>
+                    <a:pt x="678" y="0"/>
+                    <a:pt x="1" y="678"/>
+                    <a:pt x="1" y="1497"/>
+                  </a:cubicBezTo>
+                  <a:lnTo>
+                    <a:pt x="1" y="9877"/>
+                  </a:lnTo>
+                  <a:cubicBezTo>
+                    <a:pt x="1" y="10696"/>
+                    <a:pt x="678" y="11373"/>
+                    <a:pt x="1497" y="11373"/>
+                  </a:cubicBezTo>
+                  <a:lnTo>
+                    <a:pt x="9877" y="11373"/>
+                  </a:lnTo>
+                  <a:cubicBezTo>
+                    <a:pt x="10696" y="11373"/>
+                    <a:pt x="11373" y="10696"/>
+                    <a:pt x="11373" y="9877"/>
+                  </a:cubicBezTo>
+                  <a:lnTo>
+                    <a:pt x="11373" y="1497"/>
+                  </a:lnTo>
+                  <a:cubicBezTo>
+                    <a:pt x="11373" y="678"/>
+                    <a:pt x="10712" y="0"/>
+                    <a:pt x="9877" y="0"/>
+                  </a:cubicBezTo>
+                  <a:close/>
+                </a:path>
+              </a:pathLst>
+            </a:custGeom>
+            <a:solidFill>
+              <a:schemeClr val="dk1"/>
+            </a:solidFill>
+            <a:ln>
+              <a:noFill/>
+            </a:ln>
+          </p:spPr>
+          <p:txBody>
+            <a:bodyPr spcFirstLastPara="1" wrap="square" lIns="91425" tIns="91425" rIns="91425" bIns="91425" anchor="ctr" anchorCtr="0">
+              <a:noAutofit/>
+            </a:bodyPr>
+            <a:lstStyle/>
+            <a:p>
+              <a:pPr marL="0" lvl="0" indent="0" algn="l" rtl="0">
+                <a:spcBef>
+                  <a:spcPts val="0"/>
+                </a:spcBef>
+                <a:spcAft>
+                  <a:spcPts val="0"/>
+                </a:spcAft>
+                <a:buNone/>
+              </a:pPr>
+              <a:endParaRPr/>
+            </a:p>
+          </p:txBody>
+        </p:sp>
+        <p:sp>
+          <p:nvSpPr>
+            <p:cNvPr id="915" name="Google Shape;915;p49"/>
+            <p:cNvSpPr/>
+            <p:nvPr/>
+          </p:nvSpPr>
+          <p:spPr>
+            <a:xfrm>
+              <a:off x="4227600" y="4839425"/>
+              <a:ext cx="284350" cy="284325"/>
+            </a:xfrm>
+            <a:custGeom>
+              <a:avLst/>
+              <a:gdLst/>
+              <a:ahLst/>
+              <a:cxnLst/>
+              <a:rect l="l" t="t" r="r" b="b"/>
+              <a:pathLst>
+                <a:path w="11374" h="11373" extrusionOk="0">
+                  <a:moveTo>
+                    <a:pt x="9404" y="1969"/>
+                  </a:moveTo>
+                  <a:lnTo>
+                    <a:pt x="9404" y="9404"/>
+                  </a:lnTo>
+                  <a:lnTo>
+                    <a:pt x="1970" y="9404"/>
+                  </a:lnTo>
+                  <a:lnTo>
+                    <a:pt x="1970" y="1969"/>
+                  </a:lnTo>
+                  <a:close/>
+                  <a:moveTo>
+                    <a:pt x="1497" y="0"/>
+                  </a:moveTo>
+                  <a:cubicBezTo>
+                    <a:pt x="662" y="0"/>
+                    <a:pt x="1" y="678"/>
+                    <a:pt x="1" y="1497"/>
+                  </a:cubicBezTo>
+                  <a:lnTo>
+                    <a:pt x="1" y="9877"/>
+                  </a:lnTo>
+                  <a:cubicBezTo>
+                    <a:pt x="1" y="10696"/>
+                    <a:pt x="662" y="11373"/>
+                    <a:pt x="1497" y="11373"/>
+                  </a:cubicBezTo>
+                  <a:lnTo>
+                    <a:pt x="9877" y="11373"/>
+                  </a:lnTo>
+                  <a:cubicBezTo>
+                    <a:pt x="10696" y="11373"/>
+                    <a:pt x="11358" y="10696"/>
+                    <a:pt x="11373" y="9877"/>
+                  </a:cubicBezTo>
+                  <a:lnTo>
+                    <a:pt x="11373" y="1497"/>
+                  </a:lnTo>
+                  <a:cubicBezTo>
+                    <a:pt x="11373" y="678"/>
+                    <a:pt x="10696" y="0"/>
+                    <a:pt x="9877" y="0"/>
+                  </a:cubicBezTo>
+                  <a:close/>
+                </a:path>
+              </a:pathLst>
+            </a:custGeom>
+            <a:solidFill>
+              <a:schemeClr val="dk1"/>
+            </a:solidFill>
+            <a:ln>
+              <a:noFill/>
+            </a:ln>
+          </p:spPr>
+          <p:txBody>
+            <a:bodyPr spcFirstLastPara="1" wrap="square" lIns="91425" tIns="91425" rIns="91425" bIns="91425" anchor="ctr" anchorCtr="0">
+              <a:noAutofit/>
+            </a:bodyPr>
+            <a:lstStyle/>
+            <a:p>
+              <a:pPr marL="0" lvl="0" indent="0" algn="l" rtl="0">
+                <a:spcBef>
+                  <a:spcPts val="0"/>
+                </a:spcBef>
+                <a:spcAft>
+                  <a:spcPts val="0"/>
+                </a:spcAft>
+                <a:buNone/>
+              </a:pPr>
+              <a:endParaRPr/>
+            </a:p>
+          </p:txBody>
+        </p:sp>
+        <p:sp>
+          <p:nvSpPr>
+            <p:cNvPr id="916" name="Google Shape;916;p49"/>
+            <p:cNvSpPr/>
+            <p:nvPr/>
+          </p:nvSpPr>
+          <p:spPr>
+            <a:xfrm>
+              <a:off x="3586125" y="4525175"/>
+              <a:ext cx="284325" cy="284350"/>
+            </a:xfrm>
+            <a:custGeom>
+              <a:avLst/>
+              <a:gdLst/>
+              <a:ahLst/>
+              <a:cxnLst/>
+              <a:rect l="l" t="t" r="r" b="b"/>
+              <a:pathLst>
+                <a:path w="11373" h="11374" extrusionOk="0">
+                  <a:moveTo>
+                    <a:pt x="9420" y="1969"/>
+                  </a:moveTo>
+                  <a:lnTo>
+                    <a:pt x="9420" y="9404"/>
+                  </a:lnTo>
+                  <a:lnTo>
+                    <a:pt x="1985" y="9404"/>
+                  </a:lnTo>
+                  <a:lnTo>
+                    <a:pt x="1985" y="1969"/>
+                  </a:lnTo>
+                  <a:close/>
+                  <a:moveTo>
+                    <a:pt x="1512" y="1"/>
+                  </a:moveTo>
+                  <a:cubicBezTo>
+                    <a:pt x="678" y="1"/>
+                    <a:pt x="16" y="678"/>
+                    <a:pt x="16" y="1497"/>
+                  </a:cubicBezTo>
+                  <a:lnTo>
+                    <a:pt x="16" y="9877"/>
+                  </a:lnTo>
+                  <a:cubicBezTo>
+                    <a:pt x="0" y="10696"/>
+                    <a:pt x="678" y="11373"/>
+                    <a:pt x="1497" y="11373"/>
+                  </a:cubicBezTo>
+                  <a:lnTo>
+                    <a:pt x="9876" y="11373"/>
+                  </a:lnTo>
+                  <a:cubicBezTo>
+                    <a:pt x="10711" y="11373"/>
+                    <a:pt x="11373" y="10712"/>
+                    <a:pt x="11373" y="9877"/>
+                  </a:cubicBezTo>
+                  <a:lnTo>
+                    <a:pt x="11373" y="1497"/>
+                  </a:lnTo>
+                  <a:cubicBezTo>
+                    <a:pt x="11373" y="678"/>
+                    <a:pt x="10711" y="1"/>
+                    <a:pt x="9876" y="1"/>
+                  </a:cubicBezTo>
+                  <a:close/>
+                </a:path>
+              </a:pathLst>
+            </a:custGeom>
+            <a:solidFill>
+              <a:schemeClr val="dk1"/>
+            </a:solidFill>
+            <a:ln>
+              <a:noFill/>
+            </a:ln>
+          </p:spPr>
+          <p:txBody>
+            <a:bodyPr spcFirstLastPara="1" wrap="square" lIns="91425" tIns="91425" rIns="91425" bIns="91425" anchor="ctr" anchorCtr="0">
+              <a:noAutofit/>
+            </a:bodyPr>
+            <a:lstStyle/>
+            <a:p>
+              <a:pPr marL="0" lvl="0" indent="0" algn="l" rtl="0">
+                <a:spcBef>
+                  <a:spcPts val="0"/>
+                </a:spcBef>
+                <a:spcAft>
+                  <a:spcPts val="0"/>
+                </a:spcAft>
+                <a:buNone/>
+              </a:pPr>
+              <a:endParaRPr/>
+            </a:p>
+          </p:txBody>
+        </p:sp>
+      </p:grpSp>
+    </p:spTree>
+  </p:cSld>
+  <p:clrMapOvr>
+    <a:masterClrMapping/>
+  </p:clrMapOvr>
+  <mc:AlternateContent xmlns:mc="http://schemas.openxmlformats.org/markup-compatibility/2006" xmlns:p14="http://schemas.microsoft.com/office/powerpoint/2010/main">
+    <mc:Choice Requires="p14">
+      <p:transition spd="slow" p14:dur="1500">
+        <p:random/>
+      </p:transition>
+    </mc:Choice>
+    <mc:Fallback xmlns="">
+      <p:transition spd="slow">
+        <p:random/>
+      </p:transition>
+    </mc:Fallback>
+  </mc:AlternateContent>
+</p:sld>
+</file>
+
 <file path=ppt/slides/slide2.xml><?xml version="1.0" encoding="utf-8"?>
+<p:sld xmlns:a="http://schemas.openxmlformats.org/drawingml/2006/main" xmlns:r="http://schemas.openxmlformats.org/officeDocument/2006/relationships" xmlns:p="http://schemas.openxmlformats.org/presentationml/2006/main">
+  <p:cSld>
+    <p:spTree>
+      <p:nvGrpSpPr>
+        <p:cNvPr id="1" name="Shape 329"/>
+        <p:cNvGrpSpPr/>
+        <p:nvPr/>
+      </p:nvGrpSpPr>
+      <p:grpSpPr>
+        <a:xfrm>
+          <a:off x="0" y="0"/>
+          <a:ext cx="0" cy="0"/>
+          <a:chOff x="0" y="0"/>
+          <a:chExt cx="0" cy="0"/>
+        </a:xfrm>
+      </p:grpSpPr>
+      <p:sp>
+        <p:nvSpPr>
+          <p:cNvPr id="330" name="Google Shape;330;p29"/>
+          <p:cNvSpPr txBox="1">
+            <a:spLocks noGrp="1"/>
+          </p:cNvSpPr>
+          <p:nvPr>
+            <p:ph type="title"/>
+          </p:nvPr>
+        </p:nvSpPr>
+        <p:spPr>
+          <a:xfrm>
+            <a:off x="713250" y="584796"/>
+            <a:ext cx="7717500" cy="572700"/>
+          </a:xfrm>
+          <a:prstGeom prst="rect">
+            <a:avLst/>
+          </a:prstGeom>
+        </p:spPr>
+        <p:txBody>
+          <a:bodyPr spcFirstLastPara="1" wrap="square" lIns="91425" tIns="91425" rIns="91425" bIns="91425" anchor="t" anchorCtr="0">
+            <a:noAutofit/>
+          </a:bodyPr>
+          <a:lstStyle/>
+          <a:p>
+            <a:pPr marL="0" lvl="0" indent="0" algn="ctr" rtl="0">
+              <a:spcBef>
+                <a:spcPts val="0"/>
+              </a:spcBef>
+              <a:spcAft>
+                <a:spcPts val="0"/>
+              </a:spcAft>
+              <a:buNone/>
+            </a:pPr>
+            <a:r>
+              <a:rPr lang="en" dirty="0"/>
+              <a:t>TABLE OF ASSIGNMENTS</a:t>
+            </a:r>
+            <a:endParaRPr dirty="0"/>
+          </a:p>
+        </p:txBody>
+      </p:sp>
+      <p:sp>
+        <p:nvSpPr>
+          <p:cNvPr id="331" name="Google Shape;331;p29"/>
+          <p:cNvSpPr txBox="1">
+            <a:spLocks noGrp="1"/>
+          </p:cNvSpPr>
+          <p:nvPr>
+            <p:ph type="body" idx="1"/>
+          </p:nvPr>
+        </p:nvSpPr>
+        <p:spPr>
+          <a:xfrm>
+            <a:off x="913251" y="1246948"/>
+            <a:ext cx="7717500" cy="3525075"/>
+          </a:xfrm>
+          <a:prstGeom prst="rect">
+            <a:avLst/>
+          </a:prstGeom>
+        </p:spPr>
+        <p:txBody>
+          <a:bodyPr spcFirstLastPara="1" wrap="square" lIns="91425" tIns="91425" rIns="91425" bIns="91425" anchor="t" anchorCtr="0">
+            <a:noAutofit/>
+          </a:bodyPr>
+          <a:lstStyle/>
+          <a:p>
+            <a:pPr marL="0" lvl="0" indent="0" algn="l" rtl="0">
+              <a:spcBef>
+                <a:spcPts val="0"/>
+              </a:spcBef>
+              <a:spcAft>
+                <a:spcPts val="0"/>
+              </a:spcAft>
+              <a:buSzPct val="100000"/>
+              <a:buNone/>
+            </a:pPr>
+            <a:endParaRPr lang="en-US" sz="1400" dirty="0"/>
+          </a:p>
+          <a:p>
+            <a:pPr lvl="0" indent="-457200" algn="l" rtl="0">
+              <a:spcBef>
+                <a:spcPts val="0"/>
+              </a:spcBef>
+              <a:spcAft>
+                <a:spcPts val="0"/>
+              </a:spcAft>
+              <a:buSzPct val="100000"/>
+              <a:buFont typeface="+mj-lt"/>
+              <a:buAutoNum type="arabicPeriod"/>
+            </a:pPr>
+            <a:endParaRPr lang="en-US" sz="2400" dirty="0"/>
+          </a:p>
+          <a:p>
+            <a:pPr marL="0" lvl="0" indent="0" algn="l" rtl="0">
+              <a:spcBef>
+                <a:spcPts val="0"/>
+              </a:spcBef>
+              <a:spcAft>
+                <a:spcPts val="0"/>
+              </a:spcAft>
+              <a:buSzPct val="100000"/>
+              <a:buNone/>
+            </a:pPr>
+            <a:endParaRPr lang="en-US" sz="1400" dirty="0"/>
+          </a:p>
+          <a:p>
+            <a:pPr lvl="0" indent="-457200" algn="l" rtl="0">
+              <a:spcBef>
+                <a:spcPts val="0"/>
+              </a:spcBef>
+              <a:spcAft>
+                <a:spcPts val="0"/>
+              </a:spcAft>
+              <a:buSzPct val="100000"/>
+              <a:buFont typeface="+mj-lt"/>
+              <a:buAutoNum type="arabicPeriod"/>
+            </a:pPr>
+            <a:endParaRPr lang="en-US" sz="2400" dirty="0"/>
+          </a:p>
+          <a:p>
+            <a:pPr lvl="0" indent="-457200" algn="l" rtl="0">
+              <a:spcBef>
+                <a:spcPts val="0"/>
+              </a:spcBef>
+              <a:spcAft>
+                <a:spcPts val="0"/>
+              </a:spcAft>
+              <a:buSzPct val="100000"/>
+              <a:buFont typeface="+mj-lt"/>
+              <a:buAutoNum type="arabicPeriod"/>
+            </a:pPr>
+            <a:endParaRPr lang="en-US" sz="2400" dirty="0"/>
+          </a:p>
+          <a:p>
+            <a:pPr lvl="0" indent="-457200" algn="l" rtl="0">
+              <a:spcBef>
+                <a:spcPts val="0"/>
+              </a:spcBef>
+              <a:spcAft>
+                <a:spcPts val="0"/>
+              </a:spcAft>
+              <a:buSzPct val="100000"/>
+              <a:buFont typeface="+mj-lt"/>
+              <a:buAutoNum type="arabicPeriod"/>
+            </a:pPr>
+            <a:endParaRPr lang="en-US" sz="2400" dirty="0"/>
+          </a:p>
+          <a:p>
+            <a:pPr lvl="0" indent="-457200" algn="l" rtl="0">
+              <a:spcBef>
+                <a:spcPts val="0"/>
+              </a:spcBef>
+              <a:spcAft>
+                <a:spcPts val="0"/>
+              </a:spcAft>
+              <a:buSzPct val="100000"/>
+              <a:buFont typeface="+mj-lt"/>
+              <a:buAutoNum type="arabicPeriod"/>
+            </a:pPr>
+            <a:endParaRPr lang="en-US" sz="2400" dirty="0"/>
+          </a:p>
+          <a:p>
+            <a:pPr lvl="0" indent="-457200" algn="l" rtl="0">
+              <a:spcBef>
+                <a:spcPts val="0"/>
+              </a:spcBef>
+              <a:spcAft>
+                <a:spcPts val="0"/>
+              </a:spcAft>
+              <a:buSzPct val="100000"/>
+              <a:buFont typeface="+mj-lt"/>
+              <a:buAutoNum type="arabicPeriod"/>
+            </a:pPr>
+            <a:endParaRPr lang="en-US" sz="2400" dirty="0"/>
+          </a:p>
+          <a:p>
+            <a:pPr lvl="0" indent="-457200" algn="l" rtl="0">
+              <a:spcBef>
+                <a:spcPts val="0"/>
+              </a:spcBef>
+              <a:spcAft>
+                <a:spcPts val="0"/>
+              </a:spcAft>
+              <a:buSzPct val="100000"/>
+              <a:buFont typeface="+mj-lt"/>
+              <a:buAutoNum type="arabicPeriod"/>
+            </a:pPr>
+            <a:endParaRPr lang="en-US" sz="2400" dirty="0"/>
+          </a:p>
+        </p:txBody>
+      </p:sp>
+      <p:graphicFrame>
+        <p:nvGraphicFramePr>
+          <p:cNvPr id="2" name="Table 2">
+            <a:extLst>
+              <a:ext uri="{FF2B5EF4-FFF2-40B4-BE49-F238E27FC236}">
+                <a16:creationId xmlns:a16="http://schemas.microsoft.com/office/drawing/2014/main" id="{9A07C244-F0C8-43DF-AB3B-4E287D13563C}"/>
+              </a:ext>
+            </a:extLst>
+          </p:cNvPr>
+          <p:cNvGraphicFramePr>
+            <a:graphicFrameLocks noGrp="1"/>
+          </p:cNvGraphicFramePr>
+          <p:nvPr>
+            <p:extLst>
+              <p:ext uri="{D42A27DB-BD31-4B8C-83A1-F6EECF244321}">
+                <p14:modId xmlns:p14="http://schemas.microsoft.com/office/powerpoint/2010/main" val="1338825159"/>
+              </p:ext>
+            </p:extLst>
+          </p:nvPr>
+        </p:nvGraphicFramePr>
+        <p:xfrm>
+          <a:off x="1018624" y="1262657"/>
+          <a:ext cx="7106752" cy="3206595"/>
+        </p:xfrm>
+        <a:graphic>
+          <a:graphicData uri="http://schemas.openxmlformats.org/drawingml/2006/table">
+            <a:tbl>
+              <a:tblPr firstRow="1" bandRow="1">
+                <a:tableStyleId>{62C1E945-9372-47BF-B0E0-FF82923ED00D}</a:tableStyleId>
+              </a:tblPr>
+              <a:tblGrid>
+                <a:gridCol w="3553376">
+                  <a:extLst>
+                    <a:ext uri="{9D8B030D-6E8A-4147-A177-3AD203B41FA5}">
+                      <a16:colId xmlns:a16="http://schemas.microsoft.com/office/drawing/2014/main" val="3684289885"/>
+                    </a:ext>
+                  </a:extLst>
+                </a:gridCol>
+                <a:gridCol w="3553376">
+                  <a:extLst>
+                    <a:ext uri="{9D8B030D-6E8A-4147-A177-3AD203B41FA5}">
+                      <a16:colId xmlns:a16="http://schemas.microsoft.com/office/drawing/2014/main" val="1564037998"/>
+                    </a:ext>
+                  </a:extLst>
+                </a:gridCol>
+              </a:tblGrid>
+              <a:tr h="434278">
+                <a:tc>
+                  <a:txBody>
+                    <a:bodyPr/>
+                    <a:lstStyle/>
+                    <a:p>
+                      <a:pPr marL="0" marR="0" lvl="0" indent="0" algn="ctr" rtl="0">
+                        <a:lnSpc>
+                          <a:spcPct val="150000"/>
+                        </a:lnSpc>
+                        <a:spcBef>
+                          <a:spcPts val="0"/>
+                        </a:spcBef>
+                        <a:spcAft>
+                          <a:spcPts val="0"/>
+                        </a:spcAft>
+                        <a:buClr>
+                          <a:schemeClr val="dk1"/>
+                        </a:buClr>
+                        <a:buSzPct val="100000"/>
+                        <a:buFont typeface="+mj-lt"/>
+                        <a:buNone/>
+                      </a:pPr>
+                      <a:r>
+                        <a:rPr lang="en-US" sz="1200" b="1" i="0" u="none" strike="noStrike" cap="none" dirty="0">
+                          <a:solidFill>
+                            <a:schemeClr val="dk1"/>
+                          </a:solidFill>
+                          <a:latin typeface="Lato"/>
+                          <a:sym typeface="Lato"/>
+                        </a:rPr>
+                        <a:t>Name</a:t>
+                      </a:r>
+                      <a:endParaRPr lang="vi-VN" sz="1200" b="1" i="0" u="none" strike="noStrike" cap="none" dirty="0">
+                        <a:solidFill>
+                          <a:schemeClr val="dk1"/>
+                        </a:solidFill>
+                        <a:sym typeface="Lato"/>
+                      </a:endParaRPr>
+                    </a:p>
+                  </a:txBody>
+                  <a:tcPr/>
+                </a:tc>
+                <a:tc>
+                  <a:txBody>
+                    <a:bodyPr/>
+                    <a:lstStyle/>
+                    <a:p>
+                      <a:pPr marL="0" marR="0" lvl="0" indent="0" algn="ctr" rtl="0">
+                        <a:lnSpc>
+                          <a:spcPct val="150000"/>
+                        </a:lnSpc>
+                        <a:spcBef>
+                          <a:spcPts val="0"/>
+                        </a:spcBef>
+                        <a:spcAft>
+                          <a:spcPts val="0"/>
+                        </a:spcAft>
+                        <a:buClr>
+                          <a:schemeClr val="dk1"/>
+                        </a:buClr>
+                        <a:buSzPct val="100000"/>
+                        <a:buFont typeface="+mj-lt"/>
+                        <a:buNone/>
+                      </a:pPr>
+                      <a:r>
+                        <a:rPr lang="en-US" sz="1200" b="1" i="0" u="none" strike="noStrike" cap="none" dirty="0">
+                          <a:solidFill>
+                            <a:schemeClr val="dk1"/>
+                          </a:solidFill>
+                          <a:latin typeface="Lato"/>
+                          <a:sym typeface="Lato"/>
+                        </a:rPr>
+                        <a:t>Assignment</a:t>
+                      </a:r>
+                      <a:endParaRPr lang="vi-VN" sz="1200" b="1" i="0" u="none" strike="noStrike" cap="none" dirty="0">
+                        <a:solidFill>
+                          <a:schemeClr val="dk1"/>
+                        </a:solidFill>
+                        <a:sym typeface="Lato"/>
+                      </a:endParaRPr>
+                    </a:p>
+                  </a:txBody>
+                  <a:tcPr/>
+                </a:tc>
+                <a:extLst>
+                  <a:ext uri="{0D108BD9-81ED-4DB2-BD59-A6C34878D82A}">
+                    <a16:rowId xmlns:a16="http://schemas.microsoft.com/office/drawing/2014/main" val="562564307"/>
+                  </a:ext>
+                </a:extLst>
+              </a:tr>
+              <a:tr h="1031188">
+                <a:tc>
+                  <a:txBody>
+                    <a:bodyPr/>
+                    <a:lstStyle/>
+                    <a:p>
+                      <a:pPr marL="0" marR="0" lvl="0" indent="0" algn="ctr" rtl="0">
+                        <a:lnSpc>
+                          <a:spcPct val="150000"/>
+                        </a:lnSpc>
+                        <a:spcBef>
+                          <a:spcPts val="0"/>
+                        </a:spcBef>
+                        <a:spcAft>
+                          <a:spcPts val="0"/>
+                        </a:spcAft>
+                        <a:buClr>
+                          <a:schemeClr val="dk1"/>
+                        </a:buClr>
+                        <a:buSzPct val="100000"/>
+                        <a:buFont typeface="+mj-lt"/>
+                        <a:buNone/>
+                      </a:pPr>
+                      <a:r>
+                        <a:rPr lang="vi-VN" sz="1400" b="0" i="0" u="none" strike="noStrike" cap="none" dirty="0">
+                          <a:solidFill>
+                            <a:schemeClr val="dk1"/>
+                          </a:solidFill>
+                          <a:sym typeface="Lato"/>
+                        </a:rPr>
+                        <a:t>Nguyễn Thị Minh Châu</a:t>
+                      </a:r>
+                    </a:p>
+                  </a:txBody>
+                  <a:tcPr/>
+                </a:tc>
+                <a:tc>
+                  <a:txBody>
+                    <a:bodyPr/>
+                    <a:lstStyle/>
+                    <a:p>
+                      <a:pPr marL="0" marR="0" lvl="0" indent="0" algn="l" rtl="0">
+                        <a:lnSpc>
+                          <a:spcPct val="150000"/>
+                        </a:lnSpc>
+                        <a:spcBef>
+                          <a:spcPts val="0"/>
+                        </a:spcBef>
+                        <a:spcAft>
+                          <a:spcPts val="0"/>
+                        </a:spcAft>
+                        <a:buClr>
+                          <a:schemeClr val="dk1"/>
+                        </a:buClr>
+                        <a:buSzPct val="100000"/>
+                        <a:buFont typeface="+mj-lt"/>
+                        <a:buNone/>
+                      </a:pPr>
+                      <a:r>
+                        <a:rPr lang="vi-VN" sz="1400" b="0" i="0" u="none" strike="noStrike" cap="none" dirty="0">
+                          <a:solidFill>
+                            <a:schemeClr val="dk1"/>
+                          </a:solidFill>
+                          <a:sym typeface="Lato"/>
+                        </a:rPr>
+                        <a:t>Network programming &amp; design</a:t>
+                      </a:r>
+                    </a:p>
+                    <a:p>
+                      <a:pPr marL="0" marR="0" lvl="0" indent="0" algn="l" rtl="0">
+                        <a:lnSpc>
+                          <a:spcPct val="150000"/>
+                        </a:lnSpc>
+                        <a:spcBef>
+                          <a:spcPts val="0"/>
+                        </a:spcBef>
+                        <a:spcAft>
+                          <a:spcPts val="0"/>
+                        </a:spcAft>
+                        <a:buClr>
+                          <a:schemeClr val="dk1"/>
+                        </a:buClr>
+                        <a:buSzPct val="100000"/>
+                        <a:buFont typeface="+mj-lt"/>
+                        <a:buNone/>
+                      </a:pPr>
+                      <a:r>
+                        <a:rPr lang="vi-VN" sz="1400" b="0" i="0" u="none" strike="noStrike" cap="none" dirty="0">
+                          <a:solidFill>
+                            <a:schemeClr val="dk1"/>
+                          </a:solidFill>
+                          <a:sym typeface="Lato"/>
+                        </a:rPr>
+                        <a:t>Merging network &amp; GUI</a:t>
+                      </a:r>
+                    </a:p>
+                    <a:p>
+                      <a:pPr marL="0" marR="0" lvl="0" indent="0" algn="l" rtl="0">
+                        <a:lnSpc>
+                          <a:spcPct val="150000"/>
+                        </a:lnSpc>
+                        <a:spcBef>
+                          <a:spcPts val="0"/>
+                        </a:spcBef>
+                        <a:spcAft>
+                          <a:spcPts val="0"/>
+                        </a:spcAft>
+                        <a:buClr>
+                          <a:schemeClr val="dk1"/>
+                        </a:buClr>
+                        <a:buSzPct val="100000"/>
+                        <a:buFont typeface="+mj-lt"/>
+                        <a:buNone/>
+                      </a:pPr>
+                      <a:r>
+                        <a:rPr lang="vi-VN" sz="1400" b="0" i="0" u="none" strike="noStrike" cap="none" dirty="0">
+                          <a:solidFill>
+                            <a:schemeClr val="dk1"/>
+                          </a:solidFill>
+                          <a:sym typeface="Lato"/>
+                        </a:rPr>
+                        <a:t>Report</a:t>
+                      </a:r>
+                    </a:p>
+                  </a:txBody>
+                  <a:tcPr/>
+                </a:tc>
+                <a:extLst>
+                  <a:ext uri="{0D108BD9-81ED-4DB2-BD59-A6C34878D82A}">
+                    <a16:rowId xmlns:a16="http://schemas.microsoft.com/office/drawing/2014/main" val="3558779289"/>
+                  </a:ext>
+                </a:extLst>
+              </a:tr>
+              <a:tr h="709941">
+                <a:tc>
+                  <a:txBody>
+                    <a:bodyPr/>
+                    <a:lstStyle/>
+                    <a:p>
+                      <a:pPr marL="0" marR="0" lvl="0" indent="0" algn="ctr" rtl="0">
+                        <a:lnSpc>
+                          <a:spcPct val="150000"/>
+                        </a:lnSpc>
+                        <a:spcBef>
+                          <a:spcPts val="0"/>
+                        </a:spcBef>
+                        <a:spcAft>
+                          <a:spcPts val="0"/>
+                        </a:spcAft>
+                        <a:buClr>
+                          <a:schemeClr val="dk1"/>
+                        </a:buClr>
+                        <a:buSzPct val="100000"/>
+                        <a:buFont typeface="+mj-lt"/>
+                        <a:buNone/>
+                      </a:pPr>
+                      <a:r>
+                        <a:rPr lang="vi-VN" sz="1400" b="0" i="0" u="none" strike="noStrike" cap="none" dirty="0">
+                          <a:solidFill>
+                            <a:schemeClr val="dk1"/>
+                          </a:solidFill>
+                          <a:sym typeface="Lato"/>
+                        </a:rPr>
+                        <a:t>Trần Thái Dương</a:t>
+                      </a:r>
+                    </a:p>
+                  </a:txBody>
+                  <a:tcPr/>
+                </a:tc>
+                <a:tc>
+                  <a:txBody>
+                    <a:bodyPr/>
+                    <a:lstStyle/>
+                    <a:p>
+                      <a:pPr marL="0" marR="0" lvl="0" indent="0" algn="l" rtl="0">
+                        <a:lnSpc>
+                          <a:spcPct val="150000"/>
+                        </a:lnSpc>
+                        <a:spcBef>
+                          <a:spcPts val="0"/>
+                        </a:spcBef>
+                        <a:spcAft>
+                          <a:spcPts val="0"/>
+                        </a:spcAft>
+                        <a:buClr>
+                          <a:schemeClr val="dk1"/>
+                        </a:buClr>
+                        <a:buSzPct val="100000"/>
+                        <a:buFont typeface="+mj-lt"/>
+                        <a:buNone/>
+                      </a:pPr>
+                      <a:r>
+                        <a:rPr lang="vi-VN" sz="1400" b="0" i="0" u="none" strike="noStrike" cap="none" dirty="0">
+                          <a:solidFill>
+                            <a:schemeClr val="dk1"/>
+                          </a:solidFill>
+                          <a:sym typeface="Lato"/>
+                        </a:rPr>
+                        <a:t>Network programming &amp; design</a:t>
+                      </a:r>
+                    </a:p>
+                    <a:p>
+                      <a:pPr marL="0" marR="0" lvl="0" indent="0" algn="l" rtl="0">
+                        <a:lnSpc>
+                          <a:spcPct val="150000"/>
+                        </a:lnSpc>
+                        <a:spcBef>
+                          <a:spcPts val="0"/>
+                        </a:spcBef>
+                        <a:spcAft>
+                          <a:spcPts val="0"/>
+                        </a:spcAft>
+                        <a:buClr>
+                          <a:schemeClr val="dk1"/>
+                        </a:buClr>
+                        <a:buSzPct val="100000"/>
+                        <a:buFont typeface="+mj-lt"/>
+                        <a:buNone/>
+                      </a:pPr>
+                      <a:r>
+                        <a:rPr lang="vi-VN" sz="1400" b="0" i="0" u="none" strike="noStrike" cap="none" dirty="0">
+                          <a:solidFill>
+                            <a:schemeClr val="dk1"/>
+                          </a:solidFill>
+                          <a:sym typeface="Lato"/>
+                        </a:rPr>
+                        <a:t>Protocol design</a:t>
+                      </a:r>
+                    </a:p>
+                  </a:txBody>
+                  <a:tcPr/>
+                </a:tc>
+                <a:extLst>
+                  <a:ext uri="{0D108BD9-81ED-4DB2-BD59-A6C34878D82A}">
+                    <a16:rowId xmlns:a16="http://schemas.microsoft.com/office/drawing/2014/main" val="479109151"/>
+                  </a:ext>
+                </a:extLst>
+              </a:tr>
+              <a:tr h="1031188">
+                <a:tc>
+                  <a:txBody>
+                    <a:bodyPr/>
+                    <a:lstStyle/>
+                    <a:p>
+                      <a:pPr marL="0" marR="0" lvl="0" indent="0" algn="ctr" rtl="0">
+                        <a:lnSpc>
+                          <a:spcPct val="150000"/>
+                        </a:lnSpc>
+                        <a:spcBef>
+                          <a:spcPts val="0"/>
+                        </a:spcBef>
+                        <a:spcAft>
+                          <a:spcPts val="0"/>
+                        </a:spcAft>
+                        <a:buClr>
+                          <a:schemeClr val="dk1"/>
+                        </a:buClr>
+                        <a:buSzPct val="100000"/>
+                        <a:buFont typeface="+mj-lt"/>
+                        <a:buNone/>
+                      </a:pPr>
+                      <a:r>
+                        <a:rPr lang="vi-VN" sz="1400" b="0" i="0" u="none" strike="noStrike" cap="none" dirty="0">
+                          <a:solidFill>
+                            <a:schemeClr val="dk1"/>
+                          </a:solidFill>
+                          <a:sym typeface="Lato"/>
+                        </a:rPr>
+                        <a:t>Nguyễn Mạnh Phúc</a:t>
+                      </a:r>
+                    </a:p>
+                  </a:txBody>
+                  <a:tcPr/>
+                </a:tc>
+                <a:tc>
+                  <a:txBody>
+                    <a:bodyPr/>
+                    <a:lstStyle/>
+                    <a:p>
+                      <a:pPr marL="0" marR="0" lvl="0" indent="0" algn="l" rtl="0">
+                        <a:lnSpc>
+                          <a:spcPct val="150000"/>
+                        </a:lnSpc>
+                        <a:spcBef>
+                          <a:spcPts val="0"/>
+                        </a:spcBef>
+                        <a:spcAft>
+                          <a:spcPts val="0"/>
+                        </a:spcAft>
+                        <a:buClr>
+                          <a:schemeClr val="dk1"/>
+                        </a:buClr>
+                        <a:buSzPct val="100000"/>
+                        <a:buFont typeface="+mj-lt"/>
+                        <a:buNone/>
+                      </a:pPr>
+                      <a:r>
+                        <a:rPr lang="vi-VN" sz="1400" b="0" i="0" u="none" strike="noStrike" cap="none" dirty="0">
+                          <a:solidFill>
+                            <a:schemeClr val="dk1"/>
+                          </a:solidFill>
+                          <a:sym typeface="Lato"/>
+                        </a:rPr>
+                        <a:t>GUI programming</a:t>
+                      </a:r>
+                    </a:p>
+                    <a:p>
+                      <a:pPr marL="0" marR="0" lvl="0" indent="0" algn="l" rtl="0">
+                        <a:lnSpc>
+                          <a:spcPct val="150000"/>
+                        </a:lnSpc>
+                        <a:spcBef>
+                          <a:spcPts val="0"/>
+                        </a:spcBef>
+                        <a:spcAft>
+                          <a:spcPts val="0"/>
+                        </a:spcAft>
+                        <a:buClr>
+                          <a:schemeClr val="dk1"/>
+                        </a:buClr>
+                        <a:buSzPct val="100000"/>
+                        <a:buFont typeface="+mj-lt"/>
+                        <a:buNone/>
+                      </a:pPr>
+                      <a:r>
+                        <a:rPr lang="vi-VN" sz="1400" b="0" i="0" u="none" strike="noStrike" cap="none" dirty="0">
+                          <a:solidFill>
+                            <a:schemeClr val="dk1"/>
+                          </a:solidFill>
+                          <a:sym typeface="Lato"/>
+                        </a:rPr>
+                        <a:t>Protocol implementation</a:t>
+                      </a:r>
+                    </a:p>
+                    <a:p>
+                      <a:pPr marL="0" marR="0" lvl="0" indent="0" algn="l" rtl="0">
+                        <a:lnSpc>
+                          <a:spcPct val="150000"/>
+                        </a:lnSpc>
+                        <a:spcBef>
+                          <a:spcPts val="0"/>
+                        </a:spcBef>
+                        <a:spcAft>
+                          <a:spcPts val="0"/>
+                        </a:spcAft>
+                        <a:buClr>
+                          <a:schemeClr val="dk1"/>
+                        </a:buClr>
+                        <a:buSzPct val="100000"/>
+                        <a:buFont typeface="+mj-lt"/>
+                        <a:buNone/>
+                      </a:pPr>
+                      <a:r>
+                        <a:rPr lang="vi-VN" sz="1400" b="0" i="0" u="none" strike="noStrike" cap="none" dirty="0">
+                          <a:solidFill>
+                            <a:schemeClr val="dk1"/>
+                          </a:solidFill>
+                          <a:sym typeface="Lato"/>
+                        </a:rPr>
+                        <a:t>Slide &amp; report</a:t>
+                      </a:r>
+                    </a:p>
+                  </a:txBody>
+                  <a:tcPr/>
+                </a:tc>
+                <a:extLst>
+                  <a:ext uri="{0D108BD9-81ED-4DB2-BD59-A6C34878D82A}">
+                    <a16:rowId xmlns:a16="http://schemas.microsoft.com/office/drawing/2014/main" val="2730013609"/>
+                  </a:ext>
+                </a:extLst>
+              </a:tr>
+            </a:tbl>
+          </a:graphicData>
+        </a:graphic>
+      </p:graphicFrame>
+    </p:spTree>
+    <p:extLst>
+      <p:ext uri="{BB962C8B-B14F-4D97-AF65-F5344CB8AC3E}">
+        <p14:creationId xmlns:p14="http://schemas.microsoft.com/office/powerpoint/2010/main" val="3767568850"/>
+      </p:ext>
+    </p:extLst>
+  </p:cSld>
+  <p:clrMapOvr>
+    <a:masterClrMapping/>
+  </p:clrMapOvr>
+  <mc:AlternateContent xmlns:mc="http://schemas.openxmlformats.org/markup-compatibility/2006" xmlns:p14="http://schemas.microsoft.com/office/powerpoint/2010/main">
+    <mc:Choice Requires="p14">
+      <p:transition spd="slow" p14:dur="1500">
+        <p:random/>
+      </p:transition>
+    </mc:Choice>
+    <mc:Fallback xmlns="">
+      <p:transition spd="slow">
+        <p:random/>
+      </p:transition>
+    </mc:Fallback>
+  </mc:AlternateContent>
+</p:sld>
+</file>
+
+<file path=ppt/slides/slide3.xml><?xml version="1.0" encoding="utf-8"?>
 <p:sld xmlns:a="http://schemas.openxmlformats.org/drawingml/2006/main" xmlns:r="http://schemas.openxmlformats.org/officeDocument/2006/relationships" xmlns:p="http://schemas.openxmlformats.org/presentationml/2006/main">
   <p:cSld>
     <p:spTree>
@@ -18690,7 +22718,7 @@
             </a:pPr>
             <a:r>
               <a:rPr lang="en-US" sz="2400" dirty="0"/>
-              <a:t>Core server vs Core client</a:t>
+              <a:t>Core implementation</a:t>
             </a:r>
           </a:p>
           <a:p>
@@ -18859,7 +22887,7 @@
 </p:sld>
 </file>
 
-<file path=ppt/slides/slide3.xml><?xml version="1.0" encoding="utf-8"?>
+<file path=ppt/slides/slide4.xml><?xml version="1.0" encoding="utf-8"?>
 <p:sld xmlns:a="http://schemas.openxmlformats.org/drawingml/2006/main" xmlns:r="http://schemas.openxmlformats.org/officeDocument/2006/relationships" xmlns:p="http://schemas.openxmlformats.org/presentationml/2006/main">
   <p:cSld>
     <p:spTree>
@@ -21417,7 +25445,7 @@
 </p:sld>
 </file>
 
-<file path=ppt/slides/slide4.xml><?xml version="1.0" encoding="utf-8"?>
+<file path=ppt/slides/slide5.xml><?xml version="1.0" encoding="utf-8"?>
 <p:sld xmlns:a="http://schemas.openxmlformats.org/drawingml/2006/main" xmlns:r="http://schemas.openxmlformats.org/officeDocument/2006/relationships" xmlns:p="http://schemas.openxmlformats.org/presentationml/2006/main">
   <p:cSld>
     <p:spTree>
@@ -22489,7 +26517,7 @@
 </p:sld>
 </file>
 
-<file path=ppt/slides/slide5.xml><?xml version="1.0" encoding="utf-8"?>
+<file path=ppt/slides/slide6.xml><?xml version="1.0" encoding="utf-8"?>
 <p:sld xmlns:a="http://schemas.openxmlformats.org/drawingml/2006/main" xmlns:r="http://schemas.openxmlformats.org/officeDocument/2006/relationships" xmlns:p="http://schemas.openxmlformats.org/presentationml/2006/main">
   <p:cSld>
     <p:spTree>
@@ -30197,7 +34225,7 @@
 </p:sld>
 </file>
 
-<file path=ppt/slides/slide6.xml><?xml version="1.0" encoding="utf-8"?>
+<file path=ppt/slides/slide7.xml><?xml version="1.0" encoding="utf-8"?>
 <p:sld xmlns:a="http://schemas.openxmlformats.org/drawingml/2006/main" xmlns:r="http://schemas.openxmlformats.org/officeDocument/2006/relationships" xmlns:p="http://schemas.openxmlformats.org/presentationml/2006/main">
   <p:cSld>
     <p:spTree>
@@ -30429,7 +34457,7 @@
 </p:sld>
 </file>
 
-<file path=ppt/slides/slide7.xml><?xml version="1.0" encoding="utf-8"?>
+<file path=ppt/slides/slide8.xml><?xml version="1.0" encoding="utf-8"?>
 <p:sld xmlns:a="http://schemas.openxmlformats.org/drawingml/2006/main" xmlns:r="http://schemas.openxmlformats.org/officeDocument/2006/relationships" xmlns:p="http://schemas.openxmlformats.org/presentationml/2006/main">
   <p:cSld>
     <p:spTree>
@@ -30657,7 +34685,7 @@
 </p:sld>
 </file>
 
-<file path=ppt/slides/slide8.xml><?xml version="1.0" encoding="utf-8"?>
+<file path=ppt/slides/slide9.xml><?xml version="1.0" encoding="utf-8"?>
 <p:sld xmlns:a="http://schemas.openxmlformats.org/drawingml/2006/main" xmlns:r="http://schemas.openxmlformats.org/officeDocument/2006/relationships" xmlns:p="http://schemas.openxmlformats.org/presentationml/2006/main">
   <p:cSld>
     <p:spTree>
@@ -30748,3178 +34776,6 @@
   <p:clrMapOvr>
     <a:masterClrMapping/>
   </p:clrMapOvr>
-</p:sld>
-</file>
-
-<file path=ppt/slides/slide9.xml><?xml version="1.0" encoding="utf-8"?>
-<p:sld xmlns:a="http://schemas.openxmlformats.org/drawingml/2006/main" xmlns:r="http://schemas.openxmlformats.org/officeDocument/2006/relationships" xmlns:p="http://schemas.openxmlformats.org/presentationml/2006/main">
-  <p:cSld>
-    <p:spTree>
-      <p:nvGrpSpPr>
-        <p:cNvPr id="1" name="Shape 865"/>
-        <p:cNvGrpSpPr/>
-        <p:nvPr/>
-      </p:nvGrpSpPr>
-      <p:grpSpPr>
-        <a:xfrm>
-          <a:off x="0" y="0"/>
-          <a:ext cx="0" cy="0"/>
-          <a:chOff x="0" y="0"/>
-          <a:chExt cx="0" cy="0"/>
-        </a:xfrm>
-      </p:grpSpPr>
-      <p:sp>
-        <p:nvSpPr>
-          <p:cNvPr id="866" name="Google Shape;866;p49"/>
-          <p:cNvSpPr txBox="1">
-            <a:spLocks noGrp="1"/>
-          </p:cNvSpPr>
-          <p:nvPr>
-            <p:ph type="title"/>
-          </p:nvPr>
-        </p:nvSpPr>
-        <p:spPr>
-          <a:prstGeom prst="rect">
-            <a:avLst/>
-          </a:prstGeom>
-        </p:spPr>
-        <p:txBody>
-          <a:bodyPr spcFirstLastPara="1" wrap="square" lIns="91425" tIns="91425" rIns="91425" bIns="91425" anchor="t" anchorCtr="0">
-            <a:noAutofit/>
-          </a:bodyPr>
-          <a:lstStyle/>
-          <a:p>
-            <a:pPr marL="0" lvl="0" indent="0" algn="ctr" rtl="0">
-              <a:spcBef>
-                <a:spcPts val="0"/>
-              </a:spcBef>
-              <a:spcAft>
-                <a:spcPts val="0"/>
-              </a:spcAft>
-              <a:buNone/>
-            </a:pPr>
-            <a:r>
-              <a:rPr lang="en" sz="3500" dirty="0"/>
-              <a:t>THANK YOU FOR YOUR ATTENTION !</a:t>
-            </a:r>
-            <a:endParaRPr sz="3500" dirty="0"/>
-          </a:p>
-        </p:txBody>
-      </p:sp>
-      <p:sp>
-        <p:nvSpPr>
-          <p:cNvPr id="867" name="Google Shape;867;p49"/>
-          <p:cNvSpPr txBox="1">
-            <a:spLocks noGrp="1"/>
-          </p:cNvSpPr>
-          <p:nvPr>
-            <p:ph type="subTitle" idx="1"/>
-          </p:nvPr>
-        </p:nvSpPr>
-        <p:spPr>
-          <a:xfrm>
-            <a:off x="4269825" y="1757816"/>
-            <a:ext cx="3762900" cy="1242900"/>
-          </a:xfrm>
-          <a:prstGeom prst="rect">
-            <a:avLst/>
-          </a:prstGeom>
-        </p:spPr>
-        <p:txBody>
-          <a:bodyPr spcFirstLastPara="1" wrap="square" lIns="91425" tIns="91425" rIns="91425" bIns="91425" anchor="t" anchorCtr="0">
-            <a:noAutofit/>
-          </a:bodyPr>
-          <a:lstStyle/>
-          <a:p>
-            <a:pPr marL="0" lvl="0" indent="0" algn="ctr" rtl="0">
-              <a:spcBef>
-                <a:spcPts val="0"/>
-              </a:spcBef>
-              <a:spcAft>
-                <a:spcPts val="0"/>
-              </a:spcAft>
-              <a:buNone/>
-            </a:pPr>
-            <a:r>
-              <a:rPr lang="en-US" sz="3000" dirty="0"/>
-              <a:t>Any questions ?</a:t>
-            </a:r>
-            <a:endParaRPr sz="3000" dirty="0"/>
-          </a:p>
-        </p:txBody>
-      </p:sp>
-      <p:sp>
-        <p:nvSpPr>
-          <p:cNvPr id="868" name="Google Shape;868;p49"/>
-          <p:cNvSpPr txBox="1"/>
-          <p:nvPr/>
-        </p:nvSpPr>
-        <p:spPr>
-          <a:xfrm>
-            <a:off x="3759175" y="4308200"/>
-            <a:ext cx="4671600" cy="295800"/>
-          </a:xfrm>
-          <a:prstGeom prst="rect">
-            <a:avLst/>
-          </a:prstGeom>
-          <a:noFill/>
-          <a:ln>
-            <a:noFill/>
-          </a:ln>
-        </p:spPr>
-        <p:txBody>
-          <a:bodyPr spcFirstLastPara="1" wrap="square" lIns="91425" tIns="91425" rIns="91425" bIns="91425" anchor="ctr" anchorCtr="0">
-            <a:noAutofit/>
-          </a:bodyPr>
-          <a:lstStyle/>
-          <a:p>
-            <a:pPr marL="0" lvl="0" indent="0" algn="ctr" rtl="0">
-              <a:lnSpc>
-                <a:spcPct val="100000"/>
-              </a:lnSpc>
-              <a:spcBef>
-                <a:spcPts val="0"/>
-              </a:spcBef>
-              <a:spcAft>
-                <a:spcPts val="0"/>
-              </a:spcAft>
-              <a:buNone/>
-            </a:pPr>
-            <a:r>
-              <a:rPr lang="en">
-                <a:solidFill>
-                  <a:schemeClr val="dk1"/>
-                </a:solidFill>
-                <a:latin typeface="Lato"/>
-                <a:ea typeface="Lato"/>
-                <a:cs typeface="Lato"/>
-                <a:sym typeface="Lato"/>
-              </a:rPr>
-              <a:t>Please keep this slide for attribution</a:t>
-            </a:r>
-            <a:endParaRPr>
-              <a:solidFill>
-                <a:schemeClr val="dk1"/>
-              </a:solidFill>
-              <a:latin typeface="Lato"/>
-              <a:ea typeface="Lato"/>
-              <a:cs typeface="Lato"/>
-              <a:sym typeface="Lato"/>
-            </a:endParaRPr>
-          </a:p>
-        </p:txBody>
-      </p:sp>
-      <p:grpSp>
-        <p:nvGrpSpPr>
-          <p:cNvPr id="884" name="Google Shape;884;p49"/>
-          <p:cNvGrpSpPr/>
-          <p:nvPr/>
-        </p:nvGrpSpPr>
-        <p:grpSpPr>
-          <a:xfrm flipH="1">
-            <a:off x="152395" y="2894026"/>
-            <a:ext cx="2077982" cy="2686224"/>
-            <a:chOff x="5523175" y="536475"/>
-            <a:chExt cx="1855175" cy="2398200"/>
-          </a:xfrm>
-        </p:grpSpPr>
-        <p:sp>
-          <p:nvSpPr>
-            <p:cNvPr id="885" name="Google Shape;885;p49"/>
-            <p:cNvSpPr/>
-            <p:nvPr/>
-          </p:nvSpPr>
-          <p:spPr>
-            <a:xfrm>
-              <a:off x="5523175" y="686500"/>
-              <a:ext cx="1855175" cy="2248175"/>
-            </a:xfrm>
-            <a:custGeom>
-              <a:avLst/>
-              <a:gdLst/>
-              <a:ahLst/>
-              <a:cxnLst/>
-              <a:rect l="l" t="t" r="r" b="b"/>
-              <a:pathLst>
-                <a:path w="74207" h="89927" fill="none" extrusionOk="0">
-                  <a:moveTo>
-                    <a:pt x="71749" y="8995"/>
-                  </a:moveTo>
-                  <a:cubicBezTo>
-                    <a:pt x="70048" y="5924"/>
-                    <a:pt x="67244" y="3514"/>
-                    <a:pt x="64062" y="2080"/>
-                  </a:cubicBezTo>
-                  <a:cubicBezTo>
-                    <a:pt x="60802" y="599"/>
-                    <a:pt x="57147" y="174"/>
-                    <a:pt x="53635" y="867"/>
-                  </a:cubicBezTo>
-                  <a:cubicBezTo>
-                    <a:pt x="49965" y="1592"/>
-                    <a:pt x="46546" y="3435"/>
-                    <a:pt x="43821" y="5939"/>
-                  </a:cubicBezTo>
-                  <a:cubicBezTo>
-                    <a:pt x="42498" y="7152"/>
-                    <a:pt x="41333" y="8523"/>
-                    <a:pt x="40340" y="10035"/>
-                  </a:cubicBezTo>
-                  <a:cubicBezTo>
-                    <a:pt x="40183" y="10287"/>
-                    <a:pt x="40592" y="10539"/>
-                    <a:pt x="40766" y="10271"/>
-                  </a:cubicBezTo>
-                  <a:cubicBezTo>
-                    <a:pt x="44766" y="4175"/>
-                    <a:pt x="52233" y="1"/>
-                    <a:pt x="59620" y="1230"/>
-                  </a:cubicBezTo>
-                  <a:cubicBezTo>
-                    <a:pt x="63086" y="1797"/>
-                    <a:pt x="66283" y="3435"/>
-                    <a:pt x="68788" y="5892"/>
-                  </a:cubicBezTo>
-                  <a:cubicBezTo>
-                    <a:pt x="71465" y="8570"/>
-                    <a:pt x="73293" y="12382"/>
-                    <a:pt x="72930" y="16241"/>
-                  </a:cubicBezTo>
-                  <a:cubicBezTo>
-                    <a:pt x="72741" y="18352"/>
-                    <a:pt x="71733" y="20210"/>
-                    <a:pt x="70347" y="21770"/>
-                  </a:cubicBezTo>
-                  <a:cubicBezTo>
-                    <a:pt x="69607" y="22604"/>
-                    <a:pt x="68788" y="23361"/>
-                    <a:pt x="67921" y="24054"/>
-                  </a:cubicBezTo>
-                  <a:cubicBezTo>
-                    <a:pt x="67984" y="23124"/>
-                    <a:pt x="67937" y="22195"/>
-                    <a:pt x="67780" y="21281"/>
-                  </a:cubicBezTo>
-                  <a:cubicBezTo>
-                    <a:pt x="67181" y="17989"/>
-                    <a:pt x="65023" y="14823"/>
-                    <a:pt x="61747" y="13784"/>
-                  </a:cubicBezTo>
-                  <a:cubicBezTo>
-                    <a:pt x="58864" y="12854"/>
-                    <a:pt x="55289" y="13658"/>
-                    <a:pt x="53351" y="16083"/>
-                  </a:cubicBezTo>
-                  <a:cubicBezTo>
-                    <a:pt x="51335" y="18604"/>
-                    <a:pt x="51729" y="22211"/>
-                    <a:pt x="53587" y="24699"/>
-                  </a:cubicBezTo>
-                  <a:cubicBezTo>
-                    <a:pt x="55777" y="27598"/>
-                    <a:pt x="59494" y="28259"/>
-                    <a:pt x="62865" y="27283"/>
-                  </a:cubicBezTo>
-                  <a:cubicBezTo>
-                    <a:pt x="64456" y="26810"/>
-                    <a:pt x="65952" y="26070"/>
-                    <a:pt x="67307" y="25109"/>
-                  </a:cubicBezTo>
-                  <a:cubicBezTo>
-                    <a:pt x="66882" y="27661"/>
-                    <a:pt x="65574" y="30071"/>
-                    <a:pt x="63889" y="32024"/>
-                  </a:cubicBezTo>
-                  <a:cubicBezTo>
-                    <a:pt x="58675" y="38025"/>
-                    <a:pt x="50390" y="39915"/>
-                    <a:pt x="42829" y="40766"/>
-                  </a:cubicBezTo>
-                  <a:cubicBezTo>
-                    <a:pt x="34512" y="41695"/>
-                    <a:pt x="25770" y="41601"/>
-                    <a:pt x="18052" y="45303"/>
-                  </a:cubicBezTo>
-                  <a:cubicBezTo>
-                    <a:pt x="11720" y="48343"/>
-                    <a:pt x="6553" y="53761"/>
-                    <a:pt x="3718" y="60188"/>
-                  </a:cubicBezTo>
-                  <a:cubicBezTo>
-                    <a:pt x="756" y="66835"/>
-                    <a:pt x="0" y="75435"/>
-                    <a:pt x="4568" y="81563"/>
-                  </a:cubicBezTo>
-                  <a:cubicBezTo>
-                    <a:pt x="9436" y="88100"/>
-                    <a:pt x="18004" y="89785"/>
-                    <a:pt x="25676" y="89895"/>
-                  </a:cubicBezTo>
-                  <a:cubicBezTo>
-                    <a:pt x="27897" y="89927"/>
-                    <a:pt x="30117" y="89848"/>
-                    <a:pt x="32338" y="89769"/>
-                  </a:cubicBezTo>
-                  <a:cubicBezTo>
-                    <a:pt x="32653" y="89769"/>
-                    <a:pt x="32653" y="89281"/>
-                    <a:pt x="32338" y="89281"/>
-                  </a:cubicBezTo>
-                  <a:cubicBezTo>
-                    <a:pt x="23848" y="89580"/>
-                    <a:pt x="14271" y="89785"/>
-                    <a:pt x="7404" y="83894"/>
-                  </a:cubicBezTo>
-                  <a:cubicBezTo>
-                    <a:pt x="4316" y="81248"/>
-                    <a:pt x="2473" y="77578"/>
-                    <a:pt x="1969" y="73545"/>
-                  </a:cubicBezTo>
-                  <a:cubicBezTo>
-                    <a:pt x="1481" y="69592"/>
-                    <a:pt x="2158" y="65543"/>
-                    <a:pt x="3545" y="61842"/>
-                  </a:cubicBezTo>
-                  <a:cubicBezTo>
-                    <a:pt x="6207" y="54864"/>
-                    <a:pt x="11389" y="49162"/>
-                    <a:pt x="18052" y="45838"/>
-                  </a:cubicBezTo>
-                  <a:cubicBezTo>
-                    <a:pt x="26054" y="41900"/>
-                    <a:pt x="35205" y="42199"/>
-                    <a:pt x="43853" y="41128"/>
-                  </a:cubicBezTo>
-                  <a:cubicBezTo>
-                    <a:pt x="51524" y="40183"/>
-                    <a:pt x="59888" y="38010"/>
-                    <a:pt x="64866" y="31599"/>
-                  </a:cubicBezTo>
-                  <a:cubicBezTo>
-                    <a:pt x="66409" y="29598"/>
-                    <a:pt x="67528" y="27204"/>
-                    <a:pt x="67858" y="24715"/>
-                  </a:cubicBezTo>
-                  <a:lnTo>
-                    <a:pt x="68016" y="24589"/>
-                  </a:lnTo>
-                  <a:cubicBezTo>
-                    <a:pt x="69528" y="23439"/>
-                    <a:pt x="70930" y="22053"/>
-                    <a:pt x="71954" y="20447"/>
-                  </a:cubicBezTo>
-                  <a:cubicBezTo>
-                    <a:pt x="74206" y="16934"/>
-                    <a:pt x="73702" y="12523"/>
-                    <a:pt x="71749" y="8995"/>
-                  </a:cubicBezTo>
-                  <a:close/>
-                  <a:moveTo>
-                    <a:pt x="65889" y="25440"/>
-                  </a:moveTo>
-                  <a:cubicBezTo>
-                    <a:pt x="62802" y="27235"/>
-                    <a:pt x="58628" y="28165"/>
-                    <a:pt x="55493" y="25912"/>
-                  </a:cubicBezTo>
-                  <a:cubicBezTo>
-                    <a:pt x="52926" y="24054"/>
-                    <a:pt x="51603" y="20242"/>
-                    <a:pt x="53115" y="17312"/>
-                  </a:cubicBezTo>
-                  <a:cubicBezTo>
-                    <a:pt x="54595" y="14492"/>
-                    <a:pt x="58203" y="13374"/>
-                    <a:pt x="61195" y="14114"/>
-                  </a:cubicBezTo>
-                  <a:cubicBezTo>
-                    <a:pt x="64598" y="14965"/>
-                    <a:pt x="66787" y="18210"/>
-                    <a:pt x="67339" y="21533"/>
-                  </a:cubicBezTo>
-                  <a:cubicBezTo>
-                    <a:pt x="67496" y="22494"/>
-                    <a:pt x="67528" y="23471"/>
-                    <a:pt x="67417" y="24447"/>
-                  </a:cubicBezTo>
-                  <a:cubicBezTo>
-                    <a:pt x="66929" y="24794"/>
-                    <a:pt x="66409" y="25140"/>
-                    <a:pt x="65889" y="25440"/>
-                  </a:cubicBezTo>
-                  <a:close/>
-                </a:path>
-              </a:pathLst>
-            </a:custGeom>
-            <a:noFill/>
-            <a:ln w="39375" cap="flat" cmpd="sng">
-              <a:solidFill>
-                <a:schemeClr val="dk1"/>
-              </a:solidFill>
-              <a:prstDash val="solid"/>
-              <a:miter lim="15751"/>
-              <a:headEnd type="none" w="sm" len="sm"/>
-              <a:tailEnd type="none" w="sm" len="sm"/>
-            </a:ln>
-          </p:spPr>
-          <p:txBody>
-            <a:bodyPr spcFirstLastPara="1" wrap="square" lIns="91425" tIns="91425" rIns="91425" bIns="91425" anchor="ctr" anchorCtr="0">
-              <a:noAutofit/>
-            </a:bodyPr>
-            <a:lstStyle/>
-            <a:p>
-              <a:pPr marL="0" lvl="0" indent="0" algn="l" rtl="0">
-                <a:spcBef>
-                  <a:spcPts val="0"/>
-                </a:spcBef>
-                <a:spcAft>
-                  <a:spcPts val="0"/>
-                </a:spcAft>
-                <a:buNone/>
-              </a:pPr>
-              <a:endParaRPr/>
-            </a:p>
-          </p:txBody>
-        </p:sp>
-        <p:sp>
-          <p:nvSpPr>
-            <p:cNvPr id="886" name="Google Shape;886;p49"/>
-            <p:cNvSpPr/>
-            <p:nvPr/>
-          </p:nvSpPr>
-          <p:spPr>
-            <a:xfrm>
-              <a:off x="6472200" y="834425"/>
-              <a:ext cx="166600" cy="174625"/>
-            </a:xfrm>
-            <a:custGeom>
-              <a:avLst/>
-              <a:gdLst/>
-              <a:ahLst/>
-              <a:cxnLst/>
-              <a:rect l="l" t="t" r="r" b="b"/>
-              <a:pathLst>
-                <a:path w="6664" h="6985" extrusionOk="0">
-                  <a:moveTo>
-                    <a:pt x="1386" y="0"/>
-                  </a:moveTo>
-                  <a:cubicBezTo>
-                    <a:pt x="1261" y="0"/>
-                    <a:pt x="1137" y="44"/>
-                    <a:pt x="1040" y="133"/>
-                  </a:cubicBezTo>
-                  <a:lnTo>
-                    <a:pt x="1" y="1093"/>
-                  </a:lnTo>
-                  <a:lnTo>
-                    <a:pt x="5388" y="6984"/>
-                  </a:lnTo>
-                  <a:lnTo>
-                    <a:pt x="6443" y="6024"/>
-                  </a:lnTo>
-                  <a:cubicBezTo>
-                    <a:pt x="6648" y="5835"/>
-                    <a:pt x="6664" y="5504"/>
-                    <a:pt x="6475" y="5283"/>
-                  </a:cubicBezTo>
-                  <a:lnTo>
-                    <a:pt x="1781" y="164"/>
-                  </a:lnTo>
-                  <a:cubicBezTo>
-                    <a:pt x="1672" y="56"/>
-                    <a:pt x="1528" y="0"/>
-                    <a:pt x="1386" y="0"/>
-                  </a:cubicBezTo>
-                  <a:close/>
-                </a:path>
-              </a:pathLst>
-            </a:custGeom>
-            <a:solidFill>
-              <a:schemeClr val="dk1"/>
-            </a:solidFill>
-            <a:ln>
-              <a:noFill/>
-            </a:ln>
-          </p:spPr>
-          <p:txBody>
-            <a:bodyPr spcFirstLastPara="1" wrap="square" lIns="91425" tIns="91425" rIns="91425" bIns="91425" anchor="ctr" anchorCtr="0">
-              <a:noAutofit/>
-            </a:bodyPr>
-            <a:lstStyle/>
-            <a:p>
-              <a:pPr marL="0" lvl="0" indent="0" algn="l" rtl="0">
-                <a:spcBef>
-                  <a:spcPts val="0"/>
-                </a:spcBef>
-                <a:spcAft>
-                  <a:spcPts val="0"/>
-                </a:spcAft>
-                <a:buNone/>
-              </a:pPr>
-              <a:endParaRPr/>
-            </a:p>
-          </p:txBody>
-        </p:sp>
-        <p:sp>
-          <p:nvSpPr>
-            <p:cNvPr id="887" name="Google Shape;887;p49"/>
-            <p:cNvSpPr/>
-            <p:nvPr/>
-          </p:nvSpPr>
-          <p:spPr>
-            <a:xfrm>
-              <a:off x="5781100" y="536475"/>
-              <a:ext cx="1068775" cy="1147125"/>
-            </a:xfrm>
-            <a:custGeom>
-              <a:avLst/>
-              <a:gdLst/>
-              <a:ahLst/>
-              <a:cxnLst/>
-              <a:rect l="l" t="t" r="r" b="b"/>
-              <a:pathLst>
-                <a:path w="42751" h="45885" fill="none" extrusionOk="0">
-                  <a:moveTo>
-                    <a:pt x="39143" y="25565"/>
-                  </a:moveTo>
-                  <a:lnTo>
-                    <a:pt x="21454" y="6285"/>
-                  </a:lnTo>
-                  <a:cubicBezTo>
-                    <a:pt x="15705" y="1"/>
-                    <a:pt x="5325" y="2237"/>
-                    <a:pt x="2663" y="10334"/>
-                  </a:cubicBezTo>
-                  <a:cubicBezTo>
-                    <a:pt x="1" y="18430"/>
-                    <a:pt x="7042" y="26385"/>
-                    <a:pt x="15390" y="24746"/>
-                  </a:cubicBezTo>
-                  <a:lnTo>
-                    <a:pt x="20226" y="30023"/>
-                  </a:lnTo>
-                  <a:cubicBezTo>
-                    <a:pt x="17879" y="38198"/>
-                    <a:pt x="25203" y="45885"/>
-                    <a:pt x="33489" y="43932"/>
-                  </a:cubicBezTo>
-                  <a:cubicBezTo>
-                    <a:pt x="37332" y="43034"/>
-                    <a:pt x="40419" y="40151"/>
-                    <a:pt x="41585" y="36371"/>
-                  </a:cubicBezTo>
-                  <a:cubicBezTo>
-                    <a:pt x="42751" y="32591"/>
-                    <a:pt x="41821" y="28479"/>
-                    <a:pt x="39143" y="25565"/>
-                  </a:cubicBezTo>
-                  <a:close/>
-                </a:path>
-              </a:pathLst>
-            </a:custGeom>
-            <a:noFill/>
-            <a:ln w="49225" cap="flat" cmpd="sng">
-              <a:solidFill>
-                <a:schemeClr val="dk1"/>
-              </a:solidFill>
-              <a:prstDash val="solid"/>
-              <a:miter lim="15751"/>
-              <a:headEnd type="none" w="sm" len="sm"/>
-              <a:tailEnd type="none" w="sm" len="sm"/>
-            </a:ln>
-          </p:spPr>
-          <p:txBody>
-            <a:bodyPr spcFirstLastPara="1" wrap="square" lIns="91425" tIns="91425" rIns="91425" bIns="91425" anchor="ctr" anchorCtr="0">
-              <a:noAutofit/>
-            </a:bodyPr>
-            <a:lstStyle/>
-            <a:p>
-              <a:pPr marL="0" lvl="0" indent="0" algn="l" rtl="0">
-                <a:spcBef>
-                  <a:spcPts val="0"/>
-                </a:spcBef>
-                <a:spcAft>
-                  <a:spcPts val="0"/>
-                </a:spcAft>
-                <a:buNone/>
-              </a:pPr>
-              <a:endParaRPr/>
-            </a:p>
-          </p:txBody>
-        </p:sp>
-        <p:sp>
-          <p:nvSpPr>
-            <p:cNvPr id="888" name="Google Shape;888;p49"/>
-            <p:cNvSpPr/>
-            <p:nvPr/>
-          </p:nvSpPr>
-          <p:spPr>
-            <a:xfrm>
-              <a:off x="6588575" y="1249725"/>
-              <a:ext cx="97100" cy="91000"/>
-            </a:xfrm>
-            <a:custGeom>
-              <a:avLst/>
-              <a:gdLst/>
-              <a:ahLst/>
-              <a:cxnLst/>
-              <a:rect l="l" t="t" r="r" b="b"/>
-              <a:pathLst>
-                <a:path w="3884" h="3640" extrusionOk="0">
-                  <a:moveTo>
-                    <a:pt x="1881" y="0"/>
-                  </a:moveTo>
-                  <a:cubicBezTo>
-                    <a:pt x="975" y="0"/>
-                    <a:pt x="97" y="679"/>
-                    <a:pt x="56" y="1745"/>
-                  </a:cubicBezTo>
-                  <a:cubicBezTo>
-                    <a:pt x="1" y="2864"/>
-                    <a:pt x="917" y="3640"/>
-                    <a:pt x="1882" y="3640"/>
-                  </a:cubicBezTo>
-                  <a:cubicBezTo>
-                    <a:pt x="2302" y="3640"/>
-                    <a:pt x="2732" y="3493"/>
-                    <a:pt x="3096" y="3163"/>
-                  </a:cubicBezTo>
-                  <a:cubicBezTo>
-                    <a:pt x="3836" y="2485"/>
-                    <a:pt x="3883" y="1336"/>
-                    <a:pt x="3206" y="595"/>
-                  </a:cubicBezTo>
-                  <a:cubicBezTo>
-                    <a:pt x="2833" y="185"/>
-                    <a:pt x="2353" y="0"/>
-                    <a:pt x="1881" y="0"/>
-                  </a:cubicBezTo>
-                  <a:close/>
-                </a:path>
-              </a:pathLst>
-            </a:custGeom>
-            <a:solidFill>
-              <a:schemeClr val="dk1"/>
-            </a:solidFill>
-            <a:ln>
-              <a:noFill/>
-            </a:ln>
-          </p:spPr>
-          <p:txBody>
-            <a:bodyPr spcFirstLastPara="1" wrap="square" lIns="91425" tIns="91425" rIns="91425" bIns="91425" anchor="ctr" anchorCtr="0">
-              <a:noAutofit/>
-            </a:bodyPr>
-            <a:lstStyle/>
-            <a:p>
-              <a:pPr marL="0" lvl="0" indent="0" algn="l" rtl="0">
-                <a:spcBef>
-                  <a:spcPts val="0"/>
-                </a:spcBef>
-                <a:spcAft>
-                  <a:spcPts val="0"/>
-                </a:spcAft>
-                <a:buNone/>
-              </a:pPr>
-              <a:endParaRPr/>
-            </a:p>
-          </p:txBody>
-        </p:sp>
-        <p:sp>
-          <p:nvSpPr>
-            <p:cNvPr id="889" name="Google Shape;889;p49"/>
-            <p:cNvSpPr/>
-            <p:nvPr/>
-          </p:nvSpPr>
-          <p:spPr>
-            <a:xfrm>
-              <a:off x="6436850" y="1388850"/>
-              <a:ext cx="96825" cy="91125"/>
-            </a:xfrm>
-            <a:custGeom>
-              <a:avLst/>
-              <a:gdLst/>
-              <a:ahLst/>
-              <a:cxnLst/>
-              <a:rect l="l" t="t" r="r" b="b"/>
-              <a:pathLst>
-                <a:path w="3873" h="3645" extrusionOk="0">
-                  <a:moveTo>
-                    <a:pt x="1865" y="0"/>
-                  </a:moveTo>
-                  <a:cubicBezTo>
-                    <a:pt x="958" y="0"/>
-                    <a:pt x="86" y="678"/>
-                    <a:pt x="44" y="1740"/>
-                  </a:cubicBezTo>
-                  <a:cubicBezTo>
-                    <a:pt x="1" y="2868"/>
-                    <a:pt x="915" y="3645"/>
-                    <a:pt x="1878" y="3645"/>
-                  </a:cubicBezTo>
-                  <a:cubicBezTo>
-                    <a:pt x="2302" y="3645"/>
-                    <a:pt x="2735" y="3495"/>
-                    <a:pt x="3100" y="3158"/>
-                  </a:cubicBezTo>
-                  <a:cubicBezTo>
-                    <a:pt x="3825" y="2481"/>
-                    <a:pt x="3872" y="1331"/>
-                    <a:pt x="3210" y="606"/>
-                  </a:cubicBezTo>
-                  <a:cubicBezTo>
-                    <a:pt x="2830" y="188"/>
-                    <a:pt x="2343" y="0"/>
-                    <a:pt x="1865" y="0"/>
-                  </a:cubicBezTo>
-                  <a:close/>
-                </a:path>
-              </a:pathLst>
-            </a:custGeom>
-            <a:solidFill>
-              <a:schemeClr val="dk1"/>
-            </a:solidFill>
-            <a:ln>
-              <a:noFill/>
-            </a:ln>
-          </p:spPr>
-          <p:txBody>
-            <a:bodyPr spcFirstLastPara="1" wrap="square" lIns="91425" tIns="91425" rIns="91425" bIns="91425" anchor="ctr" anchorCtr="0">
-              <a:noAutofit/>
-            </a:bodyPr>
-            <a:lstStyle/>
-            <a:p>
-              <a:pPr marL="0" lvl="0" indent="0" algn="l" rtl="0">
-                <a:spcBef>
-                  <a:spcPts val="0"/>
-                </a:spcBef>
-                <a:spcAft>
-                  <a:spcPts val="0"/>
-                </a:spcAft>
-                <a:buNone/>
-              </a:pPr>
-              <a:endParaRPr/>
-            </a:p>
-          </p:txBody>
-        </p:sp>
-        <p:sp>
-          <p:nvSpPr>
-            <p:cNvPr id="890" name="Google Shape;890;p49"/>
-            <p:cNvSpPr/>
-            <p:nvPr/>
-          </p:nvSpPr>
-          <p:spPr>
-            <a:xfrm>
-              <a:off x="6568350" y="1394900"/>
-              <a:ext cx="121250" cy="91025"/>
-            </a:xfrm>
-            <a:custGeom>
-              <a:avLst/>
-              <a:gdLst/>
-              <a:ahLst/>
-              <a:cxnLst/>
-              <a:rect l="l" t="t" r="r" b="b"/>
-              <a:pathLst>
-                <a:path w="4850" h="3641" extrusionOk="0">
-                  <a:moveTo>
-                    <a:pt x="2425" y="1"/>
-                  </a:moveTo>
-                  <a:cubicBezTo>
-                    <a:pt x="852" y="1"/>
-                    <a:pt x="0" y="1880"/>
-                    <a:pt x="1085" y="3058"/>
-                  </a:cubicBezTo>
-                  <a:cubicBezTo>
-                    <a:pt x="1445" y="3443"/>
-                    <a:pt x="1937" y="3641"/>
-                    <a:pt x="2431" y="3641"/>
-                  </a:cubicBezTo>
-                  <a:cubicBezTo>
-                    <a:pt x="2868" y="3641"/>
-                    <a:pt x="3305" y="3486"/>
-                    <a:pt x="3653" y="3168"/>
-                  </a:cubicBezTo>
-                  <a:cubicBezTo>
-                    <a:pt x="4850" y="2081"/>
-                    <a:pt x="4125" y="81"/>
-                    <a:pt x="2503" y="2"/>
-                  </a:cubicBezTo>
-                  <a:cubicBezTo>
-                    <a:pt x="2477" y="1"/>
-                    <a:pt x="2451" y="1"/>
-                    <a:pt x="2425" y="1"/>
-                  </a:cubicBezTo>
-                  <a:close/>
-                </a:path>
-              </a:pathLst>
-            </a:custGeom>
-            <a:solidFill>
-              <a:schemeClr val="dk1"/>
-            </a:solidFill>
-            <a:ln>
-              <a:noFill/>
-            </a:ln>
-          </p:spPr>
-          <p:txBody>
-            <a:bodyPr spcFirstLastPara="1" wrap="square" lIns="91425" tIns="91425" rIns="91425" bIns="91425" anchor="ctr" anchorCtr="0">
-              <a:noAutofit/>
-            </a:bodyPr>
-            <a:lstStyle/>
-            <a:p>
-              <a:pPr marL="0" lvl="0" indent="0" algn="l" rtl="0">
-                <a:spcBef>
-                  <a:spcPts val="0"/>
-                </a:spcBef>
-                <a:spcAft>
-                  <a:spcPts val="0"/>
-                </a:spcAft>
-                <a:buNone/>
-              </a:pPr>
-              <a:endParaRPr/>
-            </a:p>
-          </p:txBody>
-        </p:sp>
-        <p:sp>
-          <p:nvSpPr>
-            <p:cNvPr id="891" name="Google Shape;891;p49"/>
-            <p:cNvSpPr/>
-            <p:nvPr/>
-          </p:nvSpPr>
-          <p:spPr>
-            <a:xfrm>
-              <a:off x="6429325" y="1243300"/>
-              <a:ext cx="120875" cy="90875"/>
-            </a:xfrm>
-            <a:custGeom>
-              <a:avLst/>
-              <a:gdLst/>
-              <a:ahLst/>
-              <a:cxnLst/>
-              <a:rect l="l" t="t" r="r" b="b"/>
-              <a:pathLst>
-                <a:path w="4835" h="3635" extrusionOk="0">
-                  <a:moveTo>
-                    <a:pt x="2426" y="0"/>
-                  </a:moveTo>
-                  <a:cubicBezTo>
-                    <a:pt x="853" y="0"/>
-                    <a:pt x="1" y="1880"/>
-                    <a:pt x="1086" y="3058"/>
-                  </a:cubicBezTo>
-                  <a:cubicBezTo>
-                    <a:pt x="1444" y="3440"/>
-                    <a:pt x="1929" y="3634"/>
-                    <a:pt x="2417" y="3634"/>
-                  </a:cubicBezTo>
-                  <a:cubicBezTo>
-                    <a:pt x="2852" y="3634"/>
-                    <a:pt x="3288" y="3480"/>
-                    <a:pt x="3637" y="3168"/>
-                  </a:cubicBezTo>
-                  <a:cubicBezTo>
-                    <a:pt x="4835" y="2065"/>
-                    <a:pt x="4110" y="80"/>
-                    <a:pt x="2503" y="2"/>
-                  </a:cubicBezTo>
-                  <a:cubicBezTo>
-                    <a:pt x="2477" y="1"/>
-                    <a:pt x="2451" y="0"/>
-                    <a:pt x="2426" y="0"/>
-                  </a:cubicBezTo>
-                  <a:close/>
-                </a:path>
-              </a:pathLst>
-            </a:custGeom>
-            <a:solidFill>
-              <a:schemeClr val="dk1"/>
-            </a:solidFill>
-            <a:ln>
-              <a:noFill/>
-            </a:ln>
-          </p:spPr>
-          <p:txBody>
-            <a:bodyPr spcFirstLastPara="1" wrap="square" lIns="91425" tIns="91425" rIns="91425" bIns="91425" anchor="ctr" anchorCtr="0">
-              <a:noAutofit/>
-            </a:bodyPr>
-            <a:lstStyle/>
-            <a:p>
-              <a:pPr marL="0" lvl="0" indent="0" algn="l" rtl="0">
-                <a:spcBef>
-                  <a:spcPts val="0"/>
-                </a:spcBef>
-                <a:spcAft>
-                  <a:spcPts val="0"/>
-                </a:spcAft>
-                <a:buNone/>
-              </a:pPr>
-              <a:endParaRPr/>
-            </a:p>
-          </p:txBody>
-        </p:sp>
-        <p:sp>
-          <p:nvSpPr>
-            <p:cNvPr id="892" name="Google Shape;892;p49"/>
-            <p:cNvSpPr/>
-            <p:nvPr/>
-          </p:nvSpPr>
-          <p:spPr>
-            <a:xfrm>
-              <a:off x="5988250" y="757275"/>
-              <a:ext cx="235900" cy="232200"/>
-            </a:xfrm>
-            <a:custGeom>
-              <a:avLst/>
-              <a:gdLst/>
-              <a:ahLst/>
-              <a:cxnLst/>
-              <a:rect l="l" t="t" r="r" b="b"/>
-              <a:pathLst>
-                <a:path w="9436" h="9288" extrusionOk="0">
-                  <a:moveTo>
-                    <a:pt x="2800" y="1"/>
-                  </a:moveTo>
-                  <a:cubicBezTo>
-                    <a:pt x="2633" y="1"/>
-                    <a:pt x="2465" y="60"/>
-                    <a:pt x="2331" y="178"/>
-                  </a:cubicBezTo>
-                  <a:lnTo>
-                    <a:pt x="473" y="1880"/>
-                  </a:lnTo>
-                  <a:cubicBezTo>
-                    <a:pt x="189" y="2147"/>
-                    <a:pt x="173" y="2588"/>
-                    <a:pt x="425" y="2872"/>
-                  </a:cubicBezTo>
-                  <a:lnTo>
-                    <a:pt x="1937" y="4526"/>
-                  </a:lnTo>
-                  <a:lnTo>
-                    <a:pt x="299" y="6038"/>
-                  </a:lnTo>
-                  <a:cubicBezTo>
-                    <a:pt x="16" y="6306"/>
-                    <a:pt x="0" y="6731"/>
-                    <a:pt x="252" y="7015"/>
-                  </a:cubicBezTo>
-                  <a:lnTo>
-                    <a:pt x="1953" y="8889"/>
-                  </a:lnTo>
-                  <a:cubicBezTo>
-                    <a:pt x="2093" y="9037"/>
-                    <a:pt x="2280" y="9112"/>
-                    <a:pt x="2467" y="9112"/>
-                  </a:cubicBezTo>
-                  <a:cubicBezTo>
-                    <a:pt x="2638" y="9112"/>
-                    <a:pt x="2810" y="9049"/>
-                    <a:pt x="2946" y="8921"/>
-                  </a:cubicBezTo>
-                  <a:lnTo>
-                    <a:pt x="4600" y="7408"/>
-                  </a:lnTo>
-                  <a:lnTo>
-                    <a:pt x="6112" y="9062"/>
-                  </a:lnTo>
-                  <a:cubicBezTo>
-                    <a:pt x="6253" y="9213"/>
-                    <a:pt x="6439" y="9288"/>
-                    <a:pt x="6625" y="9288"/>
-                  </a:cubicBezTo>
-                  <a:cubicBezTo>
-                    <a:pt x="6790" y="9288"/>
-                    <a:pt x="6955" y="9228"/>
-                    <a:pt x="7088" y="9110"/>
-                  </a:cubicBezTo>
-                  <a:lnTo>
-                    <a:pt x="8947" y="7393"/>
-                  </a:lnTo>
-                  <a:cubicBezTo>
-                    <a:pt x="9230" y="7141"/>
-                    <a:pt x="9262" y="6700"/>
-                    <a:pt x="8994" y="6416"/>
-                  </a:cubicBezTo>
-                  <a:lnTo>
-                    <a:pt x="7482" y="4762"/>
-                  </a:lnTo>
-                  <a:lnTo>
-                    <a:pt x="9136" y="3250"/>
-                  </a:lnTo>
-                  <a:cubicBezTo>
-                    <a:pt x="9420" y="2982"/>
-                    <a:pt x="9435" y="2541"/>
-                    <a:pt x="9167" y="2258"/>
-                  </a:cubicBezTo>
-                  <a:lnTo>
-                    <a:pt x="7466" y="399"/>
-                  </a:lnTo>
-                  <a:cubicBezTo>
-                    <a:pt x="7333" y="249"/>
-                    <a:pt x="7146" y="174"/>
-                    <a:pt x="6959" y="174"/>
-                  </a:cubicBezTo>
-                  <a:cubicBezTo>
-                    <a:pt x="6791" y="174"/>
-                    <a:pt x="6623" y="233"/>
-                    <a:pt x="6490" y="352"/>
-                  </a:cubicBezTo>
-                  <a:lnTo>
-                    <a:pt x="4836" y="1880"/>
-                  </a:lnTo>
-                  <a:lnTo>
-                    <a:pt x="3308" y="226"/>
-                  </a:lnTo>
-                  <a:cubicBezTo>
-                    <a:pt x="3174" y="76"/>
-                    <a:pt x="2988" y="1"/>
-                    <a:pt x="2800" y="1"/>
-                  </a:cubicBezTo>
-                  <a:close/>
-                </a:path>
-              </a:pathLst>
-            </a:custGeom>
-            <a:solidFill>
-              <a:schemeClr val="dk1"/>
-            </a:solidFill>
-            <a:ln>
-              <a:noFill/>
-            </a:ln>
-          </p:spPr>
-          <p:txBody>
-            <a:bodyPr spcFirstLastPara="1" wrap="square" lIns="91425" tIns="91425" rIns="91425" bIns="91425" anchor="ctr" anchorCtr="0">
-              <a:noAutofit/>
-            </a:bodyPr>
-            <a:lstStyle/>
-            <a:p>
-              <a:pPr marL="0" lvl="0" indent="0" algn="l" rtl="0">
-                <a:spcBef>
-                  <a:spcPts val="0"/>
-                </a:spcBef>
-                <a:spcAft>
-                  <a:spcPts val="0"/>
-                </a:spcAft>
-                <a:buNone/>
-              </a:pPr>
-              <a:endParaRPr/>
-            </a:p>
-          </p:txBody>
-        </p:sp>
-      </p:grpSp>
-      <p:grpSp>
-        <p:nvGrpSpPr>
-          <p:cNvPr id="893" name="Google Shape;893;p49"/>
-          <p:cNvGrpSpPr/>
-          <p:nvPr/>
-        </p:nvGrpSpPr>
-        <p:grpSpPr>
-          <a:xfrm rot="-9987451" flipH="1">
-            <a:off x="2070523" y="-324609"/>
-            <a:ext cx="2078063" cy="2686329"/>
-            <a:chOff x="5523175" y="536475"/>
-            <a:chExt cx="1855175" cy="2398200"/>
-          </a:xfrm>
-        </p:grpSpPr>
-        <p:sp>
-          <p:nvSpPr>
-            <p:cNvPr id="894" name="Google Shape;894;p49"/>
-            <p:cNvSpPr/>
-            <p:nvPr/>
-          </p:nvSpPr>
-          <p:spPr>
-            <a:xfrm>
-              <a:off x="5523175" y="686500"/>
-              <a:ext cx="1855175" cy="2248175"/>
-            </a:xfrm>
-            <a:custGeom>
-              <a:avLst/>
-              <a:gdLst/>
-              <a:ahLst/>
-              <a:cxnLst/>
-              <a:rect l="l" t="t" r="r" b="b"/>
-              <a:pathLst>
-                <a:path w="74207" h="89927" fill="none" extrusionOk="0">
-                  <a:moveTo>
-                    <a:pt x="71749" y="8995"/>
-                  </a:moveTo>
-                  <a:cubicBezTo>
-                    <a:pt x="70048" y="5924"/>
-                    <a:pt x="67244" y="3514"/>
-                    <a:pt x="64062" y="2080"/>
-                  </a:cubicBezTo>
-                  <a:cubicBezTo>
-                    <a:pt x="60802" y="599"/>
-                    <a:pt x="57147" y="174"/>
-                    <a:pt x="53635" y="867"/>
-                  </a:cubicBezTo>
-                  <a:cubicBezTo>
-                    <a:pt x="49965" y="1592"/>
-                    <a:pt x="46546" y="3435"/>
-                    <a:pt x="43821" y="5939"/>
-                  </a:cubicBezTo>
-                  <a:cubicBezTo>
-                    <a:pt x="42498" y="7152"/>
-                    <a:pt x="41333" y="8523"/>
-                    <a:pt x="40340" y="10035"/>
-                  </a:cubicBezTo>
-                  <a:cubicBezTo>
-                    <a:pt x="40183" y="10287"/>
-                    <a:pt x="40592" y="10539"/>
-                    <a:pt x="40766" y="10271"/>
-                  </a:cubicBezTo>
-                  <a:cubicBezTo>
-                    <a:pt x="44766" y="4175"/>
-                    <a:pt x="52233" y="1"/>
-                    <a:pt x="59620" y="1230"/>
-                  </a:cubicBezTo>
-                  <a:cubicBezTo>
-                    <a:pt x="63086" y="1797"/>
-                    <a:pt x="66283" y="3435"/>
-                    <a:pt x="68788" y="5892"/>
-                  </a:cubicBezTo>
-                  <a:cubicBezTo>
-                    <a:pt x="71465" y="8570"/>
-                    <a:pt x="73293" y="12382"/>
-                    <a:pt x="72930" y="16241"/>
-                  </a:cubicBezTo>
-                  <a:cubicBezTo>
-                    <a:pt x="72741" y="18352"/>
-                    <a:pt x="71733" y="20210"/>
-                    <a:pt x="70347" y="21770"/>
-                  </a:cubicBezTo>
-                  <a:cubicBezTo>
-                    <a:pt x="69607" y="22604"/>
-                    <a:pt x="68788" y="23361"/>
-                    <a:pt x="67921" y="24054"/>
-                  </a:cubicBezTo>
-                  <a:cubicBezTo>
-                    <a:pt x="67984" y="23124"/>
-                    <a:pt x="67937" y="22195"/>
-                    <a:pt x="67780" y="21281"/>
-                  </a:cubicBezTo>
-                  <a:cubicBezTo>
-                    <a:pt x="67181" y="17989"/>
-                    <a:pt x="65023" y="14823"/>
-                    <a:pt x="61747" y="13784"/>
-                  </a:cubicBezTo>
-                  <a:cubicBezTo>
-                    <a:pt x="58864" y="12854"/>
-                    <a:pt x="55289" y="13658"/>
-                    <a:pt x="53351" y="16083"/>
-                  </a:cubicBezTo>
-                  <a:cubicBezTo>
-                    <a:pt x="51335" y="18604"/>
-                    <a:pt x="51729" y="22211"/>
-                    <a:pt x="53587" y="24699"/>
-                  </a:cubicBezTo>
-                  <a:cubicBezTo>
-                    <a:pt x="55777" y="27598"/>
-                    <a:pt x="59494" y="28259"/>
-                    <a:pt x="62865" y="27283"/>
-                  </a:cubicBezTo>
-                  <a:cubicBezTo>
-                    <a:pt x="64456" y="26810"/>
-                    <a:pt x="65952" y="26070"/>
-                    <a:pt x="67307" y="25109"/>
-                  </a:cubicBezTo>
-                  <a:cubicBezTo>
-                    <a:pt x="66882" y="27661"/>
-                    <a:pt x="65574" y="30071"/>
-                    <a:pt x="63889" y="32024"/>
-                  </a:cubicBezTo>
-                  <a:cubicBezTo>
-                    <a:pt x="58675" y="38025"/>
-                    <a:pt x="50390" y="39915"/>
-                    <a:pt x="42829" y="40766"/>
-                  </a:cubicBezTo>
-                  <a:cubicBezTo>
-                    <a:pt x="34512" y="41695"/>
-                    <a:pt x="25770" y="41601"/>
-                    <a:pt x="18052" y="45303"/>
-                  </a:cubicBezTo>
-                  <a:cubicBezTo>
-                    <a:pt x="11720" y="48343"/>
-                    <a:pt x="6553" y="53761"/>
-                    <a:pt x="3718" y="60188"/>
-                  </a:cubicBezTo>
-                  <a:cubicBezTo>
-                    <a:pt x="756" y="66835"/>
-                    <a:pt x="0" y="75435"/>
-                    <a:pt x="4568" y="81563"/>
-                  </a:cubicBezTo>
-                  <a:cubicBezTo>
-                    <a:pt x="9436" y="88100"/>
-                    <a:pt x="18004" y="89785"/>
-                    <a:pt x="25676" y="89895"/>
-                  </a:cubicBezTo>
-                  <a:cubicBezTo>
-                    <a:pt x="27897" y="89927"/>
-                    <a:pt x="30117" y="89848"/>
-                    <a:pt x="32338" y="89769"/>
-                  </a:cubicBezTo>
-                  <a:cubicBezTo>
-                    <a:pt x="32653" y="89769"/>
-                    <a:pt x="32653" y="89281"/>
-                    <a:pt x="32338" y="89281"/>
-                  </a:cubicBezTo>
-                  <a:cubicBezTo>
-                    <a:pt x="23848" y="89580"/>
-                    <a:pt x="14271" y="89785"/>
-                    <a:pt x="7404" y="83894"/>
-                  </a:cubicBezTo>
-                  <a:cubicBezTo>
-                    <a:pt x="4316" y="81248"/>
-                    <a:pt x="2473" y="77578"/>
-                    <a:pt x="1969" y="73545"/>
-                  </a:cubicBezTo>
-                  <a:cubicBezTo>
-                    <a:pt x="1481" y="69592"/>
-                    <a:pt x="2158" y="65543"/>
-                    <a:pt x="3545" y="61842"/>
-                  </a:cubicBezTo>
-                  <a:cubicBezTo>
-                    <a:pt x="6207" y="54864"/>
-                    <a:pt x="11389" y="49162"/>
-                    <a:pt x="18052" y="45838"/>
-                  </a:cubicBezTo>
-                  <a:cubicBezTo>
-                    <a:pt x="26054" y="41900"/>
-                    <a:pt x="35205" y="42199"/>
-                    <a:pt x="43853" y="41128"/>
-                  </a:cubicBezTo>
-                  <a:cubicBezTo>
-                    <a:pt x="51524" y="40183"/>
-                    <a:pt x="59888" y="38010"/>
-                    <a:pt x="64866" y="31599"/>
-                  </a:cubicBezTo>
-                  <a:cubicBezTo>
-                    <a:pt x="66409" y="29598"/>
-                    <a:pt x="67528" y="27204"/>
-                    <a:pt x="67858" y="24715"/>
-                  </a:cubicBezTo>
-                  <a:lnTo>
-                    <a:pt x="68016" y="24589"/>
-                  </a:lnTo>
-                  <a:cubicBezTo>
-                    <a:pt x="69528" y="23439"/>
-                    <a:pt x="70930" y="22053"/>
-                    <a:pt x="71954" y="20447"/>
-                  </a:cubicBezTo>
-                  <a:cubicBezTo>
-                    <a:pt x="74206" y="16934"/>
-                    <a:pt x="73702" y="12523"/>
-                    <a:pt x="71749" y="8995"/>
-                  </a:cubicBezTo>
-                  <a:close/>
-                  <a:moveTo>
-                    <a:pt x="65889" y="25440"/>
-                  </a:moveTo>
-                  <a:cubicBezTo>
-                    <a:pt x="62802" y="27235"/>
-                    <a:pt x="58628" y="28165"/>
-                    <a:pt x="55493" y="25912"/>
-                  </a:cubicBezTo>
-                  <a:cubicBezTo>
-                    <a:pt x="52926" y="24054"/>
-                    <a:pt x="51603" y="20242"/>
-                    <a:pt x="53115" y="17312"/>
-                  </a:cubicBezTo>
-                  <a:cubicBezTo>
-                    <a:pt x="54595" y="14492"/>
-                    <a:pt x="58203" y="13374"/>
-                    <a:pt x="61195" y="14114"/>
-                  </a:cubicBezTo>
-                  <a:cubicBezTo>
-                    <a:pt x="64598" y="14965"/>
-                    <a:pt x="66787" y="18210"/>
-                    <a:pt x="67339" y="21533"/>
-                  </a:cubicBezTo>
-                  <a:cubicBezTo>
-                    <a:pt x="67496" y="22494"/>
-                    <a:pt x="67528" y="23471"/>
-                    <a:pt x="67417" y="24447"/>
-                  </a:cubicBezTo>
-                  <a:cubicBezTo>
-                    <a:pt x="66929" y="24794"/>
-                    <a:pt x="66409" y="25140"/>
-                    <a:pt x="65889" y="25440"/>
-                  </a:cubicBezTo>
-                  <a:close/>
-                </a:path>
-              </a:pathLst>
-            </a:custGeom>
-            <a:noFill/>
-            <a:ln w="39375" cap="flat" cmpd="sng">
-              <a:solidFill>
-                <a:schemeClr val="dk1"/>
-              </a:solidFill>
-              <a:prstDash val="solid"/>
-              <a:miter lim="15751"/>
-              <a:headEnd type="none" w="sm" len="sm"/>
-              <a:tailEnd type="none" w="sm" len="sm"/>
-            </a:ln>
-          </p:spPr>
-          <p:txBody>
-            <a:bodyPr spcFirstLastPara="1" wrap="square" lIns="91425" tIns="91425" rIns="91425" bIns="91425" anchor="ctr" anchorCtr="0">
-              <a:noAutofit/>
-            </a:bodyPr>
-            <a:lstStyle/>
-            <a:p>
-              <a:pPr marL="0" lvl="0" indent="0" algn="l" rtl="0">
-                <a:spcBef>
-                  <a:spcPts val="0"/>
-                </a:spcBef>
-                <a:spcAft>
-                  <a:spcPts val="0"/>
-                </a:spcAft>
-                <a:buNone/>
-              </a:pPr>
-              <a:endParaRPr/>
-            </a:p>
-          </p:txBody>
-        </p:sp>
-        <p:sp>
-          <p:nvSpPr>
-            <p:cNvPr id="895" name="Google Shape;895;p49"/>
-            <p:cNvSpPr/>
-            <p:nvPr/>
-          </p:nvSpPr>
-          <p:spPr>
-            <a:xfrm>
-              <a:off x="6472200" y="834425"/>
-              <a:ext cx="166600" cy="174625"/>
-            </a:xfrm>
-            <a:custGeom>
-              <a:avLst/>
-              <a:gdLst/>
-              <a:ahLst/>
-              <a:cxnLst/>
-              <a:rect l="l" t="t" r="r" b="b"/>
-              <a:pathLst>
-                <a:path w="6664" h="6985" extrusionOk="0">
-                  <a:moveTo>
-                    <a:pt x="1386" y="0"/>
-                  </a:moveTo>
-                  <a:cubicBezTo>
-                    <a:pt x="1261" y="0"/>
-                    <a:pt x="1137" y="44"/>
-                    <a:pt x="1040" y="133"/>
-                  </a:cubicBezTo>
-                  <a:lnTo>
-                    <a:pt x="1" y="1093"/>
-                  </a:lnTo>
-                  <a:lnTo>
-                    <a:pt x="5388" y="6984"/>
-                  </a:lnTo>
-                  <a:lnTo>
-                    <a:pt x="6443" y="6024"/>
-                  </a:lnTo>
-                  <a:cubicBezTo>
-                    <a:pt x="6648" y="5835"/>
-                    <a:pt x="6664" y="5504"/>
-                    <a:pt x="6475" y="5283"/>
-                  </a:cubicBezTo>
-                  <a:lnTo>
-                    <a:pt x="1781" y="164"/>
-                  </a:lnTo>
-                  <a:cubicBezTo>
-                    <a:pt x="1672" y="56"/>
-                    <a:pt x="1528" y="0"/>
-                    <a:pt x="1386" y="0"/>
-                  </a:cubicBezTo>
-                  <a:close/>
-                </a:path>
-              </a:pathLst>
-            </a:custGeom>
-            <a:solidFill>
-              <a:schemeClr val="dk1"/>
-            </a:solidFill>
-            <a:ln>
-              <a:noFill/>
-            </a:ln>
-          </p:spPr>
-          <p:txBody>
-            <a:bodyPr spcFirstLastPara="1" wrap="square" lIns="91425" tIns="91425" rIns="91425" bIns="91425" anchor="ctr" anchorCtr="0">
-              <a:noAutofit/>
-            </a:bodyPr>
-            <a:lstStyle/>
-            <a:p>
-              <a:pPr marL="0" lvl="0" indent="0" algn="l" rtl="0">
-                <a:spcBef>
-                  <a:spcPts val="0"/>
-                </a:spcBef>
-                <a:spcAft>
-                  <a:spcPts val="0"/>
-                </a:spcAft>
-                <a:buNone/>
-              </a:pPr>
-              <a:endParaRPr/>
-            </a:p>
-          </p:txBody>
-        </p:sp>
-        <p:sp>
-          <p:nvSpPr>
-            <p:cNvPr id="896" name="Google Shape;896;p49"/>
-            <p:cNvSpPr/>
-            <p:nvPr/>
-          </p:nvSpPr>
-          <p:spPr>
-            <a:xfrm>
-              <a:off x="5781100" y="536475"/>
-              <a:ext cx="1068775" cy="1147125"/>
-            </a:xfrm>
-            <a:custGeom>
-              <a:avLst/>
-              <a:gdLst/>
-              <a:ahLst/>
-              <a:cxnLst/>
-              <a:rect l="l" t="t" r="r" b="b"/>
-              <a:pathLst>
-                <a:path w="42751" h="45885" fill="none" extrusionOk="0">
-                  <a:moveTo>
-                    <a:pt x="39143" y="25565"/>
-                  </a:moveTo>
-                  <a:lnTo>
-                    <a:pt x="21454" y="6285"/>
-                  </a:lnTo>
-                  <a:cubicBezTo>
-                    <a:pt x="15705" y="1"/>
-                    <a:pt x="5325" y="2237"/>
-                    <a:pt x="2663" y="10334"/>
-                  </a:cubicBezTo>
-                  <a:cubicBezTo>
-                    <a:pt x="1" y="18430"/>
-                    <a:pt x="7042" y="26385"/>
-                    <a:pt x="15390" y="24746"/>
-                  </a:cubicBezTo>
-                  <a:lnTo>
-                    <a:pt x="20226" y="30023"/>
-                  </a:lnTo>
-                  <a:cubicBezTo>
-                    <a:pt x="17879" y="38198"/>
-                    <a:pt x="25203" y="45885"/>
-                    <a:pt x="33489" y="43932"/>
-                  </a:cubicBezTo>
-                  <a:cubicBezTo>
-                    <a:pt x="37332" y="43034"/>
-                    <a:pt x="40419" y="40151"/>
-                    <a:pt x="41585" y="36371"/>
-                  </a:cubicBezTo>
-                  <a:cubicBezTo>
-                    <a:pt x="42751" y="32591"/>
-                    <a:pt x="41821" y="28479"/>
-                    <a:pt x="39143" y="25565"/>
-                  </a:cubicBezTo>
-                  <a:close/>
-                </a:path>
-              </a:pathLst>
-            </a:custGeom>
-            <a:noFill/>
-            <a:ln w="49225" cap="flat" cmpd="sng">
-              <a:solidFill>
-                <a:schemeClr val="dk1"/>
-              </a:solidFill>
-              <a:prstDash val="solid"/>
-              <a:miter lim="15751"/>
-              <a:headEnd type="none" w="sm" len="sm"/>
-              <a:tailEnd type="none" w="sm" len="sm"/>
-            </a:ln>
-          </p:spPr>
-          <p:txBody>
-            <a:bodyPr spcFirstLastPara="1" wrap="square" lIns="91425" tIns="91425" rIns="91425" bIns="91425" anchor="ctr" anchorCtr="0">
-              <a:noAutofit/>
-            </a:bodyPr>
-            <a:lstStyle/>
-            <a:p>
-              <a:pPr marL="0" lvl="0" indent="0" algn="l" rtl="0">
-                <a:spcBef>
-                  <a:spcPts val="0"/>
-                </a:spcBef>
-                <a:spcAft>
-                  <a:spcPts val="0"/>
-                </a:spcAft>
-                <a:buNone/>
-              </a:pPr>
-              <a:endParaRPr/>
-            </a:p>
-          </p:txBody>
-        </p:sp>
-        <p:sp>
-          <p:nvSpPr>
-            <p:cNvPr id="897" name="Google Shape;897;p49"/>
-            <p:cNvSpPr/>
-            <p:nvPr/>
-          </p:nvSpPr>
-          <p:spPr>
-            <a:xfrm>
-              <a:off x="6588575" y="1249725"/>
-              <a:ext cx="97100" cy="91000"/>
-            </a:xfrm>
-            <a:custGeom>
-              <a:avLst/>
-              <a:gdLst/>
-              <a:ahLst/>
-              <a:cxnLst/>
-              <a:rect l="l" t="t" r="r" b="b"/>
-              <a:pathLst>
-                <a:path w="3884" h="3640" extrusionOk="0">
-                  <a:moveTo>
-                    <a:pt x="1881" y="0"/>
-                  </a:moveTo>
-                  <a:cubicBezTo>
-                    <a:pt x="975" y="0"/>
-                    <a:pt x="97" y="679"/>
-                    <a:pt x="56" y="1745"/>
-                  </a:cubicBezTo>
-                  <a:cubicBezTo>
-                    <a:pt x="1" y="2864"/>
-                    <a:pt x="917" y="3640"/>
-                    <a:pt x="1882" y="3640"/>
-                  </a:cubicBezTo>
-                  <a:cubicBezTo>
-                    <a:pt x="2302" y="3640"/>
-                    <a:pt x="2732" y="3493"/>
-                    <a:pt x="3096" y="3163"/>
-                  </a:cubicBezTo>
-                  <a:cubicBezTo>
-                    <a:pt x="3836" y="2485"/>
-                    <a:pt x="3883" y="1336"/>
-                    <a:pt x="3206" y="595"/>
-                  </a:cubicBezTo>
-                  <a:cubicBezTo>
-                    <a:pt x="2833" y="185"/>
-                    <a:pt x="2353" y="0"/>
-                    <a:pt x="1881" y="0"/>
-                  </a:cubicBezTo>
-                  <a:close/>
-                </a:path>
-              </a:pathLst>
-            </a:custGeom>
-            <a:solidFill>
-              <a:schemeClr val="dk1"/>
-            </a:solidFill>
-            <a:ln>
-              <a:noFill/>
-            </a:ln>
-          </p:spPr>
-          <p:txBody>
-            <a:bodyPr spcFirstLastPara="1" wrap="square" lIns="91425" tIns="91425" rIns="91425" bIns="91425" anchor="ctr" anchorCtr="0">
-              <a:noAutofit/>
-            </a:bodyPr>
-            <a:lstStyle/>
-            <a:p>
-              <a:pPr marL="0" lvl="0" indent="0" algn="l" rtl="0">
-                <a:spcBef>
-                  <a:spcPts val="0"/>
-                </a:spcBef>
-                <a:spcAft>
-                  <a:spcPts val="0"/>
-                </a:spcAft>
-                <a:buNone/>
-              </a:pPr>
-              <a:endParaRPr/>
-            </a:p>
-          </p:txBody>
-        </p:sp>
-        <p:sp>
-          <p:nvSpPr>
-            <p:cNvPr id="898" name="Google Shape;898;p49"/>
-            <p:cNvSpPr/>
-            <p:nvPr/>
-          </p:nvSpPr>
-          <p:spPr>
-            <a:xfrm>
-              <a:off x="6436850" y="1388850"/>
-              <a:ext cx="96825" cy="91125"/>
-            </a:xfrm>
-            <a:custGeom>
-              <a:avLst/>
-              <a:gdLst/>
-              <a:ahLst/>
-              <a:cxnLst/>
-              <a:rect l="l" t="t" r="r" b="b"/>
-              <a:pathLst>
-                <a:path w="3873" h="3645" extrusionOk="0">
-                  <a:moveTo>
-                    <a:pt x="1865" y="0"/>
-                  </a:moveTo>
-                  <a:cubicBezTo>
-                    <a:pt x="958" y="0"/>
-                    <a:pt x="86" y="678"/>
-                    <a:pt x="44" y="1740"/>
-                  </a:cubicBezTo>
-                  <a:cubicBezTo>
-                    <a:pt x="1" y="2868"/>
-                    <a:pt x="915" y="3645"/>
-                    <a:pt x="1878" y="3645"/>
-                  </a:cubicBezTo>
-                  <a:cubicBezTo>
-                    <a:pt x="2302" y="3645"/>
-                    <a:pt x="2735" y="3495"/>
-                    <a:pt x="3100" y="3158"/>
-                  </a:cubicBezTo>
-                  <a:cubicBezTo>
-                    <a:pt x="3825" y="2481"/>
-                    <a:pt x="3872" y="1331"/>
-                    <a:pt x="3210" y="606"/>
-                  </a:cubicBezTo>
-                  <a:cubicBezTo>
-                    <a:pt x="2830" y="188"/>
-                    <a:pt x="2343" y="0"/>
-                    <a:pt x="1865" y="0"/>
-                  </a:cubicBezTo>
-                  <a:close/>
-                </a:path>
-              </a:pathLst>
-            </a:custGeom>
-            <a:solidFill>
-              <a:schemeClr val="dk1"/>
-            </a:solidFill>
-            <a:ln>
-              <a:noFill/>
-            </a:ln>
-          </p:spPr>
-          <p:txBody>
-            <a:bodyPr spcFirstLastPara="1" wrap="square" lIns="91425" tIns="91425" rIns="91425" bIns="91425" anchor="ctr" anchorCtr="0">
-              <a:noAutofit/>
-            </a:bodyPr>
-            <a:lstStyle/>
-            <a:p>
-              <a:pPr marL="0" lvl="0" indent="0" algn="l" rtl="0">
-                <a:spcBef>
-                  <a:spcPts val="0"/>
-                </a:spcBef>
-                <a:spcAft>
-                  <a:spcPts val="0"/>
-                </a:spcAft>
-                <a:buNone/>
-              </a:pPr>
-              <a:endParaRPr/>
-            </a:p>
-          </p:txBody>
-        </p:sp>
-        <p:sp>
-          <p:nvSpPr>
-            <p:cNvPr id="899" name="Google Shape;899;p49"/>
-            <p:cNvSpPr/>
-            <p:nvPr/>
-          </p:nvSpPr>
-          <p:spPr>
-            <a:xfrm>
-              <a:off x="6568350" y="1394900"/>
-              <a:ext cx="121250" cy="91025"/>
-            </a:xfrm>
-            <a:custGeom>
-              <a:avLst/>
-              <a:gdLst/>
-              <a:ahLst/>
-              <a:cxnLst/>
-              <a:rect l="l" t="t" r="r" b="b"/>
-              <a:pathLst>
-                <a:path w="4850" h="3641" extrusionOk="0">
-                  <a:moveTo>
-                    <a:pt x="2425" y="1"/>
-                  </a:moveTo>
-                  <a:cubicBezTo>
-                    <a:pt x="852" y="1"/>
-                    <a:pt x="0" y="1880"/>
-                    <a:pt x="1085" y="3058"/>
-                  </a:cubicBezTo>
-                  <a:cubicBezTo>
-                    <a:pt x="1445" y="3443"/>
-                    <a:pt x="1937" y="3641"/>
-                    <a:pt x="2431" y="3641"/>
-                  </a:cubicBezTo>
-                  <a:cubicBezTo>
-                    <a:pt x="2868" y="3641"/>
-                    <a:pt x="3305" y="3486"/>
-                    <a:pt x="3653" y="3168"/>
-                  </a:cubicBezTo>
-                  <a:cubicBezTo>
-                    <a:pt x="4850" y="2081"/>
-                    <a:pt x="4125" y="81"/>
-                    <a:pt x="2503" y="2"/>
-                  </a:cubicBezTo>
-                  <a:cubicBezTo>
-                    <a:pt x="2477" y="1"/>
-                    <a:pt x="2451" y="1"/>
-                    <a:pt x="2425" y="1"/>
-                  </a:cubicBezTo>
-                  <a:close/>
-                </a:path>
-              </a:pathLst>
-            </a:custGeom>
-            <a:solidFill>
-              <a:schemeClr val="dk1"/>
-            </a:solidFill>
-            <a:ln>
-              <a:noFill/>
-            </a:ln>
-          </p:spPr>
-          <p:txBody>
-            <a:bodyPr spcFirstLastPara="1" wrap="square" lIns="91425" tIns="91425" rIns="91425" bIns="91425" anchor="ctr" anchorCtr="0">
-              <a:noAutofit/>
-            </a:bodyPr>
-            <a:lstStyle/>
-            <a:p>
-              <a:pPr marL="0" lvl="0" indent="0" algn="l" rtl="0">
-                <a:spcBef>
-                  <a:spcPts val="0"/>
-                </a:spcBef>
-                <a:spcAft>
-                  <a:spcPts val="0"/>
-                </a:spcAft>
-                <a:buNone/>
-              </a:pPr>
-              <a:endParaRPr/>
-            </a:p>
-          </p:txBody>
-        </p:sp>
-        <p:sp>
-          <p:nvSpPr>
-            <p:cNvPr id="900" name="Google Shape;900;p49"/>
-            <p:cNvSpPr/>
-            <p:nvPr/>
-          </p:nvSpPr>
-          <p:spPr>
-            <a:xfrm>
-              <a:off x="6429325" y="1243300"/>
-              <a:ext cx="120875" cy="90875"/>
-            </a:xfrm>
-            <a:custGeom>
-              <a:avLst/>
-              <a:gdLst/>
-              <a:ahLst/>
-              <a:cxnLst/>
-              <a:rect l="l" t="t" r="r" b="b"/>
-              <a:pathLst>
-                <a:path w="4835" h="3635" extrusionOk="0">
-                  <a:moveTo>
-                    <a:pt x="2426" y="0"/>
-                  </a:moveTo>
-                  <a:cubicBezTo>
-                    <a:pt x="853" y="0"/>
-                    <a:pt x="1" y="1880"/>
-                    <a:pt x="1086" y="3058"/>
-                  </a:cubicBezTo>
-                  <a:cubicBezTo>
-                    <a:pt x="1444" y="3440"/>
-                    <a:pt x="1929" y="3634"/>
-                    <a:pt x="2417" y="3634"/>
-                  </a:cubicBezTo>
-                  <a:cubicBezTo>
-                    <a:pt x="2852" y="3634"/>
-                    <a:pt x="3288" y="3480"/>
-                    <a:pt x="3637" y="3168"/>
-                  </a:cubicBezTo>
-                  <a:cubicBezTo>
-                    <a:pt x="4835" y="2065"/>
-                    <a:pt x="4110" y="80"/>
-                    <a:pt x="2503" y="2"/>
-                  </a:cubicBezTo>
-                  <a:cubicBezTo>
-                    <a:pt x="2477" y="1"/>
-                    <a:pt x="2451" y="0"/>
-                    <a:pt x="2426" y="0"/>
-                  </a:cubicBezTo>
-                  <a:close/>
-                </a:path>
-              </a:pathLst>
-            </a:custGeom>
-            <a:solidFill>
-              <a:schemeClr val="dk1"/>
-            </a:solidFill>
-            <a:ln>
-              <a:noFill/>
-            </a:ln>
-          </p:spPr>
-          <p:txBody>
-            <a:bodyPr spcFirstLastPara="1" wrap="square" lIns="91425" tIns="91425" rIns="91425" bIns="91425" anchor="ctr" anchorCtr="0">
-              <a:noAutofit/>
-            </a:bodyPr>
-            <a:lstStyle/>
-            <a:p>
-              <a:pPr marL="0" lvl="0" indent="0" algn="l" rtl="0">
-                <a:spcBef>
-                  <a:spcPts val="0"/>
-                </a:spcBef>
-                <a:spcAft>
-                  <a:spcPts val="0"/>
-                </a:spcAft>
-                <a:buNone/>
-              </a:pPr>
-              <a:endParaRPr/>
-            </a:p>
-          </p:txBody>
-        </p:sp>
-        <p:sp>
-          <p:nvSpPr>
-            <p:cNvPr id="901" name="Google Shape;901;p49"/>
-            <p:cNvSpPr/>
-            <p:nvPr/>
-          </p:nvSpPr>
-          <p:spPr>
-            <a:xfrm>
-              <a:off x="5988250" y="757275"/>
-              <a:ext cx="235900" cy="232200"/>
-            </a:xfrm>
-            <a:custGeom>
-              <a:avLst/>
-              <a:gdLst/>
-              <a:ahLst/>
-              <a:cxnLst/>
-              <a:rect l="l" t="t" r="r" b="b"/>
-              <a:pathLst>
-                <a:path w="9436" h="9288" extrusionOk="0">
-                  <a:moveTo>
-                    <a:pt x="2800" y="1"/>
-                  </a:moveTo>
-                  <a:cubicBezTo>
-                    <a:pt x="2633" y="1"/>
-                    <a:pt x="2465" y="60"/>
-                    <a:pt x="2331" y="178"/>
-                  </a:cubicBezTo>
-                  <a:lnTo>
-                    <a:pt x="473" y="1880"/>
-                  </a:lnTo>
-                  <a:cubicBezTo>
-                    <a:pt x="189" y="2147"/>
-                    <a:pt x="173" y="2588"/>
-                    <a:pt x="425" y="2872"/>
-                  </a:cubicBezTo>
-                  <a:lnTo>
-                    <a:pt x="1937" y="4526"/>
-                  </a:lnTo>
-                  <a:lnTo>
-                    <a:pt x="299" y="6038"/>
-                  </a:lnTo>
-                  <a:cubicBezTo>
-                    <a:pt x="16" y="6306"/>
-                    <a:pt x="0" y="6731"/>
-                    <a:pt x="252" y="7015"/>
-                  </a:cubicBezTo>
-                  <a:lnTo>
-                    <a:pt x="1953" y="8889"/>
-                  </a:lnTo>
-                  <a:cubicBezTo>
-                    <a:pt x="2093" y="9037"/>
-                    <a:pt x="2280" y="9112"/>
-                    <a:pt x="2467" y="9112"/>
-                  </a:cubicBezTo>
-                  <a:cubicBezTo>
-                    <a:pt x="2638" y="9112"/>
-                    <a:pt x="2810" y="9049"/>
-                    <a:pt x="2946" y="8921"/>
-                  </a:cubicBezTo>
-                  <a:lnTo>
-                    <a:pt x="4600" y="7408"/>
-                  </a:lnTo>
-                  <a:lnTo>
-                    <a:pt x="6112" y="9062"/>
-                  </a:lnTo>
-                  <a:cubicBezTo>
-                    <a:pt x="6253" y="9213"/>
-                    <a:pt x="6439" y="9288"/>
-                    <a:pt x="6625" y="9288"/>
-                  </a:cubicBezTo>
-                  <a:cubicBezTo>
-                    <a:pt x="6790" y="9288"/>
-                    <a:pt x="6955" y="9228"/>
-                    <a:pt x="7088" y="9110"/>
-                  </a:cubicBezTo>
-                  <a:lnTo>
-                    <a:pt x="8947" y="7393"/>
-                  </a:lnTo>
-                  <a:cubicBezTo>
-                    <a:pt x="9230" y="7141"/>
-                    <a:pt x="9262" y="6700"/>
-                    <a:pt x="8994" y="6416"/>
-                  </a:cubicBezTo>
-                  <a:lnTo>
-                    <a:pt x="7482" y="4762"/>
-                  </a:lnTo>
-                  <a:lnTo>
-                    <a:pt x="9136" y="3250"/>
-                  </a:lnTo>
-                  <a:cubicBezTo>
-                    <a:pt x="9420" y="2982"/>
-                    <a:pt x="9435" y="2541"/>
-                    <a:pt x="9167" y="2258"/>
-                  </a:cubicBezTo>
-                  <a:lnTo>
-                    <a:pt x="7466" y="399"/>
-                  </a:lnTo>
-                  <a:cubicBezTo>
-                    <a:pt x="7333" y="249"/>
-                    <a:pt x="7146" y="174"/>
-                    <a:pt x="6959" y="174"/>
-                  </a:cubicBezTo>
-                  <a:cubicBezTo>
-                    <a:pt x="6791" y="174"/>
-                    <a:pt x="6623" y="233"/>
-                    <a:pt x="6490" y="352"/>
-                  </a:cubicBezTo>
-                  <a:lnTo>
-                    <a:pt x="4836" y="1880"/>
-                  </a:lnTo>
-                  <a:lnTo>
-                    <a:pt x="3308" y="226"/>
-                  </a:lnTo>
-                  <a:cubicBezTo>
-                    <a:pt x="3174" y="76"/>
-                    <a:pt x="2988" y="1"/>
-                    <a:pt x="2800" y="1"/>
-                  </a:cubicBezTo>
-                  <a:close/>
-                </a:path>
-              </a:pathLst>
-            </a:custGeom>
-            <a:solidFill>
-              <a:schemeClr val="dk1"/>
-            </a:solidFill>
-            <a:ln>
-              <a:noFill/>
-            </a:ln>
-          </p:spPr>
-          <p:txBody>
-            <a:bodyPr spcFirstLastPara="1" wrap="square" lIns="91425" tIns="91425" rIns="91425" bIns="91425" anchor="ctr" anchorCtr="0">
-              <a:noAutofit/>
-            </a:bodyPr>
-            <a:lstStyle/>
-            <a:p>
-              <a:pPr marL="0" lvl="0" indent="0" algn="l" rtl="0">
-                <a:spcBef>
-                  <a:spcPts val="0"/>
-                </a:spcBef>
-                <a:spcAft>
-                  <a:spcPts val="0"/>
-                </a:spcAft>
-                <a:buNone/>
-              </a:pPr>
-              <a:endParaRPr/>
-            </a:p>
-          </p:txBody>
-        </p:sp>
-      </p:grpSp>
-      <p:grpSp>
-        <p:nvGrpSpPr>
-          <p:cNvPr id="902" name="Google Shape;902;p49"/>
-          <p:cNvGrpSpPr/>
-          <p:nvPr/>
-        </p:nvGrpSpPr>
-        <p:grpSpPr>
-          <a:xfrm rot="-1568536" flipH="1">
-            <a:off x="440421" y="1205942"/>
-            <a:ext cx="925447" cy="598598"/>
-            <a:chOff x="3765675" y="2533375"/>
-            <a:chExt cx="925450" cy="598600"/>
-          </a:xfrm>
-        </p:grpSpPr>
-        <p:sp>
-          <p:nvSpPr>
-            <p:cNvPr id="903" name="Google Shape;903;p49"/>
-            <p:cNvSpPr/>
-            <p:nvPr/>
-          </p:nvSpPr>
-          <p:spPr>
-            <a:xfrm>
-              <a:off x="4085050" y="2533375"/>
-              <a:ext cx="284350" cy="284350"/>
-            </a:xfrm>
-            <a:custGeom>
-              <a:avLst/>
-              <a:gdLst/>
-              <a:ahLst/>
-              <a:cxnLst/>
-              <a:rect l="l" t="t" r="r" b="b"/>
-              <a:pathLst>
-                <a:path w="11374" h="11374" extrusionOk="0">
-                  <a:moveTo>
-                    <a:pt x="9404" y="1970"/>
-                  </a:moveTo>
-                  <a:lnTo>
-                    <a:pt x="9404" y="9405"/>
-                  </a:lnTo>
-                  <a:lnTo>
-                    <a:pt x="1969" y="9405"/>
-                  </a:lnTo>
-                  <a:lnTo>
-                    <a:pt x="1969" y="1970"/>
-                  </a:lnTo>
-                  <a:close/>
-                  <a:moveTo>
-                    <a:pt x="1497" y="1"/>
-                  </a:moveTo>
-                  <a:cubicBezTo>
-                    <a:pt x="678" y="1"/>
-                    <a:pt x="1" y="678"/>
-                    <a:pt x="1" y="1497"/>
-                  </a:cubicBezTo>
-                  <a:lnTo>
-                    <a:pt x="1" y="9877"/>
-                  </a:lnTo>
-                  <a:cubicBezTo>
-                    <a:pt x="1" y="10712"/>
-                    <a:pt x="678" y="11374"/>
-                    <a:pt x="1497" y="11374"/>
-                  </a:cubicBezTo>
-                  <a:lnTo>
-                    <a:pt x="9877" y="11374"/>
-                  </a:lnTo>
-                  <a:cubicBezTo>
-                    <a:pt x="10696" y="11374"/>
-                    <a:pt x="11373" y="10712"/>
-                    <a:pt x="11373" y="9877"/>
-                  </a:cubicBezTo>
-                  <a:lnTo>
-                    <a:pt x="11373" y="1497"/>
-                  </a:lnTo>
-                  <a:cubicBezTo>
-                    <a:pt x="11373" y="678"/>
-                    <a:pt x="10696" y="1"/>
-                    <a:pt x="9877" y="1"/>
-                  </a:cubicBezTo>
-                  <a:close/>
-                </a:path>
-              </a:pathLst>
-            </a:custGeom>
-            <a:solidFill>
-              <a:schemeClr val="dk1"/>
-            </a:solidFill>
-            <a:ln>
-              <a:noFill/>
-            </a:ln>
-          </p:spPr>
-          <p:txBody>
-            <a:bodyPr spcFirstLastPara="1" wrap="square" lIns="91425" tIns="91425" rIns="91425" bIns="91425" anchor="ctr" anchorCtr="0">
-              <a:noAutofit/>
-            </a:bodyPr>
-            <a:lstStyle/>
-            <a:p>
-              <a:pPr marL="0" lvl="0" indent="0" algn="l" rtl="0">
-                <a:spcBef>
-                  <a:spcPts val="0"/>
-                </a:spcBef>
-                <a:spcAft>
-                  <a:spcPts val="0"/>
-                </a:spcAft>
-                <a:buNone/>
-              </a:pPr>
-              <a:endParaRPr/>
-            </a:p>
-          </p:txBody>
-        </p:sp>
-        <p:sp>
-          <p:nvSpPr>
-            <p:cNvPr id="904" name="Google Shape;904;p49"/>
-            <p:cNvSpPr/>
-            <p:nvPr/>
-          </p:nvSpPr>
-          <p:spPr>
-            <a:xfrm>
-              <a:off x="4085050" y="2847625"/>
-              <a:ext cx="284350" cy="284350"/>
-            </a:xfrm>
-            <a:custGeom>
-              <a:avLst/>
-              <a:gdLst/>
-              <a:ahLst/>
-              <a:cxnLst/>
-              <a:rect l="l" t="t" r="r" b="b"/>
-              <a:pathLst>
-                <a:path w="11374" h="11374" extrusionOk="0">
-                  <a:moveTo>
-                    <a:pt x="9404" y="1985"/>
-                  </a:moveTo>
-                  <a:lnTo>
-                    <a:pt x="9404" y="9404"/>
-                  </a:lnTo>
-                  <a:lnTo>
-                    <a:pt x="1969" y="9404"/>
-                  </a:lnTo>
-                  <a:lnTo>
-                    <a:pt x="1969" y="1985"/>
-                  </a:lnTo>
-                  <a:close/>
-                  <a:moveTo>
-                    <a:pt x="1497" y="1"/>
-                  </a:moveTo>
-                  <a:cubicBezTo>
-                    <a:pt x="678" y="1"/>
-                    <a:pt x="1" y="678"/>
-                    <a:pt x="1" y="1497"/>
-                  </a:cubicBezTo>
-                  <a:lnTo>
-                    <a:pt x="1" y="9877"/>
-                  </a:lnTo>
-                  <a:cubicBezTo>
-                    <a:pt x="1" y="10712"/>
-                    <a:pt x="678" y="11373"/>
-                    <a:pt x="1497" y="11373"/>
-                  </a:cubicBezTo>
-                  <a:lnTo>
-                    <a:pt x="9877" y="11373"/>
-                  </a:lnTo>
-                  <a:cubicBezTo>
-                    <a:pt x="10696" y="11373"/>
-                    <a:pt x="11373" y="10712"/>
-                    <a:pt x="11373" y="9893"/>
-                  </a:cubicBezTo>
-                  <a:lnTo>
-                    <a:pt x="11373" y="1513"/>
-                  </a:lnTo>
-                  <a:cubicBezTo>
-                    <a:pt x="11373" y="678"/>
-                    <a:pt x="10696" y="16"/>
-                    <a:pt x="9877" y="16"/>
-                  </a:cubicBezTo>
-                  <a:lnTo>
-                    <a:pt x="1497" y="16"/>
-                  </a:lnTo>
-                  <a:lnTo>
-                    <a:pt x="1497" y="1"/>
-                  </a:lnTo>
-                  <a:close/>
-                </a:path>
-              </a:pathLst>
-            </a:custGeom>
-            <a:solidFill>
-              <a:schemeClr val="dk1"/>
-            </a:solidFill>
-            <a:ln>
-              <a:noFill/>
-            </a:ln>
-          </p:spPr>
-          <p:txBody>
-            <a:bodyPr spcFirstLastPara="1" wrap="square" lIns="91425" tIns="91425" rIns="91425" bIns="91425" anchor="ctr" anchorCtr="0">
-              <a:noAutofit/>
-            </a:bodyPr>
-            <a:lstStyle/>
-            <a:p>
-              <a:pPr marL="0" lvl="0" indent="0" algn="l" rtl="0">
-                <a:spcBef>
-                  <a:spcPts val="0"/>
-                </a:spcBef>
-                <a:spcAft>
-                  <a:spcPts val="0"/>
-                </a:spcAft>
-                <a:buNone/>
-              </a:pPr>
-              <a:endParaRPr/>
-            </a:p>
-          </p:txBody>
-        </p:sp>
-        <p:sp>
-          <p:nvSpPr>
-            <p:cNvPr id="905" name="Google Shape;905;p49"/>
-            <p:cNvSpPr/>
-            <p:nvPr/>
-          </p:nvSpPr>
-          <p:spPr>
-            <a:xfrm>
-              <a:off x="4406775" y="2847625"/>
-              <a:ext cx="284350" cy="284350"/>
-            </a:xfrm>
-            <a:custGeom>
-              <a:avLst/>
-              <a:gdLst/>
-              <a:ahLst/>
-              <a:cxnLst/>
-              <a:rect l="l" t="t" r="r" b="b"/>
-              <a:pathLst>
-                <a:path w="11374" h="11374" extrusionOk="0">
-                  <a:moveTo>
-                    <a:pt x="9404" y="1985"/>
-                  </a:moveTo>
-                  <a:lnTo>
-                    <a:pt x="9404" y="9404"/>
-                  </a:lnTo>
-                  <a:lnTo>
-                    <a:pt x="1970" y="9404"/>
-                  </a:lnTo>
-                  <a:lnTo>
-                    <a:pt x="1970" y="1985"/>
-                  </a:lnTo>
-                  <a:close/>
-                  <a:moveTo>
-                    <a:pt x="1497" y="1"/>
-                  </a:moveTo>
-                  <a:cubicBezTo>
-                    <a:pt x="662" y="1"/>
-                    <a:pt x="1" y="678"/>
-                    <a:pt x="1" y="1497"/>
-                  </a:cubicBezTo>
-                  <a:lnTo>
-                    <a:pt x="1" y="9877"/>
-                  </a:lnTo>
-                  <a:cubicBezTo>
-                    <a:pt x="1" y="10712"/>
-                    <a:pt x="662" y="11373"/>
-                    <a:pt x="1497" y="11373"/>
-                  </a:cubicBezTo>
-                  <a:lnTo>
-                    <a:pt x="9877" y="11373"/>
-                  </a:lnTo>
-                  <a:cubicBezTo>
-                    <a:pt x="10696" y="11373"/>
-                    <a:pt x="11373" y="10712"/>
-                    <a:pt x="11373" y="9893"/>
-                  </a:cubicBezTo>
-                  <a:lnTo>
-                    <a:pt x="11373" y="1513"/>
-                  </a:lnTo>
-                  <a:cubicBezTo>
-                    <a:pt x="11373" y="688"/>
-                    <a:pt x="10711" y="16"/>
-                    <a:pt x="9905" y="16"/>
-                  </a:cubicBezTo>
-                  <a:cubicBezTo>
-                    <a:pt x="9896" y="16"/>
-                    <a:pt x="9886" y="16"/>
-                    <a:pt x="9877" y="16"/>
-                  </a:cubicBezTo>
-                  <a:lnTo>
-                    <a:pt x="1497" y="16"/>
-                  </a:lnTo>
-                  <a:lnTo>
-                    <a:pt x="1497" y="1"/>
-                  </a:lnTo>
-                  <a:close/>
-                </a:path>
-              </a:pathLst>
-            </a:custGeom>
-            <a:solidFill>
-              <a:schemeClr val="dk1"/>
-            </a:solidFill>
-            <a:ln>
-              <a:noFill/>
-            </a:ln>
-          </p:spPr>
-          <p:txBody>
-            <a:bodyPr spcFirstLastPara="1" wrap="square" lIns="91425" tIns="91425" rIns="91425" bIns="91425" anchor="ctr" anchorCtr="0">
-              <a:noAutofit/>
-            </a:bodyPr>
-            <a:lstStyle/>
-            <a:p>
-              <a:pPr marL="0" lvl="0" indent="0" algn="l" rtl="0">
-                <a:spcBef>
-                  <a:spcPts val="0"/>
-                </a:spcBef>
-                <a:spcAft>
-                  <a:spcPts val="0"/>
-                </a:spcAft>
-                <a:buNone/>
-              </a:pPr>
-              <a:endParaRPr/>
-            </a:p>
-          </p:txBody>
-        </p:sp>
-        <p:sp>
-          <p:nvSpPr>
-            <p:cNvPr id="906" name="Google Shape;906;p49"/>
-            <p:cNvSpPr/>
-            <p:nvPr/>
-          </p:nvSpPr>
-          <p:spPr>
-            <a:xfrm>
-              <a:off x="3765675" y="2847625"/>
-              <a:ext cx="284350" cy="284350"/>
-            </a:xfrm>
-            <a:custGeom>
-              <a:avLst/>
-              <a:gdLst/>
-              <a:ahLst/>
-              <a:cxnLst/>
-              <a:rect l="l" t="t" r="r" b="b"/>
-              <a:pathLst>
-                <a:path w="11374" h="11374" extrusionOk="0">
-                  <a:moveTo>
-                    <a:pt x="9405" y="1985"/>
-                  </a:moveTo>
-                  <a:lnTo>
-                    <a:pt x="9405" y="9404"/>
-                  </a:lnTo>
-                  <a:lnTo>
-                    <a:pt x="1970" y="9404"/>
-                  </a:lnTo>
-                  <a:lnTo>
-                    <a:pt x="1970" y="1985"/>
-                  </a:lnTo>
-                  <a:close/>
-                  <a:moveTo>
-                    <a:pt x="1497" y="1"/>
-                  </a:moveTo>
-                  <a:cubicBezTo>
-                    <a:pt x="663" y="1"/>
-                    <a:pt x="1" y="678"/>
-                    <a:pt x="1" y="1497"/>
-                  </a:cubicBezTo>
-                  <a:lnTo>
-                    <a:pt x="1" y="9877"/>
-                  </a:lnTo>
-                  <a:cubicBezTo>
-                    <a:pt x="1" y="10712"/>
-                    <a:pt x="663" y="11373"/>
-                    <a:pt x="1497" y="11373"/>
-                  </a:cubicBezTo>
-                  <a:lnTo>
-                    <a:pt x="9877" y="11373"/>
-                  </a:lnTo>
-                  <a:cubicBezTo>
-                    <a:pt x="10696" y="11373"/>
-                    <a:pt x="11358" y="10712"/>
-                    <a:pt x="11374" y="9893"/>
-                  </a:cubicBezTo>
-                  <a:lnTo>
-                    <a:pt x="11374" y="1513"/>
-                  </a:lnTo>
-                  <a:cubicBezTo>
-                    <a:pt x="11374" y="678"/>
-                    <a:pt x="10696" y="16"/>
-                    <a:pt x="9877" y="16"/>
-                  </a:cubicBezTo>
-                  <a:lnTo>
-                    <a:pt x="1497" y="16"/>
-                  </a:lnTo>
-                  <a:lnTo>
-                    <a:pt x="1497" y="1"/>
-                  </a:lnTo>
-                  <a:close/>
-                </a:path>
-              </a:pathLst>
-            </a:custGeom>
-            <a:solidFill>
-              <a:schemeClr val="dk1"/>
-            </a:solidFill>
-            <a:ln>
-              <a:noFill/>
-            </a:ln>
-          </p:spPr>
-          <p:txBody>
-            <a:bodyPr spcFirstLastPara="1" wrap="square" lIns="91425" tIns="91425" rIns="91425" bIns="91425" anchor="ctr" anchorCtr="0">
-              <a:noAutofit/>
-            </a:bodyPr>
-            <a:lstStyle/>
-            <a:p>
-              <a:pPr marL="0" lvl="0" indent="0" algn="l" rtl="0">
-                <a:spcBef>
-                  <a:spcPts val="0"/>
-                </a:spcBef>
-                <a:spcAft>
-                  <a:spcPts val="0"/>
-                </a:spcAft>
-                <a:buNone/>
-              </a:pPr>
-              <a:endParaRPr/>
-            </a:p>
-          </p:txBody>
-        </p:sp>
-      </p:grpSp>
-      <p:grpSp>
-        <p:nvGrpSpPr>
-          <p:cNvPr id="907" name="Google Shape;907;p49"/>
-          <p:cNvGrpSpPr/>
-          <p:nvPr/>
-        </p:nvGrpSpPr>
-        <p:grpSpPr>
-          <a:xfrm rot="1466267" flipH="1">
-            <a:off x="8217343" y="1570299"/>
-            <a:ext cx="606443" cy="912814"/>
-            <a:chOff x="4865150" y="3459975"/>
-            <a:chExt cx="606450" cy="912825"/>
-          </a:xfrm>
-        </p:grpSpPr>
-        <p:sp>
-          <p:nvSpPr>
-            <p:cNvPr id="908" name="Google Shape;908;p49"/>
-            <p:cNvSpPr/>
-            <p:nvPr/>
-          </p:nvSpPr>
-          <p:spPr>
-            <a:xfrm>
-              <a:off x="4865550" y="3774225"/>
-              <a:ext cx="284325" cy="284325"/>
-            </a:xfrm>
-            <a:custGeom>
-              <a:avLst/>
-              <a:gdLst/>
-              <a:ahLst/>
-              <a:cxnLst/>
-              <a:rect l="l" t="t" r="r" b="b"/>
-              <a:pathLst>
-                <a:path w="11373" h="11373" extrusionOk="0">
-                  <a:moveTo>
-                    <a:pt x="9404" y="1969"/>
-                  </a:moveTo>
-                  <a:lnTo>
-                    <a:pt x="9404" y="9404"/>
-                  </a:lnTo>
-                  <a:lnTo>
-                    <a:pt x="1969" y="9404"/>
-                  </a:lnTo>
-                  <a:lnTo>
-                    <a:pt x="1969" y="1969"/>
-                  </a:lnTo>
-                  <a:close/>
-                  <a:moveTo>
-                    <a:pt x="1497" y="0"/>
-                  </a:moveTo>
-                  <a:cubicBezTo>
-                    <a:pt x="678" y="0"/>
-                    <a:pt x="0" y="662"/>
-                    <a:pt x="0" y="1497"/>
-                  </a:cubicBezTo>
-                  <a:lnTo>
-                    <a:pt x="0" y="9876"/>
-                  </a:lnTo>
-                  <a:cubicBezTo>
-                    <a:pt x="0" y="10696"/>
-                    <a:pt x="662" y="11357"/>
-                    <a:pt x="1497" y="11373"/>
-                  </a:cubicBezTo>
-                  <a:lnTo>
-                    <a:pt x="9876" y="11373"/>
-                  </a:lnTo>
-                  <a:cubicBezTo>
-                    <a:pt x="10696" y="11373"/>
-                    <a:pt x="11373" y="10696"/>
-                    <a:pt x="11373" y="9876"/>
-                  </a:cubicBezTo>
-                  <a:lnTo>
-                    <a:pt x="11373" y="1497"/>
-                  </a:lnTo>
-                  <a:cubicBezTo>
-                    <a:pt x="11373" y="662"/>
-                    <a:pt x="10696" y="0"/>
-                    <a:pt x="9876" y="0"/>
-                  </a:cubicBezTo>
-                  <a:close/>
-                </a:path>
-              </a:pathLst>
-            </a:custGeom>
-            <a:solidFill>
-              <a:schemeClr val="dk1"/>
-            </a:solidFill>
-            <a:ln>
-              <a:noFill/>
-            </a:ln>
-          </p:spPr>
-          <p:txBody>
-            <a:bodyPr spcFirstLastPara="1" wrap="square" lIns="91425" tIns="91425" rIns="91425" bIns="91425" anchor="ctr" anchorCtr="0">
-              <a:noAutofit/>
-            </a:bodyPr>
-            <a:lstStyle/>
-            <a:p>
-              <a:pPr marL="0" lvl="0" indent="0" algn="l" rtl="0">
-                <a:spcBef>
-                  <a:spcPts val="0"/>
-                </a:spcBef>
-                <a:spcAft>
-                  <a:spcPts val="0"/>
-                </a:spcAft>
-                <a:buNone/>
-              </a:pPr>
-              <a:endParaRPr/>
-            </a:p>
-          </p:txBody>
-        </p:sp>
-        <p:sp>
-          <p:nvSpPr>
-            <p:cNvPr id="909" name="Google Shape;909;p49"/>
-            <p:cNvSpPr/>
-            <p:nvPr/>
-          </p:nvSpPr>
-          <p:spPr>
-            <a:xfrm>
-              <a:off x="4865150" y="3459975"/>
-              <a:ext cx="284350" cy="284350"/>
-            </a:xfrm>
-            <a:custGeom>
-              <a:avLst/>
-              <a:gdLst/>
-              <a:ahLst/>
-              <a:cxnLst/>
-              <a:rect l="l" t="t" r="r" b="b"/>
-              <a:pathLst>
-                <a:path w="11374" h="11374" extrusionOk="0">
-                  <a:moveTo>
-                    <a:pt x="9420" y="1969"/>
-                  </a:moveTo>
-                  <a:lnTo>
-                    <a:pt x="9420" y="9404"/>
-                  </a:lnTo>
-                  <a:lnTo>
-                    <a:pt x="1969" y="9404"/>
-                  </a:lnTo>
-                  <a:lnTo>
-                    <a:pt x="1969" y="1969"/>
-                  </a:lnTo>
-                  <a:close/>
-                  <a:moveTo>
-                    <a:pt x="1497" y="0"/>
-                  </a:moveTo>
-                  <a:cubicBezTo>
-                    <a:pt x="678" y="0"/>
-                    <a:pt x="0" y="662"/>
-                    <a:pt x="0" y="1497"/>
-                  </a:cubicBezTo>
-                  <a:lnTo>
-                    <a:pt x="0" y="9877"/>
-                  </a:lnTo>
-                  <a:cubicBezTo>
-                    <a:pt x="0" y="10696"/>
-                    <a:pt x="678" y="11373"/>
-                    <a:pt x="1497" y="11373"/>
-                  </a:cubicBezTo>
-                  <a:lnTo>
-                    <a:pt x="9877" y="11373"/>
-                  </a:lnTo>
-                  <a:cubicBezTo>
-                    <a:pt x="10696" y="11373"/>
-                    <a:pt x="11373" y="10696"/>
-                    <a:pt x="11373" y="9877"/>
-                  </a:cubicBezTo>
-                  <a:lnTo>
-                    <a:pt x="11373" y="1513"/>
-                  </a:lnTo>
-                  <a:cubicBezTo>
-                    <a:pt x="11373" y="678"/>
-                    <a:pt x="10696" y="0"/>
-                    <a:pt x="9877" y="0"/>
-                  </a:cubicBezTo>
-                  <a:close/>
-                </a:path>
-              </a:pathLst>
-            </a:custGeom>
-            <a:solidFill>
-              <a:schemeClr val="dk1"/>
-            </a:solidFill>
-            <a:ln>
-              <a:noFill/>
-            </a:ln>
-          </p:spPr>
-          <p:txBody>
-            <a:bodyPr spcFirstLastPara="1" wrap="square" lIns="91425" tIns="91425" rIns="91425" bIns="91425" anchor="ctr" anchorCtr="0">
-              <a:noAutofit/>
-            </a:bodyPr>
-            <a:lstStyle/>
-            <a:p>
-              <a:pPr marL="0" lvl="0" indent="0" algn="l" rtl="0">
-                <a:spcBef>
-                  <a:spcPts val="0"/>
-                </a:spcBef>
-                <a:spcAft>
-                  <a:spcPts val="0"/>
-                </a:spcAft>
-                <a:buNone/>
-              </a:pPr>
-              <a:endParaRPr/>
-            </a:p>
-          </p:txBody>
-        </p:sp>
-        <p:sp>
-          <p:nvSpPr>
-            <p:cNvPr id="910" name="Google Shape;910;p49"/>
-            <p:cNvSpPr/>
-            <p:nvPr/>
-          </p:nvSpPr>
-          <p:spPr>
-            <a:xfrm>
-              <a:off x="4865550" y="4088475"/>
-              <a:ext cx="284325" cy="284325"/>
-            </a:xfrm>
-            <a:custGeom>
-              <a:avLst/>
-              <a:gdLst/>
-              <a:ahLst/>
-              <a:cxnLst/>
-              <a:rect l="l" t="t" r="r" b="b"/>
-              <a:pathLst>
-                <a:path w="11373" h="11373" extrusionOk="0">
-                  <a:moveTo>
-                    <a:pt x="9420" y="1969"/>
-                  </a:moveTo>
-                  <a:lnTo>
-                    <a:pt x="9420" y="9388"/>
-                  </a:lnTo>
-                  <a:lnTo>
-                    <a:pt x="1969" y="9388"/>
-                  </a:lnTo>
-                  <a:lnTo>
-                    <a:pt x="1969" y="1969"/>
-                  </a:lnTo>
-                  <a:close/>
-                  <a:moveTo>
-                    <a:pt x="1497" y="0"/>
-                  </a:moveTo>
-                  <a:cubicBezTo>
-                    <a:pt x="678" y="0"/>
-                    <a:pt x="0" y="662"/>
-                    <a:pt x="0" y="1496"/>
-                  </a:cubicBezTo>
-                  <a:lnTo>
-                    <a:pt x="0" y="9876"/>
-                  </a:lnTo>
-                  <a:cubicBezTo>
-                    <a:pt x="0" y="10695"/>
-                    <a:pt x="678" y="11357"/>
-                    <a:pt x="1497" y="11373"/>
-                  </a:cubicBezTo>
-                  <a:lnTo>
-                    <a:pt x="9876" y="11373"/>
-                  </a:lnTo>
-                  <a:cubicBezTo>
-                    <a:pt x="10711" y="11357"/>
-                    <a:pt x="11373" y="10695"/>
-                    <a:pt x="11373" y="9876"/>
-                  </a:cubicBezTo>
-                  <a:lnTo>
-                    <a:pt x="11373" y="1496"/>
-                  </a:lnTo>
-                  <a:cubicBezTo>
-                    <a:pt x="11373" y="662"/>
-                    <a:pt x="10711" y="0"/>
-                    <a:pt x="9876" y="0"/>
-                  </a:cubicBezTo>
-                  <a:close/>
-                </a:path>
-              </a:pathLst>
-            </a:custGeom>
-            <a:solidFill>
-              <a:schemeClr val="dk1"/>
-            </a:solidFill>
-            <a:ln>
-              <a:noFill/>
-            </a:ln>
-          </p:spPr>
-          <p:txBody>
-            <a:bodyPr spcFirstLastPara="1" wrap="square" lIns="91425" tIns="91425" rIns="91425" bIns="91425" anchor="ctr" anchorCtr="0">
-              <a:noAutofit/>
-            </a:bodyPr>
-            <a:lstStyle/>
-            <a:p>
-              <a:pPr marL="0" lvl="0" indent="0" algn="l" rtl="0">
-                <a:spcBef>
-                  <a:spcPts val="0"/>
-                </a:spcBef>
-                <a:spcAft>
-                  <a:spcPts val="0"/>
-                </a:spcAft>
-                <a:buNone/>
-              </a:pPr>
-              <a:endParaRPr/>
-            </a:p>
-          </p:txBody>
-        </p:sp>
-        <p:sp>
-          <p:nvSpPr>
-            <p:cNvPr id="911" name="Google Shape;911;p49"/>
-            <p:cNvSpPr/>
-            <p:nvPr/>
-          </p:nvSpPr>
-          <p:spPr>
-            <a:xfrm>
-              <a:off x="5187275" y="4088075"/>
-              <a:ext cx="284325" cy="284325"/>
-            </a:xfrm>
-            <a:custGeom>
-              <a:avLst/>
-              <a:gdLst/>
-              <a:ahLst/>
-              <a:cxnLst/>
-              <a:rect l="l" t="t" r="r" b="b"/>
-              <a:pathLst>
-                <a:path w="11373" h="11373" extrusionOk="0">
-                  <a:moveTo>
-                    <a:pt x="9404" y="1985"/>
-                  </a:moveTo>
-                  <a:lnTo>
-                    <a:pt x="9404" y="9404"/>
-                  </a:lnTo>
-                  <a:lnTo>
-                    <a:pt x="1969" y="9404"/>
-                  </a:lnTo>
-                  <a:lnTo>
-                    <a:pt x="1969" y="1985"/>
-                  </a:lnTo>
-                  <a:close/>
-                  <a:moveTo>
-                    <a:pt x="9877" y="0"/>
-                  </a:moveTo>
-                  <a:lnTo>
-                    <a:pt x="1497" y="16"/>
-                  </a:lnTo>
-                  <a:cubicBezTo>
-                    <a:pt x="1487" y="16"/>
-                    <a:pt x="1478" y="16"/>
-                    <a:pt x="1469" y="16"/>
-                  </a:cubicBezTo>
-                  <a:cubicBezTo>
-                    <a:pt x="662" y="16"/>
-                    <a:pt x="0" y="687"/>
-                    <a:pt x="0" y="1512"/>
-                  </a:cubicBezTo>
-                  <a:lnTo>
-                    <a:pt x="0" y="9877"/>
-                  </a:lnTo>
-                  <a:cubicBezTo>
-                    <a:pt x="0" y="10711"/>
-                    <a:pt x="678" y="11373"/>
-                    <a:pt x="1497" y="11373"/>
-                  </a:cubicBezTo>
-                  <a:lnTo>
-                    <a:pt x="9877" y="11373"/>
-                  </a:lnTo>
-                  <a:cubicBezTo>
-                    <a:pt x="10711" y="11373"/>
-                    <a:pt x="11373" y="10711"/>
-                    <a:pt x="11373" y="9877"/>
-                  </a:cubicBezTo>
-                  <a:lnTo>
-                    <a:pt x="11373" y="1497"/>
-                  </a:lnTo>
-                  <a:cubicBezTo>
-                    <a:pt x="11373" y="678"/>
-                    <a:pt x="10711" y="0"/>
-                    <a:pt x="9877" y="0"/>
-                  </a:cubicBezTo>
-                  <a:close/>
-                </a:path>
-              </a:pathLst>
-            </a:custGeom>
-            <a:solidFill>
-              <a:schemeClr val="dk1"/>
-            </a:solidFill>
-            <a:ln>
-              <a:noFill/>
-            </a:ln>
-          </p:spPr>
-          <p:txBody>
-            <a:bodyPr spcFirstLastPara="1" wrap="square" lIns="91425" tIns="91425" rIns="91425" bIns="91425" anchor="ctr" anchorCtr="0">
-              <a:noAutofit/>
-            </a:bodyPr>
-            <a:lstStyle/>
-            <a:p>
-              <a:pPr marL="0" lvl="0" indent="0" algn="l" rtl="0">
-                <a:spcBef>
-                  <a:spcPts val="0"/>
-                </a:spcBef>
-                <a:spcAft>
-                  <a:spcPts val="0"/>
-                </a:spcAft>
-                <a:buNone/>
-              </a:pPr>
-              <a:endParaRPr/>
-            </a:p>
-          </p:txBody>
-        </p:sp>
-      </p:grpSp>
-      <p:grpSp>
-        <p:nvGrpSpPr>
-          <p:cNvPr id="912" name="Google Shape;912;p49"/>
-          <p:cNvGrpSpPr/>
-          <p:nvPr/>
-        </p:nvGrpSpPr>
-        <p:grpSpPr>
-          <a:xfrm rot="-3210428" flipH="1">
-            <a:off x="2833509" y="4000554"/>
-            <a:ext cx="925789" cy="598552"/>
-            <a:chOff x="3586125" y="4525175"/>
-            <a:chExt cx="925825" cy="598575"/>
-          </a:xfrm>
-        </p:grpSpPr>
-        <p:sp>
-          <p:nvSpPr>
-            <p:cNvPr id="913" name="Google Shape;913;p49"/>
-            <p:cNvSpPr/>
-            <p:nvPr/>
-          </p:nvSpPr>
-          <p:spPr>
-            <a:xfrm>
-              <a:off x="3905875" y="4525175"/>
-              <a:ext cx="284350" cy="284350"/>
-            </a:xfrm>
-            <a:custGeom>
-              <a:avLst/>
-              <a:gdLst/>
-              <a:ahLst/>
-              <a:cxnLst/>
-              <a:rect l="l" t="t" r="r" b="b"/>
-              <a:pathLst>
-                <a:path w="11374" h="11374" extrusionOk="0">
-                  <a:moveTo>
-                    <a:pt x="9404" y="1969"/>
-                  </a:moveTo>
-                  <a:lnTo>
-                    <a:pt x="9404" y="9404"/>
-                  </a:lnTo>
-                  <a:lnTo>
-                    <a:pt x="1969" y="9404"/>
-                  </a:lnTo>
-                  <a:lnTo>
-                    <a:pt x="1969" y="1969"/>
-                  </a:lnTo>
-                  <a:close/>
-                  <a:moveTo>
-                    <a:pt x="1497" y="1"/>
-                  </a:moveTo>
-                  <a:cubicBezTo>
-                    <a:pt x="678" y="1"/>
-                    <a:pt x="1" y="678"/>
-                    <a:pt x="1" y="1497"/>
-                  </a:cubicBezTo>
-                  <a:lnTo>
-                    <a:pt x="1" y="9877"/>
-                  </a:lnTo>
-                  <a:cubicBezTo>
-                    <a:pt x="1" y="10696"/>
-                    <a:pt x="678" y="11373"/>
-                    <a:pt x="1497" y="11373"/>
-                  </a:cubicBezTo>
-                  <a:lnTo>
-                    <a:pt x="9877" y="11373"/>
-                  </a:lnTo>
-                  <a:cubicBezTo>
-                    <a:pt x="10696" y="11373"/>
-                    <a:pt x="11373" y="10712"/>
-                    <a:pt x="11373" y="9877"/>
-                  </a:cubicBezTo>
-                  <a:lnTo>
-                    <a:pt x="11373" y="1497"/>
-                  </a:lnTo>
-                  <a:cubicBezTo>
-                    <a:pt x="11373" y="678"/>
-                    <a:pt x="10712" y="1"/>
-                    <a:pt x="9877" y="1"/>
-                  </a:cubicBezTo>
-                  <a:close/>
-                </a:path>
-              </a:pathLst>
-            </a:custGeom>
-            <a:solidFill>
-              <a:schemeClr val="dk1"/>
-            </a:solidFill>
-            <a:ln>
-              <a:noFill/>
-            </a:ln>
-          </p:spPr>
-          <p:txBody>
-            <a:bodyPr spcFirstLastPara="1" wrap="square" lIns="91425" tIns="91425" rIns="91425" bIns="91425" anchor="ctr" anchorCtr="0">
-              <a:noAutofit/>
-            </a:bodyPr>
-            <a:lstStyle/>
-            <a:p>
-              <a:pPr marL="0" lvl="0" indent="0" algn="l" rtl="0">
-                <a:spcBef>
-                  <a:spcPts val="0"/>
-                </a:spcBef>
-                <a:spcAft>
-                  <a:spcPts val="0"/>
-                </a:spcAft>
-                <a:buNone/>
-              </a:pPr>
-              <a:endParaRPr/>
-            </a:p>
-          </p:txBody>
-        </p:sp>
-        <p:sp>
-          <p:nvSpPr>
-            <p:cNvPr id="914" name="Google Shape;914;p49"/>
-            <p:cNvSpPr/>
-            <p:nvPr/>
-          </p:nvSpPr>
-          <p:spPr>
-            <a:xfrm>
-              <a:off x="3905875" y="4839425"/>
-              <a:ext cx="284350" cy="284325"/>
-            </a:xfrm>
-            <a:custGeom>
-              <a:avLst/>
-              <a:gdLst/>
-              <a:ahLst/>
-              <a:cxnLst/>
-              <a:rect l="l" t="t" r="r" b="b"/>
-              <a:pathLst>
-                <a:path w="11374" h="11373" extrusionOk="0">
-                  <a:moveTo>
-                    <a:pt x="9404" y="1969"/>
-                  </a:moveTo>
-                  <a:lnTo>
-                    <a:pt x="9404" y="9404"/>
-                  </a:lnTo>
-                  <a:lnTo>
-                    <a:pt x="1969" y="9404"/>
-                  </a:lnTo>
-                  <a:lnTo>
-                    <a:pt x="1969" y="1969"/>
-                  </a:lnTo>
-                  <a:close/>
-                  <a:moveTo>
-                    <a:pt x="1497" y="0"/>
-                  </a:moveTo>
-                  <a:cubicBezTo>
-                    <a:pt x="678" y="0"/>
-                    <a:pt x="1" y="678"/>
-                    <a:pt x="1" y="1497"/>
-                  </a:cubicBezTo>
-                  <a:lnTo>
-                    <a:pt x="1" y="9877"/>
-                  </a:lnTo>
-                  <a:cubicBezTo>
-                    <a:pt x="1" y="10696"/>
-                    <a:pt x="678" y="11373"/>
-                    <a:pt x="1497" y="11373"/>
-                  </a:cubicBezTo>
-                  <a:lnTo>
-                    <a:pt x="9877" y="11373"/>
-                  </a:lnTo>
-                  <a:cubicBezTo>
-                    <a:pt x="10696" y="11373"/>
-                    <a:pt x="11373" y="10696"/>
-                    <a:pt x="11373" y="9877"/>
-                  </a:cubicBezTo>
-                  <a:lnTo>
-                    <a:pt x="11373" y="1497"/>
-                  </a:lnTo>
-                  <a:cubicBezTo>
-                    <a:pt x="11373" y="678"/>
-                    <a:pt x="10712" y="0"/>
-                    <a:pt x="9877" y="0"/>
-                  </a:cubicBezTo>
-                  <a:close/>
-                </a:path>
-              </a:pathLst>
-            </a:custGeom>
-            <a:solidFill>
-              <a:schemeClr val="dk1"/>
-            </a:solidFill>
-            <a:ln>
-              <a:noFill/>
-            </a:ln>
-          </p:spPr>
-          <p:txBody>
-            <a:bodyPr spcFirstLastPara="1" wrap="square" lIns="91425" tIns="91425" rIns="91425" bIns="91425" anchor="ctr" anchorCtr="0">
-              <a:noAutofit/>
-            </a:bodyPr>
-            <a:lstStyle/>
-            <a:p>
-              <a:pPr marL="0" lvl="0" indent="0" algn="l" rtl="0">
-                <a:spcBef>
-                  <a:spcPts val="0"/>
-                </a:spcBef>
-                <a:spcAft>
-                  <a:spcPts val="0"/>
-                </a:spcAft>
-                <a:buNone/>
-              </a:pPr>
-              <a:endParaRPr/>
-            </a:p>
-          </p:txBody>
-        </p:sp>
-        <p:sp>
-          <p:nvSpPr>
-            <p:cNvPr id="915" name="Google Shape;915;p49"/>
-            <p:cNvSpPr/>
-            <p:nvPr/>
-          </p:nvSpPr>
-          <p:spPr>
-            <a:xfrm>
-              <a:off x="4227600" y="4839425"/>
-              <a:ext cx="284350" cy="284325"/>
-            </a:xfrm>
-            <a:custGeom>
-              <a:avLst/>
-              <a:gdLst/>
-              <a:ahLst/>
-              <a:cxnLst/>
-              <a:rect l="l" t="t" r="r" b="b"/>
-              <a:pathLst>
-                <a:path w="11374" h="11373" extrusionOk="0">
-                  <a:moveTo>
-                    <a:pt x="9404" y="1969"/>
-                  </a:moveTo>
-                  <a:lnTo>
-                    <a:pt x="9404" y="9404"/>
-                  </a:lnTo>
-                  <a:lnTo>
-                    <a:pt x="1970" y="9404"/>
-                  </a:lnTo>
-                  <a:lnTo>
-                    <a:pt x="1970" y="1969"/>
-                  </a:lnTo>
-                  <a:close/>
-                  <a:moveTo>
-                    <a:pt x="1497" y="0"/>
-                  </a:moveTo>
-                  <a:cubicBezTo>
-                    <a:pt x="662" y="0"/>
-                    <a:pt x="1" y="678"/>
-                    <a:pt x="1" y="1497"/>
-                  </a:cubicBezTo>
-                  <a:lnTo>
-                    <a:pt x="1" y="9877"/>
-                  </a:lnTo>
-                  <a:cubicBezTo>
-                    <a:pt x="1" y="10696"/>
-                    <a:pt x="662" y="11373"/>
-                    <a:pt x="1497" y="11373"/>
-                  </a:cubicBezTo>
-                  <a:lnTo>
-                    <a:pt x="9877" y="11373"/>
-                  </a:lnTo>
-                  <a:cubicBezTo>
-                    <a:pt x="10696" y="11373"/>
-                    <a:pt x="11358" y="10696"/>
-                    <a:pt x="11373" y="9877"/>
-                  </a:cubicBezTo>
-                  <a:lnTo>
-                    <a:pt x="11373" y="1497"/>
-                  </a:lnTo>
-                  <a:cubicBezTo>
-                    <a:pt x="11373" y="678"/>
-                    <a:pt x="10696" y="0"/>
-                    <a:pt x="9877" y="0"/>
-                  </a:cubicBezTo>
-                  <a:close/>
-                </a:path>
-              </a:pathLst>
-            </a:custGeom>
-            <a:solidFill>
-              <a:schemeClr val="dk1"/>
-            </a:solidFill>
-            <a:ln>
-              <a:noFill/>
-            </a:ln>
-          </p:spPr>
-          <p:txBody>
-            <a:bodyPr spcFirstLastPara="1" wrap="square" lIns="91425" tIns="91425" rIns="91425" bIns="91425" anchor="ctr" anchorCtr="0">
-              <a:noAutofit/>
-            </a:bodyPr>
-            <a:lstStyle/>
-            <a:p>
-              <a:pPr marL="0" lvl="0" indent="0" algn="l" rtl="0">
-                <a:spcBef>
-                  <a:spcPts val="0"/>
-                </a:spcBef>
-                <a:spcAft>
-                  <a:spcPts val="0"/>
-                </a:spcAft>
-                <a:buNone/>
-              </a:pPr>
-              <a:endParaRPr/>
-            </a:p>
-          </p:txBody>
-        </p:sp>
-        <p:sp>
-          <p:nvSpPr>
-            <p:cNvPr id="916" name="Google Shape;916;p49"/>
-            <p:cNvSpPr/>
-            <p:nvPr/>
-          </p:nvSpPr>
-          <p:spPr>
-            <a:xfrm>
-              <a:off x="3586125" y="4525175"/>
-              <a:ext cx="284325" cy="284350"/>
-            </a:xfrm>
-            <a:custGeom>
-              <a:avLst/>
-              <a:gdLst/>
-              <a:ahLst/>
-              <a:cxnLst/>
-              <a:rect l="l" t="t" r="r" b="b"/>
-              <a:pathLst>
-                <a:path w="11373" h="11374" extrusionOk="0">
-                  <a:moveTo>
-                    <a:pt x="9420" y="1969"/>
-                  </a:moveTo>
-                  <a:lnTo>
-                    <a:pt x="9420" y="9404"/>
-                  </a:lnTo>
-                  <a:lnTo>
-                    <a:pt x="1985" y="9404"/>
-                  </a:lnTo>
-                  <a:lnTo>
-                    <a:pt x="1985" y="1969"/>
-                  </a:lnTo>
-                  <a:close/>
-                  <a:moveTo>
-                    <a:pt x="1512" y="1"/>
-                  </a:moveTo>
-                  <a:cubicBezTo>
-                    <a:pt x="678" y="1"/>
-                    <a:pt x="16" y="678"/>
-                    <a:pt x="16" y="1497"/>
-                  </a:cubicBezTo>
-                  <a:lnTo>
-                    <a:pt x="16" y="9877"/>
-                  </a:lnTo>
-                  <a:cubicBezTo>
-                    <a:pt x="0" y="10696"/>
-                    <a:pt x="678" y="11373"/>
-                    <a:pt x="1497" y="11373"/>
-                  </a:cubicBezTo>
-                  <a:lnTo>
-                    <a:pt x="9876" y="11373"/>
-                  </a:lnTo>
-                  <a:cubicBezTo>
-                    <a:pt x="10711" y="11373"/>
-                    <a:pt x="11373" y="10712"/>
-                    <a:pt x="11373" y="9877"/>
-                  </a:cubicBezTo>
-                  <a:lnTo>
-                    <a:pt x="11373" y="1497"/>
-                  </a:lnTo>
-                  <a:cubicBezTo>
-                    <a:pt x="11373" y="678"/>
-                    <a:pt x="10711" y="1"/>
-                    <a:pt x="9876" y="1"/>
-                  </a:cubicBezTo>
-                  <a:close/>
-                </a:path>
-              </a:pathLst>
-            </a:custGeom>
-            <a:solidFill>
-              <a:schemeClr val="dk1"/>
-            </a:solidFill>
-            <a:ln>
-              <a:noFill/>
-            </a:ln>
-          </p:spPr>
-          <p:txBody>
-            <a:bodyPr spcFirstLastPara="1" wrap="square" lIns="91425" tIns="91425" rIns="91425" bIns="91425" anchor="ctr" anchorCtr="0">
-              <a:noAutofit/>
-            </a:bodyPr>
-            <a:lstStyle/>
-            <a:p>
-              <a:pPr marL="0" lvl="0" indent="0" algn="l" rtl="0">
-                <a:spcBef>
-                  <a:spcPts val="0"/>
-                </a:spcBef>
-                <a:spcAft>
-                  <a:spcPts val="0"/>
-                </a:spcAft>
-                <a:buNone/>
-              </a:pPr>
-              <a:endParaRPr/>
-            </a:p>
-          </p:txBody>
-        </p:sp>
-      </p:grpSp>
-    </p:spTree>
-  </p:cSld>
-  <p:clrMapOvr>
-    <a:masterClrMapping/>
-  </p:clrMapOvr>
-  <mc:AlternateContent xmlns:mc="http://schemas.openxmlformats.org/markup-compatibility/2006" xmlns:p14="http://schemas.microsoft.com/office/powerpoint/2010/main">
-    <mc:Choice Requires="p14">
-      <p:transition spd="slow" p14:dur="1500">
-        <p:random/>
-      </p:transition>
-    </mc:Choice>
-    <mc:Fallback xmlns="">
-      <p:transition spd="slow">
-        <p:random/>
-      </p:transition>
-    </mc:Fallback>
-  </mc:AlternateContent>
 </p:sld>
 </file>
 

--- a/Presentation/NP-group3-Caro-final.pptx
+++ b/Presentation/NP-group3-Caro-final.pptx
@@ -22054,14 +22054,14 @@
           <p:nvPr>
             <p:extLst>
               <p:ext uri="{D42A27DB-BD31-4B8C-83A1-F6EECF244321}">
-                <p14:modId xmlns:p14="http://schemas.microsoft.com/office/powerpoint/2010/main" val="1338825159"/>
+                <p14:modId xmlns:p14="http://schemas.microsoft.com/office/powerpoint/2010/main" val="2590770394"/>
               </p:ext>
             </p:extLst>
           </p:nvPr>
         </p:nvGraphicFramePr>
         <p:xfrm>
           <a:off x="1018624" y="1262657"/>
-          <a:ext cx="7106752" cy="3206595"/>
+          <a:ext cx="7106752" cy="3507447"/>
         </p:xfrm>
         <a:graphic>
           <a:graphicData uri="http://schemas.openxmlformats.org/drawingml/2006/table">
@@ -22509,6 +22509,40 @@
                         </a:rPr>
                         <a:t>Protocol implementation</a:t>
                       </a:r>
+                    </a:p>
+                    <a:p>
+                      <a:pPr marL="0" marR="0" lvl="0" indent="0" algn="l" rtl="0">
+                        <a:lnSpc>
+                          <a:spcPct val="150000"/>
+                        </a:lnSpc>
+                        <a:spcBef>
+                          <a:spcPts val="0"/>
+                        </a:spcBef>
+                        <a:spcAft>
+                          <a:spcPts val="0"/>
+                        </a:spcAft>
+                        <a:buClr>
+                          <a:schemeClr val="dk1"/>
+                        </a:buClr>
+                        <a:buSzPct val="100000"/>
+                        <a:buFont typeface="+mj-lt"/>
+                        <a:buNone/>
+                      </a:pPr>
+                      <a:r>
+                        <a:rPr lang="vi-VN" sz="1400" b="0" i="0" u="none" strike="noStrike" cap="none">
+                          <a:solidFill>
+                            <a:schemeClr val="dk1"/>
+                          </a:solidFill>
+                          <a:sym typeface="Lato"/>
+                        </a:rPr>
+                        <a:t>Ingame logic</a:t>
+                      </a:r>
+                      <a:endParaRPr lang="vi-VN" sz="1400" b="0" i="0" u="none" strike="noStrike" cap="none" dirty="0">
+                        <a:solidFill>
+                          <a:schemeClr val="dk1"/>
+                        </a:solidFill>
+                        <a:sym typeface="Lato"/>
+                      </a:endParaRPr>
                     </a:p>
                     <a:p>
                       <a:pPr marL="0" marR="0" lvl="0" indent="0" algn="l" rtl="0">
